--- a/presentations/ImageProcessing_3.pptx
+++ b/presentations/ImageProcessing_3.pptx
@@ -3,18 +3,23 @@
 <p:presentation xmlns:a="http://schemas.openxmlformats.org/drawingml/2006/main" xmlns:r="http://schemas.openxmlformats.org/officeDocument/2006/relationships" xmlns:p="http://schemas.openxmlformats.org/presentationml/2006/main" saveSubsetFonts="1">
   <p:sldMasterIdLst>
     <p:sldMasterId id="2147483648" r:id="rId1"/>
+    <p:sldMasterId id="2147483660" r:id="rId2"/>
   </p:sldMasterIdLst>
   <p:sldIdLst>
-    <p:sldId id="256" r:id="rId2"/>
-    <p:sldId id="257" r:id="rId3"/>
-    <p:sldId id="264" r:id="rId4"/>
+    <p:sldId id="256" r:id="rId3"/>
+    <p:sldId id="257" r:id="rId4"/>
     <p:sldId id="258" r:id="rId5"/>
     <p:sldId id="259" r:id="rId6"/>
-    <p:sldId id="260" r:id="rId7"/>
-    <p:sldId id="265" r:id="rId8"/>
-    <p:sldId id="261" r:id="rId9"/>
-    <p:sldId id="263" r:id="rId10"/>
-    <p:sldId id="268" r:id="rId11"/>
+    <p:sldId id="272" r:id="rId7"/>
+    <p:sldId id="264" r:id="rId8"/>
+    <p:sldId id="260" r:id="rId9"/>
+    <p:sldId id="265" r:id="rId10"/>
+    <p:sldId id="271" r:id="rId11"/>
+    <p:sldId id="261" r:id="rId12"/>
+    <p:sldId id="263" r:id="rId13"/>
+    <p:sldId id="268" r:id="rId14"/>
+    <p:sldId id="269" r:id="rId15"/>
+    <p:sldId id="270" r:id="rId16"/>
   </p:sldIdLst>
   <p:sldSz cx="12192000" cy="6858000"/>
   <p:notesSz cx="6858000" cy="9144000"/>
@@ -115,7 +120,7 @@
   </p:defaultTextStyle>
   <p:extLst>
     <p:ext uri="{EFAFB233-063F-42B5-8137-9DF3F51BA10A}">
-      <p15:sldGuideLst xmlns:p15="http://schemas.microsoft.com/office/powerpoint/2012/main"/>
+      <p15:sldGuideLst xmlns="" xmlns:p15="http://schemas.microsoft.com/office/powerpoint/2012/main"/>
     </p:ext>
   </p:extLst>
 </p:presentation>
@@ -252,7 +257,7 @@
           <a:p>
             <a:fld id="{080FC6DD-0AE0-4CF7-AE64-8E0C1AEEC238}" type="datetimeFigureOut">
               <a:rPr lang="bg-BG" smtClean="0"/>
-              <a:t>10.6.2017 г.</a:t>
+              <a:t>13.6.2017 г.</a:t>
             </a:fld>
             <a:endParaRPr lang="bg-BG"/>
           </a:p>
@@ -422,7 +427,7 @@
           <a:p>
             <a:fld id="{080FC6DD-0AE0-4CF7-AE64-8E0C1AEEC238}" type="datetimeFigureOut">
               <a:rPr lang="bg-BG" smtClean="0"/>
-              <a:t>10.6.2017 г.</a:t>
+              <a:t>13.6.2017 г.</a:t>
             </a:fld>
             <a:endParaRPr lang="bg-BG"/>
           </a:p>
@@ -602,7 +607,7 @@
           <a:p>
             <a:fld id="{080FC6DD-0AE0-4CF7-AE64-8E0C1AEEC238}" type="datetimeFigureOut">
               <a:rPr lang="bg-BG" smtClean="0"/>
-              <a:t>10.6.2017 г.</a:t>
+              <a:t>13.6.2017 г.</a:t>
             </a:fld>
             <a:endParaRPr lang="bg-BG"/>
           </a:p>
@@ -656,6 +661,1960 @@
         <p14:creationId xmlns:p14="http://schemas.microsoft.com/office/powerpoint/2010/main" val="3385348581"/>
       </p:ext>
     </p:extLst>
+  </p:cSld>
+  <p:clrMapOvr>
+    <a:masterClrMapping/>
+  </p:clrMapOvr>
+</p:sldLayout>
+</file>
+
+<file path=ppt/slideLayouts/slideLayout12.xml><?xml version="1.0" encoding="utf-8"?>
+<p:sldLayout xmlns:a="http://schemas.openxmlformats.org/drawingml/2006/main" xmlns:r="http://schemas.openxmlformats.org/officeDocument/2006/relationships" xmlns:p="http://schemas.openxmlformats.org/presentationml/2006/main" type="title" preserve="1">
+  <p:cSld name="Title Slide">
+    <p:spTree>
+      <p:nvGrpSpPr>
+        <p:cNvPr id="1" name=""/>
+        <p:cNvGrpSpPr/>
+        <p:nvPr/>
+      </p:nvGrpSpPr>
+      <p:grpSpPr>
+        <a:xfrm>
+          <a:off x="0" y="0"/>
+          <a:ext cx="0" cy="0"/>
+          <a:chOff x="0" y="0"/>
+          <a:chExt cx="0" cy="0"/>
+        </a:xfrm>
+      </p:grpSpPr>
+      <p:sp>
+        <p:nvSpPr>
+          <p:cNvPr id="2" name="Title 1"/>
+          <p:cNvSpPr>
+            <a:spLocks noGrp="1"/>
+          </p:cNvSpPr>
+          <p:nvPr>
+            <p:ph type="ctrTitle"/>
+          </p:nvPr>
+        </p:nvSpPr>
+        <p:spPr>
+          <a:xfrm>
+            <a:off x="914400" y="609601"/>
+            <a:ext cx="10363200" cy="4267200"/>
+          </a:xfrm>
+        </p:spPr>
+        <p:txBody>
+          <a:bodyPr anchor="b">
+            <a:noAutofit/>
+          </a:bodyPr>
+          <a:lstStyle>
+            <a:lvl1pPr>
+              <a:lnSpc>
+                <a:spcPct val="100000"/>
+              </a:lnSpc>
+              <a:defRPr sz="8000"/>
+            </a:lvl1pPr>
+          </a:lstStyle>
+          <a:p>
+            <a:r>
+              <a:rPr lang="en-US" smtClean="0"/>
+              <a:t>Click to edit Master title style</a:t>
+            </a:r>
+            <a:endParaRPr lang="en-US" dirty="0"/>
+          </a:p>
+        </p:txBody>
+      </p:sp>
+      <p:sp>
+        <p:nvSpPr>
+          <p:cNvPr id="3" name="Subtitle 2"/>
+          <p:cNvSpPr>
+            <a:spLocks noGrp="1"/>
+          </p:cNvSpPr>
+          <p:nvPr>
+            <p:ph type="subTitle" idx="1"/>
+          </p:nvPr>
+        </p:nvSpPr>
+        <p:spPr>
+          <a:xfrm>
+            <a:off x="1828800" y="4953000"/>
+            <a:ext cx="8534400" cy="1219200"/>
+          </a:xfrm>
+        </p:spPr>
+        <p:txBody>
+          <a:bodyPr>
+            <a:normAutofit/>
+          </a:bodyPr>
+          <a:lstStyle>
+            <a:lvl1pPr marL="0" indent="0" algn="ctr">
+              <a:buNone/>
+              <a:defRPr sz="2400">
+                <a:solidFill>
+                  <a:schemeClr val="tx1">
+                    <a:tint val="75000"/>
+                  </a:schemeClr>
+                </a:solidFill>
+              </a:defRPr>
+            </a:lvl1pPr>
+            <a:lvl2pPr marL="457200" indent="0" algn="ctr">
+              <a:buNone/>
+              <a:defRPr>
+                <a:solidFill>
+                  <a:schemeClr val="tx1">
+                    <a:tint val="75000"/>
+                  </a:schemeClr>
+                </a:solidFill>
+              </a:defRPr>
+            </a:lvl2pPr>
+            <a:lvl3pPr marL="914400" indent="0" algn="ctr">
+              <a:buNone/>
+              <a:defRPr>
+                <a:solidFill>
+                  <a:schemeClr val="tx1">
+                    <a:tint val="75000"/>
+                  </a:schemeClr>
+                </a:solidFill>
+              </a:defRPr>
+            </a:lvl3pPr>
+            <a:lvl4pPr marL="1371600" indent="0" algn="ctr">
+              <a:buNone/>
+              <a:defRPr>
+                <a:solidFill>
+                  <a:schemeClr val="tx1">
+                    <a:tint val="75000"/>
+                  </a:schemeClr>
+                </a:solidFill>
+              </a:defRPr>
+            </a:lvl4pPr>
+            <a:lvl5pPr marL="1828800" indent="0" algn="ctr">
+              <a:buNone/>
+              <a:defRPr>
+                <a:solidFill>
+                  <a:schemeClr val="tx1">
+                    <a:tint val="75000"/>
+                  </a:schemeClr>
+                </a:solidFill>
+              </a:defRPr>
+            </a:lvl5pPr>
+            <a:lvl6pPr marL="2286000" indent="0" algn="ctr">
+              <a:buNone/>
+              <a:defRPr>
+                <a:solidFill>
+                  <a:schemeClr val="tx1">
+                    <a:tint val="75000"/>
+                  </a:schemeClr>
+                </a:solidFill>
+              </a:defRPr>
+            </a:lvl6pPr>
+            <a:lvl7pPr marL="2743200" indent="0" algn="ctr">
+              <a:buNone/>
+              <a:defRPr>
+                <a:solidFill>
+                  <a:schemeClr val="tx1">
+                    <a:tint val="75000"/>
+                  </a:schemeClr>
+                </a:solidFill>
+              </a:defRPr>
+            </a:lvl7pPr>
+            <a:lvl8pPr marL="3200400" indent="0" algn="ctr">
+              <a:buNone/>
+              <a:defRPr>
+                <a:solidFill>
+                  <a:schemeClr val="tx1">
+                    <a:tint val="75000"/>
+                  </a:schemeClr>
+                </a:solidFill>
+              </a:defRPr>
+            </a:lvl8pPr>
+            <a:lvl9pPr marL="3657600" indent="0" algn="ctr">
+              <a:buNone/>
+              <a:defRPr>
+                <a:solidFill>
+                  <a:schemeClr val="tx1">
+                    <a:tint val="75000"/>
+                  </a:schemeClr>
+                </a:solidFill>
+              </a:defRPr>
+            </a:lvl9pPr>
+          </a:lstStyle>
+          <a:p>
+            <a:r>
+              <a:rPr lang="en-US" smtClean="0"/>
+              <a:t>Click to edit Master subtitle style</a:t>
+            </a:r>
+            <a:endParaRPr lang="en-US" dirty="0"/>
+          </a:p>
+        </p:txBody>
+      </p:sp>
+      <p:sp>
+        <p:nvSpPr>
+          <p:cNvPr id="7" name="Date Placeholder 6"/>
+          <p:cNvSpPr>
+            <a:spLocks noGrp="1"/>
+          </p:cNvSpPr>
+          <p:nvPr>
+            <p:ph type="dt" sz="half" idx="10"/>
+          </p:nvPr>
+        </p:nvSpPr>
+        <p:spPr/>
+        <p:txBody>
+          <a:bodyPr/>
+          <a:lstStyle/>
+          <a:p>
+            <a:fld id="{080FC6DD-0AE0-4CF7-AE64-8E0C1AEEC238}" type="datetimeFigureOut">
+              <a:rPr lang="bg-BG" smtClean="0"/>
+              <a:t>13.6.2017 г.</a:t>
+            </a:fld>
+            <a:endParaRPr lang="bg-BG"/>
+          </a:p>
+        </p:txBody>
+      </p:sp>
+      <p:sp>
+        <p:nvSpPr>
+          <p:cNvPr id="8" name="Slide Number Placeholder 7"/>
+          <p:cNvSpPr>
+            <a:spLocks noGrp="1"/>
+          </p:cNvSpPr>
+          <p:nvPr>
+            <p:ph type="sldNum" sz="quarter" idx="11"/>
+          </p:nvPr>
+        </p:nvSpPr>
+        <p:spPr/>
+        <p:txBody>
+          <a:bodyPr/>
+          <a:lstStyle/>
+          <a:p>
+            <a:fld id="{3AD01B2C-0BE2-4F3C-8861-8FC48C4ECE84}" type="slidenum">
+              <a:rPr lang="bg-BG" smtClean="0"/>
+              <a:t>‹#›</a:t>
+            </a:fld>
+            <a:endParaRPr lang="bg-BG"/>
+          </a:p>
+        </p:txBody>
+      </p:sp>
+      <p:sp>
+        <p:nvSpPr>
+          <p:cNvPr id="9" name="Footer Placeholder 8"/>
+          <p:cNvSpPr>
+            <a:spLocks noGrp="1"/>
+          </p:cNvSpPr>
+          <p:nvPr>
+            <p:ph type="ftr" sz="quarter" idx="12"/>
+          </p:nvPr>
+        </p:nvSpPr>
+        <p:spPr/>
+        <p:txBody>
+          <a:bodyPr/>
+          <a:lstStyle/>
+          <a:p>
+            <a:endParaRPr lang="bg-BG"/>
+          </a:p>
+        </p:txBody>
+      </p:sp>
+    </p:spTree>
+  </p:cSld>
+  <p:clrMapOvr>
+    <a:masterClrMapping/>
+  </p:clrMapOvr>
+</p:sldLayout>
+</file>
+
+<file path=ppt/slideLayouts/slideLayout13.xml><?xml version="1.0" encoding="utf-8"?>
+<p:sldLayout xmlns:a="http://schemas.openxmlformats.org/drawingml/2006/main" xmlns:r="http://schemas.openxmlformats.org/officeDocument/2006/relationships" xmlns:p="http://schemas.openxmlformats.org/presentationml/2006/main" type="obj" preserve="1">
+  <p:cSld name="Title and Content">
+    <p:spTree>
+      <p:nvGrpSpPr>
+        <p:cNvPr id="1" name=""/>
+        <p:cNvGrpSpPr/>
+        <p:nvPr/>
+      </p:nvGrpSpPr>
+      <p:grpSpPr>
+        <a:xfrm>
+          <a:off x="0" y="0"/>
+          <a:ext cx="0" cy="0"/>
+          <a:chOff x="0" y="0"/>
+          <a:chExt cx="0" cy="0"/>
+        </a:xfrm>
+      </p:grpSpPr>
+      <p:sp>
+        <p:nvSpPr>
+          <p:cNvPr id="2" name="Title 1"/>
+          <p:cNvSpPr>
+            <a:spLocks noGrp="1"/>
+          </p:cNvSpPr>
+          <p:nvPr>
+            <p:ph type="title"/>
+          </p:nvPr>
+        </p:nvSpPr>
+        <p:spPr/>
+        <p:txBody>
+          <a:bodyPr/>
+          <a:lstStyle/>
+          <a:p>
+            <a:r>
+              <a:rPr lang="en-US" smtClean="0"/>
+              <a:t>Click to edit Master title style</a:t>
+            </a:r>
+            <a:endParaRPr lang="en-US" dirty="0"/>
+          </a:p>
+        </p:txBody>
+      </p:sp>
+      <p:sp>
+        <p:nvSpPr>
+          <p:cNvPr id="3" name="Content Placeholder 2"/>
+          <p:cNvSpPr>
+            <a:spLocks noGrp="1"/>
+          </p:cNvSpPr>
+          <p:nvPr>
+            <p:ph idx="1"/>
+          </p:nvPr>
+        </p:nvSpPr>
+        <p:spPr/>
+        <p:txBody>
+          <a:bodyPr/>
+          <a:lstStyle>
+            <a:lvl5pPr>
+              <a:defRPr/>
+            </a:lvl5pPr>
+            <a:lvl6pPr>
+              <a:defRPr/>
+            </a:lvl6pPr>
+            <a:lvl7pPr>
+              <a:defRPr/>
+            </a:lvl7pPr>
+            <a:lvl8pPr>
+              <a:defRPr/>
+            </a:lvl8pPr>
+            <a:lvl9pPr>
+              <a:buFont typeface="Arial" pitchFamily="34" charset="0"/>
+              <a:buChar char="•"/>
+              <a:defRPr/>
+            </a:lvl9pPr>
+          </a:lstStyle>
+          <a:p>
+            <a:pPr lvl="0"/>
+            <a:r>
+              <a:rPr lang="en-US" smtClean="0"/>
+              <a:t>Click to edit Master text styles</a:t>
+            </a:r>
+          </a:p>
+          <a:p>
+            <a:pPr lvl="1"/>
+            <a:r>
+              <a:rPr lang="en-US" smtClean="0"/>
+              <a:t>Second level</a:t>
+            </a:r>
+          </a:p>
+          <a:p>
+            <a:pPr lvl="2"/>
+            <a:r>
+              <a:rPr lang="en-US" smtClean="0"/>
+              <a:t>Third level</a:t>
+            </a:r>
+          </a:p>
+          <a:p>
+            <a:pPr lvl="3"/>
+            <a:r>
+              <a:rPr lang="en-US" smtClean="0"/>
+              <a:t>Fourth level</a:t>
+            </a:r>
+          </a:p>
+          <a:p>
+            <a:pPr lvl="4"/>
+            <a:r>
+              <a:rPr lang="en-US" smtClean="0"/>
+              <a:t>Fifth level</a:t>
+            </a:r>
+            <a:endParaRPr lang="en-US" dirty="0" smtClean="0"/>
+          </a:p>
+        </p:txBody>
+      </p:sp>
+      <p:sp>
+        <p:nvSpPr>
+          <p:cNvPr id="4" name="Date Placeholder 3"/>
+          <p:cNvSpPr>
+            <a:spLocks noGrp="1"/>
+          </p:cNvSpPr>
+          <p:nvPr>
+            <p:ph type="dt" sz="half" idx="10"/>
+          </p:nvPr>
+        </p:nvSpPr>
+        <p:spPr/>
+        <p:txBody>
+          <a:bodyPr/>
+          <a:lstStyle/>
+          <a:p>
+            <a:fld id="{080FC6DD-0AE0-4CF7-AE64-8E0C1AEEC238}" type="datetimeFigureOut">
+              <a:rPr lang="bg-BG" smtClean="0"/>
+              <a:t>13.6.2017 г.</a:t>
+            </a:fld>
+            <a:endParaRPr lang="bg-BG"/>
+          </a:p>
+        </p:txBody>
+      </p:sp>
+      <p:sp>
+        <p:nvSpPr>
+          <p:cNvPr id="5" name="Footer Placeholder 4"/>
+          <p:cNvSpPr>
+            <a:spLocks noGrp="1"/>
+          </p:cNvSpPr>
+          <p:nvPr>
+            <p:ph type="ftr" sz="quarter" idx="11"/>
+          </p:nvPr>
+        </p:nvSpPr>
+        <p:spPr/>
+        <p:txBody>
+          <a:bodyPr/>
+          <a:lstStyle/>
+          <a:p>
+            <a:endParaRPr lang="bg-BG"/>
+          </a:p>
+        </p:txBody>
+      </p:sp>
+      <p:sp>
+        <p:nvSpPr>
+          <p:cNvPr id="6" name="Slide Number Placeholder 5"/>
+          <p:cNvSpPr>
+            <a:spLocks noGrp="1"/>
+          </p:cNvSpPr>
+          <p:nvPr>
+            <p:ph type="sldNum" sz="quarter" idx="12"/>
+          </p:nvPr>
+        </p:nvSpPr>
+        <p:spPr/>
+        <p:txBody>
+          <a:bodyPr/>
+          <a:lstStyle/>
+          <a:p>
+            <a:fld id="{3AD01B2C-0BE2-4F3C-8861-8FC48C4ECE84}" type="slidenum">
+              <a:rPr lang="bg-BG" smtClean="0"/>
+              <a:t>‹#›</a:t>
+            </a:fld>
+            <a:endParaRPr lang="bg-BG"/>
+          </a:p>
+        </p:txBody>
+      </p:sp>
+    </p:spTree>
+  </p:cSld>
+  <p:clrMapOvr>
+    <a:masterClrMapping/>
+  </p:clrMapOvr>
+</p:sldLayout>
+</file>
+
+<file path=ppt/slideLayouts/slideLayout14.xml><?xml version="1.0" encoding="utf-8"?>
+<p:sldLayout xmlns:a="http://schemas.openxmlformats.org/drawingml/2006/main" xmlns:r="http://schemas.openxmlformats.org/officeDocument/2006/relationships" xmlns:p="http://schemas.openxmlformats.org/presentationml/2006/main" type="secHead" preserve="1">
+  <p:cSld name="Section Header">
+    <p:spTree>
+      <p:nvGrpSpPr>
+        <p:cNvPr id="1" name=""/>
+        <p:cNvGrpSpPr/>
+        <p:nvPr/>
+      </p:nvGrpSpPr>
+      <p:grpSpPr>
+        <a:xfrm>
+          <a:off x="0" y="0"/>
+          <a:ext cx="0" cy="0"/>
+          <a:chOff x="0" y="0"/>
+          <a:chExt cx="0" cy="0"/>
+        </a:xfrm>
+      </p:grpSpPr>
+      <p:sp>
+        <p:nvSpPr>
+          <p:cNvPr id="2" name="Title 1"/>
+          <p:cNvSpPr>
+            <a:spLocks noGrp="1"/>
+          </p:cNvSpPr>
+          <p:nvPr>
+            <p:ph type="title"/>
+          </p:nvPr>
+        </p:nvSpPr>
+        <p:spPr>
+          <a:xfrm>
+            <a:off x="963084" y="1371601"/>
+            <a:ext cx="10363200" cy="2505075"/>
+          </a:xfrm>
+        </p:spPr>
+        <p:txBody>
+          <a:bodyPr anchor="b"/>
+          <a:lstStyle>
+            <a:lvl1pPr algn="ctr" defTabSz="914400" rtl="0" eaLnBrk="1" latinLnBrk="0" hangingPunct="1">
+              <a:lnSpc>
+                <a:spcPct val="100000"/>
+              </a:lnSpc>
+              <a:spcBef>
+                <a:spcPct val="0"/>
+              </a:spcBef>
+              <a:buNone/>
+              <a:defRPr lang="en-US" sz="4800" kern="1200" dirty="0" smtClean="0">
+                <a:solidFill>
+                  <a:schemeClr val="tx2"/>
+                </a:solidFill>
+                <a:effectLst>
+                  <a:outerShdw blurRad="63500" dist="38100" dir="5400000" algn="t" rotWithShape="0">
+                    <a:prstClr val="black">
+                      <a:alpha val="25000"/>
+                    </a:prstClr>
+                  </a:outerShdw>
+                </a:effectLst>
+                <a:latin typeface="+mn-lt"/>
+                <a:ea typeface="+mj-ea"/>
+                <a:cs typeface="+mj-cs"/>
+              </a:defRPr>
+            </a:lvl1pPr>
+          </a:lstStyle>
+          <a:p>
+            <a:r>
+              <a:rPr lang="en-US" smtClean="0"/>
+              <a:t>Click to edit Master title style</a:t>
+            </a:r>
+            <a:endParaRPr lang="en-US" dirty="0"/>
+          </a:p>
+        </p:txBody>
+      </p:sp>
+      <p:sp>
+        <p:nvSpPr>
+          <p:cNvPr id="3" name="Text Placeholder 2"/>
+          <p:cNvSpPr>
+            <a:spLocks noGrp="1"/>
+          </p:cNvSpPr>
+          <p:nvPr>
+            <p:ph type="body" idx="1"/>
+          </p:nvPr>
+        </p:nvSpPr>
+        <p:spPr>
+          <a:xfrm>
+            <a:off x="963084" y="4068763"/>
+            <a:ext cx="10363200" cy="1131887"/>
+          </a:xfrm>
+        </p:spPr>
+        <p:txBody>
+          <a:bodyPr anchor="t"/>
+          <a:lstStyle>
+            <a:lvl1pPr marL="0" indent="0" algn="ctr">
+              <a:buNone/>
+              <a:defRPr sz="2000">
+                <a:solidFill>
+                  <a:schemeClr val="tx1">
+                    <a:tint val="75000"/>
+                  </a:schemeClr>
+                </a:solidFill>
+              </a:defRPr>
+            </a:lvl1pPr>
+            <a:lvl2pPr marL="457200" indent="0">
+              <a:buNone/>
+              <a:defRPr sz="1800">
+                <a:solidFill>
+                  <a:schemeClr val="tx1">
+                    <a:tint val="75000"/>
+                  </a:schemeClr>
+                </a:solidFill>
+              </a:defRPr>
+            </a:lvl2pPr>
+            <a:lvl3pPr marL="914400" indent="0">
+              <a:buNone/>
+              <a:defRPr sz="1600">
+                <a:solidFill>
+                  <a:schemeClr val="tx1">
+                    <a:tint val="75000"/>
+                  </a:schemeClr>
+                </a:solidFill>
+              </a:defRPr>
+            </a:lvl3pPr>
+            <a:lvl4pPr marL="1371600" indent="0">
+              <a:buNone/>
+              <a:defRPr sz="1400">
+                <a:solidFill>
+                  <a:schemeClr val="tx1">
+                    <a:tint val="75000"/>
+                  </a:schemeClr>
+                </a:solidFill>
+              </a:defRPr>
+            </a:lvl4pPr>
+            <a:lvl5pPr marL="1828800" indent="0">
+              <a:buNone/>
+              <a:defRPr sz="1400">
+                <a:solidFill>
+                  <a:schemeClr val="tx1">
+                    <a:tint val="75000"/>
+                  </a:schemeClr>
+                </a:solidFill>
+              </a:defRPr>
+            </a:lvl5pPr>
+            <a:lvl6pPr marL="2286000" indent="0">
+              <a:buNone/>
+              <a:defRPr sz="1400">
+                <a:solidFill>
+                  <a:schemeClr val="tx1">
+                    <a:tint val="75000"/>
+                  </a:schemeClr>
+                </a:solidFill>
+              </a:defRPr>
+            </a:lvl6pPr>
+            <a:lvl7pPr marL="2743200" indent="0">
+              <a:buNone/>
+              <a:defRPr sz="1400">
+                <a:solidFill>
+                  <a:schemeClr val="tx1">
+                    <a:tint val="75000"/>
+                  </a:schemeClr>
+                </a:solidFill>
+              </a:defRPr>
+            </a:lvl7pPr>
+            <a:lvl8pPr marL="3200400" indent="0">
+              <a:buNone/>
+              <a:defRPr sz="1400">
+                <a:solidFill>
+                  <a:schemeClr val="tx1">
+                    <a:tint val="75000"/>
+                  </a:schemeClr>
+                </a:solidFill>
+              </a:defRPr>
+            </a:lvl8pPr>
+            <a:lvl9pPr marL="3657600" indent="0">
+              <a:buNone/>
+              <a:defRPr sz="1400">
+                <a:solidFill>
+                  <a:schemeClr val="tx1">
+                    <a:tint val="75000"/>
+                  </a:schemeClr>
+                </a:solidFill>
+              </a:defRPr>
+            </a:lvl9pPr>
+          </a:lstStyle>
+          <a:p>
+            <a:pPr lvl="0"/>
+            <a:r>
+              <a:rPr lang="en-US" smtClean="0"/>
+              <a:t>Click to edit Master text styles</a:t>
+            </a:r>
+          </a:p>
+        </p:txBody>
+      </p:sp>
+      <p:sp>
+        <p:nvSpPr>
+          <p:cNvPr id="4" name="Date Placeholder 3"/>
+          <p:cNvSpPr>
+            <a:spLocks noGrp="1"/>
+          </p:cNvSpPr>
+          <p:nvPr>
+            <p:ph type="dt" sz="half" idx="10"/>
+          </p:nvPr>
+        </p:nvSpPr>
+        <p:spPr/>
+        <p:txBody>
+          <a:bodyPr/>
+          <a:lstStyle/>
+          <a:p>
+            <a:fld id="{080FC6DD-0AE0-4CF7-AE64-8E0C1AEEC238}" type="datetimeFigureOut">
+              <a:rPr lang="bg-BG" smtClean="0"/>
+              <a:t>13.6.2017 г.</a:t>
+            </a:fld>
+            <a:endParaRPr lang="bg-BG"/>
+          </a:p>
+        </p:txBody>
+      </p:sp>
+      <p:sp>
+        <p:nvSpPr>
+          <p:cNvPr id="5" name="Footer Placeholder 4"/>
+          <p:cNvSpPr>
+            <a:spLocks noGrp="1"/>
+          </p:cNvSpPr>
+          <p:nvPr>
+            <p:ph type="ftr" sz="quarter" idx="11"/>
+          </p:nvPr>
+        </p:nvSpPr>
+        <p:spPr/>
+        <p:txBody>
+          <a:bodyPr/>
+          <a:lstStyle/>
+          <a:p>
+            <a:endParaRPr lang="bg-BG"/>
+          </a:p>
+        </p:txBody>
+      </p:sp>
+      <p:sp>
+        <p:nvSpPr>
+          <p:cNvPr id="6" name="Slide Number Placeholder 5"/>
+          <p:cNvSpPr>
+            <a:spLocks noGrp="1"/>
+          </p:cNvSpPr>
+          <p:nvPr>
+            <p:ph type="sldNum" sz="quarter" idx="12"/>
+          </p:nvPr>
+        </p:nvSpPr>
+        <p:spPr/>
+        <p:txBody>
+          <a:bodyPr/>
+          <a:lstStyle/>
+          <a:p>
+            <a:fld id="{3AD01B2C-0BE2-4F3C-8861-8FC48C4ECE84}" type="slidenum">
+              <a:rPr lang="bg-BG" smtClean="0"/>
+              <a:t>‹#›</a:t>
+            </a:fld>
+            <a:endParaRPr lang="bg-BG"/>
+          </a:p>
+        </p:txBody>
+      </p:sp>
+      <p:sp>
+        <p:nvSpPr>
+          <p:cNvPr id="7" name="Oval 6"/>
+          <p:cNvSpPr/>
+          <p:nvPr/>
+        </p:nvSpPr>
+        <p:spPr>
+          <a:xfrm>
+            <a:off x="5994400" y="3924300"/>
+            <a:ext cx="113029" cy="84772"/>
+          </a:xfrm>
+          <a:prstGeom prst="ellipse">
+            <a:avLst/>
+          </a:prstGeom>
+          <a:solidFill>
+            <a:schemeClr val="tx1">
+              <a:lumMod val="50000"/>
+              <a:lumOff val="50000"/>
+            </a:schemeClr>
+          </a:solidFill>
+          <a:ln w="12700">
+            <a:noFill/>
+          </a:ln>
+          <a:effectLst/>
+        </p:spPr>
+        <p:style>
+          <a:lnRef idx="2">
+            <a:schemeClr val="accent1">
+              <a:shade val="50000"/>
+            </a:schemeClr>
+          </a:lnRef>
+          <a:fillRef idx="1">
+            <a:schemeClr val="accent1"/>
+          </a:fillRef>
+          <a:effectRef idx="0">
+            <a:schemeClr val="accent1"/>
+          </a:effectRef>
+          <a:fontRef idx="minor">
+            <a:schemeClr val="lt1"/>
+          </a:fontRef>
+        </p:style>
+        <p:txBody>
+          <a:bodyPr rtlCol="0" anchor="ctr"/>
+          <a:lstStyle/>
+          <a:p>
+            <a:pPr algn="ctr"/>
+            <a:endParaRPr lang="en-US"/>
+          </a:p>
+        </p:txBody>
+      </p:sp>
+      <p:sp>
+        <p:nvSpPr>
+          <p:cNvPr id="8" name="Oval 7"/>
+          <p:cNvSpPr/>
+          <p:nvPr/>
+        </p:nvSpPr>
+        <p:spPr>
+          <a:xfrm>
+            <a:off x="6261100" y="3924300"/>
+            <a:ext cx="113029" cy="84772"/>
+          </a:xfrm>
+          <a:prstGeom prst="ellipse">
+            <a:avLst/>
+          </a:prstGeom>
+          <a:solidFill>
+            <a:schemeClr val="tx1">
+              <a:lumMod val="50000"/>
+              <a:lumOff val="50000"/>
+            </a:schemeClr>
+          </a:solidFill>
+          <a:ln w="12700">
+            <a:noFill/>
+          </a:ln>
+          <a:effectLst/>
+        </p:spPr>
+        <p:style>
+          <a:lnRef idx="2">
+            <a:schemeClr val="accent1">
+              <a:shade val="50000"/>
+            </a:schemeClr>
+          </a:lnRef>
+          <a:fillRef idx="1">
+            <a:schemeClr val="accent1"/>
+          </a:fillRef>
+          <a:effectRef idx="0">
+            <a:schemeClr val="accent1"/>
+          </a:effectRef>
+          <a:fontRef idx="minor">
+            <a:schemeClr val="lt1"/>
+          </a:fontRef>
+        </p:style>
+        <p:txBody>
+          <a:bodyPr rtlCol="0" anchor="ctr"/>
+          <a:lstStyle/>
+          <a:p>
+            <a:pPr algn="ctr"/>
+            <a:endParaRPr lang="en-US"/>
+          </a:p>
+        </p:txBody>
+      </p:sp>
+      <p:sp>
+        <p:nvSpPr>
+          <p:cNvPr id="9" name="Oval 8"/>
+          <p:cNvSpPr/>
+          <p:nvPr/>
+        </p:nvSpPr>
+        <p:spPr>
+          <a:xfrm>
+            <a:off x="5728971" y="3924300"/>
+            <a:ext cx="113029" cy="84772"/>
+          </a:xfrm>
+          <a:prstGeom prst="ellipse">
+            <a:avLst/>
+          </a:prstGeom>
+          <a:solidFill>
+            <a:schemeClr val="tx1">
+              <a:lumMod val="50000"/>
+              <a:lumOff val="50000"/>
+            </a:schemeClr>
+          </a:solidFill>
+          <a:ln w="12700">
+            <a:noFill/>
+          </a:ln>
+          <a:effectLst/>
+        </p:spPr>
+        <p:style>
+          <a:lnRef idx="2">
+            <a:schemeClr val="accent1">
+              <a:shade val="50000"/>
+            </a:schemeClr>
+          </a:lnRef>
+          <a:fillRef idx="1">
+            <a:schemeClr val="accent1"/>
+          </a:fillRef>
+          <a:effectRef idx="0">
+            <a:schemeClr val="accent1"/>
+          </a:effectRef>
+          <a:fontRef idx="minor">
+            <a:schemeClr val="lt1"/>
+          </a:fontRef>
+        </p:style>
+        <p:txBody>
+          <a:bodyPr rtlCol="0" anchor="ctr"/>
+          <a:lstStyle/>
+          <a:p>
+            <a:pPr algn="ctr"/>
+            <a:endParaRPr lang="en-US"/>
+          </a:p>
+        </p:txBody>
+      </p:sp>
+    </p:spTree>
+  </p:cSld>
+  <p:clrMapOvr>
+    <a:masterClrMapping/>
+  </p:clrMapOvr>
+</p:sldLayout>
+</file>
+
+<file path=ppt/slideLayouts/slideLayout15.xml><?xml version="1.0" encoding="utf-8"?>
+<p:sldLayout xmlns:a="http://schemas.openxmlformats.org/drawingml/2006/main" xmlns:r="http://schemas.openxmlformats.org/officeDocument/2006/relationships" xmlns:p="http://schemas.openxmlformats.org/presentationml/2006/main" type="twoObj" preserve="1">
+  <p:cSld name="Two Content">
+    <p:spTree>
+      <p:nvGrpSpPr>
+        <p:cNvPr id="1" name=""/>
+        <p:cNvGrpSpPr/>
+        <p:nvPr/>
+      </p:nvGrpSpPr>
+      <p:grpSpPr>
+        <a:xfrm>
+          <a:off x="0" y="0"/>
+          <a:ext cx="0" cy="0"/>
+          <a:chOff x="0" y="0"/>
+          <a:chExt cx="0" cy="0"/>
+        </a:xfrm>
+      </p:grpSpPr>
+      <p:sp>
+        <p:nvSpPr>
+          <p:cNvPr id="2" name="Title 1"/>
+          <p:cNvSpPr>
+            <a:spLocks noGrp="1"/>
+          </p:cNvSpPr>
+          <p:nvPr>
+            <p:ph type="title"/>
+          </p:nvPr>
+        </p:nvSpPr>
+        <p:spPr/>
+        <p:txBody>
+          <a:bodyPr/>
+          <a:lstStyle/>
+          <a:p>
+            <a:r>
+              <a:rPr lang="en-US" smtClean="0"/>
+              <a:t>Click to edit Master title style</a:t>
+            </a:r>
+            <a:endParaRPr lang="en-US"/>
+          </a:p>
+        </p:txBody>
+      </p:sp>
+      <p:sp>
+        <p:nvSpPr>
+          <p:cNvPr id="4" name="Content Placeholder 3"/>
+          <p:cNvSpPr>
+            <a:spLocks noGrp="1"/>
+          </p:cNvSpPr>
+          <p:nvPr>
+            <p:ph sz="half" idx="2"/>
+          </p:nvPr>
+        </p:nvSpPr>
+        <p:spPr>
+          <a:xfrm>
+            <a:off x="6197600" y="1600201"/>
+            <a:ext cx="5384800" cy="4525963"/>
+          </a:xfrm>
+        </p:spPr>
+        <p:txBody>
+          <a:bodyPr/>
+          <a:lstStyle>
+            <a:lvl1pPr>
+              <a:defRPr sz="2400"/>
+            </a:lvl1pPr>
+            <a:lvl2pPr>
+              <a:defRPr sz="1600"/>
+            </a:lvl2pPr>
+            <a:lvl3pPr>
+              <a:defRPr sz="1600"/>
+            </a:lvl3pPr>
+            <a:lvl4pPr>
+              <a:defRPr sz="1600"/>
+            </a:lvl4pPr>
+            <a:lvl5pPr>
+              <a:defRPr sz="1600"/>
+            </a:lvl5pPr>
+            <a:lvl6pPr>
+              <a:defRPr sz="1600"/>
+            </a:lvl6pPr>
+            <a:lvl7pPr>
+              <a:defRPr sz="1600"/>
+            </a:lvl7pPr>
+            <a:lvl8pPr>
+              <a:defRPr sz="1600"/>
+            </a:lvl8pPr>
+            <a:lvl9pPr>
+              <a:defRPr sz="1600"/>
+            </a:lvl9pPr>
+          </a:lstStyle>
+          <a:p>
+            <a:pPr lvl="0"/>
+            <a:r>
+              <a:rPr lang="en-US" smtClean="0"/>
+              <a:t>Click to edit Master text styles</a:t>
+            </a:r>
+          </a:p>
+          <a:p>
+            <a:pPr lvl="1"/>
+            <a:r>
+              <a:rPr lang="en-US" smtClean="0"/>
+              <a:t>Second level</a:t>
+            </a:r>
+          </a:p>
+          <a:p>
+            <a:pPr lvl="2"/>
+            <a:r>
+              <a:rPr lang="en-US" smtClean="0"/>
+              <a:t>Third level</a:t>
+            </a:r>
+          </a:p>
+          <a:p>
+            <a:pPr lvl="3"/>
+            <a:r>
+              <a:rPr lang="en-US" smtClean="0"/>
+              <a:t>Fourth level</a:t>
+            </a:r>
+          </a:p>
+          <a:p>
+            <a:pPr lvl="4"/>
+            <a:r>
+              <a:rPr lang="en-US" smtClean="0"/>
+              <a:t>Fifth level</a:t>
+            </a:r>
+            <a:endParaRPr lang="en-US" dirty="0" smtClean="0"/>
+          </a:p>
+        </p:txBody>
+      </p:sp>
+      <p:sp>
+        <p:nvSpPr>
+          <p:cNvPr id="5" name="Date Placeholder 4"/>
+          <p:cNvSpPr>
+            <a:spLocks noGrp="1"/>
+          </p:cNvSpPr>
+          <p:nvPr>
+            <p:ph type="dt" sz="half" idx="10"/>
+          </p:nvPr>
+        </p:nvSpPr>
+        <p:spPr/>
+        <p:txBody>
+          <a:bodyPr/>
+          <a:lstStyle/>
+          <a:p>
+            <a:fld id="{080FC6DD-0AE0-4CF7-AE64-8E0C1AEEC238}" type="datetimeFigureOut">
+              <a:rPr lang="bg-BG" smtClean="0"/>
+              <a:t>13.6.2017 г.</a:t>
+            </a:fld>
+            <a:endParaRPr lang="bg-BG"/>
+          </a:p>
+        </p:txBody>
+      </p:sp>
+      <p:sp>
+        <p:nvSpPr>
+          <p:cNvPr id="6" name="Footer Placeholder 5"/>
+          <p:cNvSpPr>
+            <a:spLocks noGrp="1"/>
+          </p:cNvSpPr>
+          <p:nvPr>
+            <p:ph type="ftr" sz="quarter" idx="11"/>
+          </p:nvPr>
+        </p:nvSpPr>
+        <p:spPr/>
+        <p:txBody>
+          <a:bodyPr/>
+          <a:lstStyle/>
+          <a:p>
+            <a:endParaRPr lang="bg-BG"/>
+          </a:p>
+        </p:txBody>
+      </p:sp>
+      <p:sp>
+        <p:nvSpPr>
+          <p:cNvPr id="7" name="Slide Number Placeholder 6"/>
+          <p:cNvSpPr>
+            <a:spLocks noGrp="1"/>
+          </p:cNvSpPr>
+          <p:nvPr>
+            <p:ph type="sldNum" sz="quarter" idx="12"/>
+          </p:nvPr>
+        </p:nvSpPr>
+        <p:spPr/>
+        <p:txBody>
+          <a:bodyPr/>
+          <a:lstStyle/>
+          <a:p>
+            <a:fld id="{3AD01B2C-0BE2-4F3C-8861-8FC48C4ECE84}" type="slidenum">
+              <a:rPr lang="bg-BG" smtClean="0"/>
+              <a:t>‹#›</a:t>
+            </a:fld>
+            <a:endParaRPr lang="bg-BG"/>
+          </a:p>
+        </p:txBody>
+      </p:sp>
+      <p:sp>
+        <p:nvSpPr>
+          <p:cNvPr id="9" name="Content Placeholder 8"/>
+          <p:cNvSpPr>
+            <a:spLocks noGrp="1"/>
+          </p:cNvSpPr>
+          <p:nvPr>
+            <p:ph sz="quarter" idx="13"/>
+          </p:nvPr>
+        </p:nvSpPr>
+        <p:spPr>
+          <a:xfrm>
+            <a:off x="487680" y="1600200"/>
+            <a:ext cx="5388864" cy="4526280"/>
+          </a:xfrm>
+        </p:spPr>
+        <p:txBody>
+          <a:bodyPr/>
+          <a:lstStyle/>
+          <a:p>
+            <a:pPr lvl="0"/>
+            <a:r>
+              <a:rPr lang="en-US" smtClean="0"/>
+              <a:t>Click to edit Master text styles</a:t>
+            </a:r>
+          </a:p>
+          <a:p>
+            <a:pPr lvl="1"/>
+            <a:r>
+              <a:rPr lang="en-US" smtClean="0"/>
+              <a:t>Second level</a:t>
+            </a:r>
+          </a:p>
+          <a:p>
+            <a:pPr lvl="2"/>
+            <a:r>
+              <a:rPr lang="en-US" smtClean="0"/>
+              <a:t>Third level</a:t>
+            </a:r>
+          </a:p>
+          <a:p>
+            <a:pPr lvl="3"/>
+            <a:r>
+              <a:rPr lang="en-US" smtClean="0"/>
+              <a:t>Fourth level</a:t>
+            </a:r>
+          </a:p>
+          <a:p>
+            <a:pPr lvl="4"/>
+            <a:r>
+              <a:rPr lang="en-US" smtClean="0"/>
+              <a:t>Fifth level</a:t>
+            </a:r>
+            <a:endParaRPr lang="en-US"/>
+          </a:p>
+        </p:txBody>
+      </p:sp>
+    </p:spTree>
+  </p:cSld>
+  <p:clrMapOvr>
+    <a:masterClrMapping/>
+  </p:clrMapOvr>
+</p:sldLayout>
+</file>
+
+<file path=ppt/slideLayouts/slideLayout16.xml><?xml version="1.0" encoding="utf-8"?>
+<p:sldLayout xmlns:a="http://schemas.openxmlformats.org/drawingml/2006/main" xmlns:r="http://schemas.openxmlformats.org/officeDocument/2006/relationships" xmlns:p="http://schemas.openxmlformats.org/presentationml/2006/main" type="twoTxTwoObj" preserve="1">
+  <p:cSld name="Comparison">
+    <p:spTree>
+      <p:nvGrpSpPr>
+        <p:cNvPr id="1" name=""/>
+        <p:cNvGrpSpPr/>
+        <p:nvPr/>
+      </p:nvGrpSpPr>
+      <p:grpSpPr>
+        <a:xfrm>
+          <a:off x="0" y="0"/>
+          <a:ext cx="0" cy="0"/>
+          <a:chOff x="0" y="0"/>
+          <a:chExt cx="0" cy="0"/>
+        </a:xfrm>
+      </p:grpSpPr>
+      <p:sp>
+        <p:nvSpPr>
+          <p:cNvPr id="2" name="Title 1"/>
+          <p:cNvSpPr>
+            <a:spLocks noGrp="1"/>
+          </p:cNvSpPr>
+          <p:nvPr>
+            <p:ph type="title"/>
+          </p:nvPr>
+        </p:nvSpPr>
+        <p:spPr/>
+        <p:txBody>
+          <a:bodyPr/>
+          <a:lstStyle>
+            <a:lvl1pPr>
+              <a:defRPr/>
+            </a:lvl1pPr>
+          </a:lstStyle>
+          <a:p>
+            <a:r>
+              <a:rPr lang="en-US" smtClean="0"/>
+              <a:t>Click to edit Master title style</a:t>
+            </a:r>
+            <a:endParaRPr lang="en-US"/>
+          </a:p>
+        </p:txBody>
+      </p:sp>
+      <p:sp>
+        <p:nvSpPr>
+          <p:cNvPr id="3" name="Text Placeholder 2"/>
+          <p:cNvSpPr>
+            <a:spLocks noGrp="1"/>
+          </p:cNvSpPr>
+          <p:nvPr>
+            <p:ph type="body" idx="1"/>
+          </p:nvPr>
+        </p:nvSpPr>
+        <p:spPr>
+          <a:xfrm>
+            <a:off x="609600" y="1600200"/>
+            <a:ext cx="5386917" cy="609600"/>
+          </a:xfrm>
+        </p:spPr>
+        <p:txBody>
+          <a:bodyPr anchor="b">
+            <a:noAutofit/>
+          </a:bodyPr>
+          <a:lstStyle>
+            <a:lvl1pPr marL="0" indent="0" algn="ctr">
+              <a:buNone/>
+              <a:defRPr sz="2400" b="0"/>
+            </a:lvl1pPr>
+            <a:lvl2pPr marL="457200" indent="0">
+              <a:buNone/>
+              <a:defRPr sz="2000" b="1"/>
+            </a:lvl2pPr>
+            <a:lvl3pPr marL="914400" indent="0">
+              <a:buNone/>
+              <a:defRPr sz="1800" b="1"/>
+            </a:lvl3pPr>
+            <a:lvl4pPr marL="1371600" indent="0">
+              <a:buNone/>
+              <a:defRPr sz="1600" b="1"/>
+            </a:lvl4pPr>
+            <a:lvl5pPr marL="1828800" indent="0">
+              <a:buNone/>
+              <a:defRPr sz="1600" b="1"/>
+            </a:lvl5pPr>
+            <a:lvl6pPr marL="2286000" indent="0">
+              <a:buNone/>
+              <a:defRPr sz="1600" b="1"/>
+            </a:lvl6pPr>
+            <a:lvl7pPr marL="2743200" indent="0">
+              <a:buNone/>
+              <a:defRPr sz="1600" b="1"/>
+            </a:lvl7pPr>
+            <a:lvl8pPr marL="3200400" indent="0">
+              <a:buNone/>
+              <a:defRPr sz="1600" b="1"/>
+            </a:lvl8pPr>
+            <a:lvl9pPr marL="3657600" indent="0">
+              <a:buNone/>
+              <a:defRPr sz="1600" b="1"/>
+            </a:lvl9pPr>
+          </a:lstStyle>
+          <a:p>
+            <a:pPr lvl="0"/>
+            <a:r>
+              <a:rPr lang="en-US" smtClean="0"/>
+              <a:t>Click to edit Master text styles</a:t>
+            </a:r>
+          </a:p>
+        </p:txBody>
+      </p:sp>
+      <p:sp>
+        <p:nvSpPr>
+          <p:cNvPr id="5" name="Text Placeholder 4"/>
+          <p:cNvSpPr>
+            <a:spLocks noGrp="1"/>
+          </p:cNvSpPr>
+          <p:nvPr>
+            <p:ph type="body" sz="quarter" idx="3"/>
+          </p:nvPr>
+        </p:nvSpPr>
+        <p:spPr>
+          <a:xfrm>
+            <a:off x="6197601" y="1600200"/>
+            <a:ext cx="5389033" cy="609600"/>
+          </a:xfrm>
+        </p:spPr>
+        <p:txBody>
+          <a:bodyPr anchor="b">
+            <a:noAutofit/>
+          </a:bodyPr>
+          <a:lstStyle>
+            <a:lvl1pPr marL="0" indent="0" algn="ctr">
+              <a:buNone/>
+              <a:defRPr sz="2400" b="0"/>
+            </a:lvl1pPr>
+            <a:lvl2pPr marL="457200" indent="0">
+              <a:buNone/>
+              <a:defRPr sz="2000" b="1"/>
+            </a:lvl2pPr>
+            <a:lvl3pPr marL="914400" indent="0">
+              <a:buNone/>
+              <a:defRPr sz="1800" b="1"/>
+            </a:lvl3pPr>
+            <a:lvl4pPr marL="1371600" indent="0">
+              <a:buNone/>
+              <a:defRPr sz="1600" b="1"/>
+            </a:lvl4pPr>
+            <a:lvl5pPr marL="1828800" indent="0">
+              <a:buNone/>
+              <a:defRPr sz="1600" b="1"/>
+            </a:lvl5pPr>
+            <a:lvl6pPr marL="2286000" indent="0">
+              <a:buNone/>
+              <a:defRPr sz="1600" b="1"/>
+            </a:lvl6pPr>
+            <a:lvl7pPr marL="2743200" indent="0">
+              <a:buNone/>
+              <a:defRPr sz="1600" b="1"/>
+            </a:lvl7pPr>
+            <a:lvl8pPr marL="3200400" indent="0">
+              <a:buNone/>
+              <a:defRPr sz="1600" b="1"/>
+            </a:lvl8pPr>
+            <a:lvl9pPr marL="3657600" indent="0">
+              <a:buNone/>
+              <a:defRPr sz="1600" b="1"/>
+            </a:lvl9pPr>
+          </a:lstStyle>
+          <a:p>
+            <a:pPr lvl="0"/>
+            <a:r>
+              <a:rPr lang="en-US" smtClean="0"/>
+              <a:t>Click to edit Master text styles</a:t>
+            </a:r>
+          </a:p>
+        </p:txBody>
+      </p:sp>
+      <p:sp>
+        <p:nvSpPr>
+          <p:cNvPr id="7" name="Date Placeholder 6"/>
+          <p:cNvSpPr>
+            <a:spLocks noGrp="1"/>
+          </p:cNvSpPr>
+          <p:nvPr>
+            <p:ph type="dt" sz="half" idx="10"/>
+          </p:nvPr>
+        </p:nvSpPr>
+        <p:spPr/>
+        <p:txBody>
+          <a:bodyPr/>
+          <a:lstStyle/>
+          <a:p>
+            <a:fld id="{080FC6DD-0AE0-4CF7-AE64-8E0C1AEEC238}" type="datetimeFigureOut">
+              <a:rPr lang="bg-BG" smtClean="0"/>
+              <a:t>13.6.2017 г.</a:t>
+            </a:fld>
+            <a:endParaRPr lang="bg-BG"/>
+          </a:p>
+        </p:txBody>
+      </p:sp>
+      <p:sp>
+        <p:nvSpPr>
+          <p:cNvPr id="8" name="Footer Placeholder 7"/>
+          <p:cNvSpPr>
+            <a:spLocks noGrp="1"/>
+          </p:cNvSpPr>
+          <p:nvPr>
+            <p:ph type="ftr" sz="quarter" idx="11"/>
+          </p:nvPr>
+        </p:nvSpPr>
+        <p:spPr/>
+        <p:txBody>
+          <a:bodyPr/>
+          <a:lstStyle/>
+          <a:p>
+            <a:endParaRPr lang="bg-BG"/>
+          </a:p>
+        </p:txBody>
+      </p:sp>
+      <p:sp>
+        <p:nvSpPr>
+          <p:cNvPr id="9" name="Slide Number Placeholder 8"/>
+          <p:cNvSpPr>
+            <a:spLocks noGrp="1"/>
+          </p:cNvSpPr>
+          <p:nvPr>
+            <p:ph type="sldNum" sz="quarter" idx="12"/>
+          </p:nvPr>
+        </p:nvSpPr>
+        <p:spPr/>
+        <p:txBody>
+          <a:bodyPr/>
+          <a:lstStyle/>
+          <a:p>
+            <a:fld id="{3AD01B2C-0BE2-4F3C-8861-8FC48C4ECE84}" type="slidenum">
+              <a:rPr lang="bg-BG" smtClean="0"/>
+              <a:t>‹#›</a:t>
+            </a:fld>
+            <a:endParaRPr lang="bg-BG"/>
+          </a:p>
+        </p:txBody>
+      </p:sp>
+      <p:sp>
+        <p:nvSpPr>
+          <p:cNvPr id="11" name="Content Placeholder 10"/>
+          <p:cNvSpPr>
+            <a:spLocks noGrp="1"/>
+          </p:cNvSpPr>
+          <p:nvPr>
+            <p:ph sz="quarter" idx="13"/>
+          </p:nvPr>
+        </p:nvSpPr>
+        <p:spPr>
+          <a:xfrm>
+            <a:off x="609600" y="2212848"/>
+            <a:ext cx="5388864" cy="3913632"/>
+          </a:xfrm>
+        </p:spPr>
+        <p:txBody>
+          <a:bodyPr/>
+          <a:lstStyle/>
+          <a:p>
+            <a:pPr lvl="0"/>
+            <a:r>
+              <a:rPr lang="en-US" smtClean="0"/>
+              <a:t>Click to edit Master text styles</a:t>
+            </a:r>
+          </a:p>
+          <a:p>
+            <a:pPr lvl="1"/>
+            <a:r>
+              <a:rPr lang="en-US" smtClean="0"/>
+              <a:t>Second level</a:t>
+            </a:r>
+          </a:p>
+          <a:p>
+            <a:pPr lvl="2"/>
+            <a:r>
+              <a:rPr lang="en-US" smtClean="0"/>
+              <a:t>Third level</a:t>
+            </a:r>
+          </a:p>
+          <a:p>
+            <a:pPr lvl="3"/>
+            <a:r>
+              <a:rPr lang="en-US" smtClean="0"/>
+              <a:t>Fourth level</a:t>
+            </a:r>
+          </a:p>
+          <a:p>
+            <a:pPr lvl="4"/>
+            <a:r>
+              <a:rPr lang="en-US" smtClean="0"/>
+              <a:t>Fifth level</a:t>
+            </a:r>
+            <a:endParaRPr lang="en-US" dirty="0"/>
+          </a:p>
+        </p:txBody>
+      </p:sp>
+      <p:sp>
+        <p:nvSpPr>
+          <p:cNvPr id="13" name="Content Placeholder 12"/>
+          <p:cNvSpPr>
+            <a:spLocks noGrp="1"/>
+          </p:cNvSpPr>
+          <p:nvPr>
+            <p:ph sz="quarter" idx="14"/>
+          </p:nvPr>
+        </p:nvSpPr>
+        <p:spPr>
+          <a:xfrm>
+            <a:off x="6230112" y="2212849"/>
+            <a:ext cx="5388864" cy="3913187"/>
+          </a:xfrm>
+        </p:spPr>
+        <p:txBody>
+          <a:bodyPr/>
+          <a:lstStyle/>
+          <a:p>
+            <a:pPr lvl="0"/>
+            <a:r>
+              <a:rPr lang="en-US" smtClean="0"/>
+              <a:t>Click to edit Master text styles</a:t>
+            </a:r>
+          </a:p>
+          <a:p>
+            <a:pPr lvl="1"/>
+            <a:r>
+              <a:rPr lang="en-US" smtClean="0"/>
+              <a:t>Second level</a:t>
+            </a:r>
+          </a:p>
+          <a:p>
+            <a:pPr lvl="2"/>
+            <a:r>
+              <a:rPr lang="en-US" smtClean="0"/>
+              <a:t>Third level</a:t>
+            </a:r>
+          </a:p>
+          <a:p>
+            <a:pPr lvl="3"/>
+            <a:r>
+              <a:rPr lang="en-US" smtClean="0"/>
+              <a:t>Fourth level</a:t>
+            </a:r>
+          </a:p>
+          <a:p>
+            <a:pPr lvl="4"/>
+            <a:r>
+              <a:rPr lang="en-US" smtClean="0"/>
+              <a:t>Fifth level</a:t>
+            </a:r>
+            <a:endParaRPr lang="en-US" dirty="0"/>
+          </a:p>
+        </p:txBody>
+      </p:sp>
+    </p:spTree>
+  </p:cSld>
+  <p:clrMapOvr>
+    <a:masterClrMapping/>
+  </p:clrMapOvr>
+</p:sldLayout>
+</file>
+
+<file path=ppt/slideLayouts/slideLayout17.xml><?xml version="1.0" encoding="utf-8"?>
+<p:sldLayout xmlns:a="http://schemas.openxmlformats.org/drawingml/2006/main" xmlns:r="http://schemas.openxmlformats.org/officeDocument/2006/relationships" xmlns:p="http://schemas.openxmlformats.org/presentationml/2006/main" type="titleOnly" preserve="1">
+  <p:cSld name="Title Only">
+    <p:spTree>
+      <p:nvGrpSpPr>
+        <p:cNvPr id="1" name=""/>
+        <p:cNvGrpSpPr/>
+        <p:nvPr/>
+      </p:nvGrpSpPr>
+      <p:grpSpPr>
+        <a:xfrm>
+          <a:off x="0" y="0"/>
+          <a:ext cx="0" cy="0"/>
+          <a:chOff x="0" y="0"/>
+          <a:chExt cx="0" cy="0"/>
+        </a:xfrm>
+      </p:grpSpPr>
+      <p:sp>
+        <p:nvSpPr>
+          <p:cNvPr id="2" name="Title 1"/>
+          <p:cNvSpPr>
+            <a:spLocks noGrp="1"/>
+          </p:cNvSpPr>
+          <p:nvPr>
+            <p:ph type="title"/>
+          </p:nvPr>
+        </p:nvSpPr>
+        <p:spPr/>
+        <p:txBody>
+          <a:bodyPr/>
+          <a:lstStyle/>
+          <a:p>
+            <a:r>
+              <a:rPr lang="en-US" smtClean="0"/>
+              <a:t>Click to edit Master title style</a:t>
+            </a:r>
+            <a:endParaRPr lang="en-US" dirty="0"/>
+          </a:p>
+        </p:txBody>
+      </p:sp>
+      <p:sp>
+        <p:nvSpPr>
+          <p:cNvPr id="3" name="Date Placeholder 2"/>
+          <p:cNvSpPr>
+            <a:spLocks noGrp="1"/>
+          </p:cNvSpPr>
+          <p:nvPr>
+            <p:ph type="dt" sz="half" idx="10"/>
+          </p:nvPr>
+        </p:nvSpPr>
+        <p:spPr/>
+        <p:txBody>
+          <a:bodyPr/>
+          <a:lstStyle/>
+          <a:p>
+            <a:fld id="{080FC6DD-0AE0-4CF7-AE64-8E0C1AEEC238}" type="datetimeFigureOut">
+              <a:rPr lang="bg-BG" smtClean="0"/>
+              <a:t>13.6.2017 г.</a:t>
+            </a:fld>
+            <a:endParaRPr lang="bg-BG"/>
+          </a:p>
+        </p:txBody>
+      </p:sp>
+      <p:sp>
+        <p:nvSpPr>
+          <p:cNvPr id="4" name="Footer Placeholder 3"/>
+          <p:cNvSpPr>
+            <a:spLocks noGrp="1"/>
+          </p:cNvSpPr>
+          <p:nvPr>
+            <p:ph type="ftr" sz="quarter" idx="11"/>
+          </p:nvPr>
+        </p:nvSpPr>
+        <p:spPr/>
+        <p:txBody>
+          <a:bodyPr/>
+          <a:lstStyle/>
+          <a:p>
+            <a:endParaRPr lang="bg-BG"/>
+          </a:p>
+        </p:txBody>
+      </p:sp>
+      <p:sp>
+        <p:nvSpPr>
+          <p:cNvPr id="5" name="Slide Number Placeholder 4"/>
+          <p:cNvSpPr>
+            <a:spLocks noGrp="1"/>
+          </p:cNvSpPr>
+          <p:nvPr>
+            <p:ph type="sldNum" sz="quarter" idx="12"/>
+          </p:nvPr>
+        </p:nvSpPr>
+        <p:spPr/>
+        <p:txBody>
+          <a:bodyPr/>
+          <a:lstStyle/>
+          <a:p>
+            <a:fld id="{3AD01B2C-0BE2-4F3C-8861-8FC48C4ECE84}" type="slidenum">
+              <a:rPr lang="bg-BG" smtClean="0"/>
+              <a:t>‹#›</a:t>
+            </a:fld>
+            <a:endParaRPr lang="bg-BG"/>
+          </a:p>
+        </p:txBody>
+      </p:sp>
+    </p:spTree>
+  </p:cSld>
+  <p:clrMapOvr>
+    <a:masterClrMapping/>
+  </p:clrMapOvr>
+</p:sldLayout>
+</file>
+
+<file path=ppt/slideLayouts/slideLayout18.xml><?xml version="1.0" encoding="utf-8"?>
+<p:sldLayout xmlns:a="http://schemas.openxmlformats.org/drawingml/2006/main" xmlns:r="http://schemas.openxmlformats.org/officeDocument/2006/relationships" xmlns:p="http://schemas.openxmlformats.org/presentationml/2006/main" type="blank" preserve="1">
+  <p:cSld name="Blank">
+    <p:spTree>
+      <p:nvGrpSpPr>
+        <p:cNvPr id="1" name=""/>
+        <p:cNvGrpSpPr/>
+        <p:nvPr/>
+      </p:nvGrpSpPr>
+      <p:grpSpPr>
+        <a:xfrm>
+          <a:off x="0" y="0"/>
+          <a:ext cx="0" cy="0"/>
+          <a:chOff x="0" y="0"/>
+          <a:chExt cx="0" cy="0"/>
+        </a:xfrm>
+      </p:grpSpPr>
+      <p:sp>
+        <p:nvSpPr>
+          <p:cNvPr id="2" name="Date Placeholder 1"/>
+          <p:cNvSpPr>
+            <a:spLocks noGrp="1"/>
+          </p:cNvSpPr>
+          <p:nvPr>
+            <p:ph type="dt" sz="half" idx="10"/>
+          </p:nvPr>
+        </p:nvSpPr>
+        <p:spPr/>
+        <p:txBody>
+          <a:bodyPr/>
+          <a:lstStyle/>
+          <a:p>
+            <a:fld id="{080FC6DD-0AE0-4CF7-AE64-8E0C1AEEC238}" type="datetimeFigureOut">
+              <a:rPr lang="bg-BG" smtClean="0"/>
+              <a:t>13.6.2017 г.</a:t>
+            </a:fld>
+            <a:endParaRPr lang="bg-BG"/>
+          </a:p>
+        </p:txBody>
+      </p:sp>
+      <p:sp>
+        <p:nvSpPr>
+          <p:cNvPr id="3" name="Footer Placeholder 2"/>
+          <p:cNvSpPr>
+            <a:spLocks noGrp="1"/>
+          </p:cNvSpPr>
+          <p:nvPr>
+            <p:ph type="ftr" sz="quarter" idx="11"/>
+          </p:nvPr>
+        </p:nvSpPr>
+        <p:spPr/>
+        <p:txBody>
+          <a:bodyPr/>
+          <a:lstStyle/>
+          <a:p>
+            <a:endParaRPr lang="bg-BG"/>
+          </a:p>
+        </p:txBody>
+      </p:sp>
+      <p:sp>
+        <p:nvSpPr>
+          <p:cNvPr id="4" name="Slide Number Placeholder 3"/>
+          <p:cNvSpPr>
+            <a:spLocks noGrp="1"/>
+          </p:cNvSpPr>
+          <p:nvPr>
+            <p:ph type="sldNum" sz="quarter" idx="12"/>
+          </p:nvPr>
+        </p:nvSpPr>
+        <p:spPr/>
+        <p:txBody>
+          <a:bodyPr/>
+          <a:lstStyle/>
+          <a:p>
+            <a:fld id="{3AD01B2C-0BE2-4F3C-8861-8FC48C4ECE84}" type="slidenum">
+              <a:rPr lang="bg-BG" smtClean="0"/>
+              <a:t>‹#›</a:t>
+            </a:fld>
+            <a:endParaRPr lang="bg-BG"/>
+          </a:p>
+        </p:txBody>
+      </p:sp>
+    </p:spTree>
+  </p:cSld>
+  <p:clrMapOvr>
+    <a:masterClrMapping/>
+  </p:clrMapOvr>
+</p:sldLayout>
+</file>
+
+<file path=ppt/slideLayouts/slideLayout19.xml><?xml version="1.0" encoding="utf-8"?>
+<p:sldLayout xmlns:a="http://schemas.openxmlformats.org/drawingml/2006/main" xmlns:r="http://schemas.openxmlformats.org/officeDocument/2006/relationships" xmlns:p="http://schemas.openxmlformats.org/presentationml/2006/main" type="objTx" preserve="1">
+  <p:cSld name="Content with Caption">
+    <p:spTree>
+      <p:nvGrpSpPr>
+        <p:cNvPr id="1" name=""/>
+        <p:cNvGrpSpPr/>
+        <p:nvPr/>
+      </p:nvGrpSpPr>
+      <p:grpSpPr>
+        <a:xfrm>
+          <a:off x="0" y="0"/>
+          <a:ext cx="0" cy="0"/>
+          <a:chOff x="0" y="0"/>
+          <a:chExt cx="0" cy="0"/>
+        </a:xfrm>
+      </p:grpSpPr>
+      <p:sp>
+        <p:nvSpPr>
+          <p:cNvPr id="2" name="Title 1"/>
+          <p:cNvSpPr>
+            <a:spLocks noGrp="1"/>
+          </p:cNvSpPr>
+          <p:nvPr>
+            <p:ph type="title"/>
+          </p:nvPr>
+        </p:nvSpPr>
+        <p:spPr>
+          <a:xfrm>
+            <a:off x="7876117" y="266700"/>
+            <a:ext cx="4011084" cy="2095500"/>
+          </a:xfrm>
+        </p:spPr>
+        <p:txBody>
+          <a:bodyPr anchor="b"/>
+          <a:lstStyle>
+            <a:lvl1pPr algn="ctr">
+              <a:lnSpc>
+                <a:spcPct val="100000"/>
+              </a:lnSpc>
+              <a:defRPr sz="2800" b="0">
+                <a:effectLst>
+                  <a:outerShdw blurRad="50800" dist="25400" dir="5400000" algn="t" rotWithShape="0">
+                    <a:prstClr val="black">
+                      <a:alpha val="25000"/>
+                    </a:prstClr>
+                  </a:outerShdw>
+                </a:effectLst>
+              </a:defRPr>
+            </a:lvl1pPr>
+          </a:lstStyle>
+          <a:p>
+            <a:r>
+              <a:rPr lang="en-US" smtClean="0"/>
+              <a:t>Click to edit Master title style</a:t>
+            </a:r>
+            <a:endParaRPr lang="en-US" dirty="0"/>
+          </a:p>
+        </p:txBody>
+      </p:sp>
+      <p:sp>
+        <p:nvSpPr>
+          <p:cNvPr id="3" name="Content Placeholder 2"/>
+          <p:cNvSpPr>
+            <a:spLocks noGrp="1"/>
+          </p:cNvSpPr>
+          <p:nvPr>
+            <p:ph idx="1"/>
+          </p:nvPr>
+        </p:nvSpPr>
+        <p:spPr>
+          <a:xfrm>
+            <a:off x="958850" y="273051"/>
+            <a:ext cx="6661151" cy="5853113"/>
+          </a:xfrm>
+        </p:spPr>
+        <p:txBody>
+          <a:bodyPr/>
+          <a:lstStyle>
+            <a:lvl1pPr>
+              <a:defRPr sz="3200"/>
+            </a:lvl1pPr>
+            <a:lvl2pPr>
+              <a:defRPr sz="2800"/>
+            </a:lvl2pPr>
+            <a:lvl3pPr>
+              <a:defRPr sz="2400"/>
+            </a:lvl3pPr>
+            <a:lvl4pPr>
+              <a:defRPr sz="2000"/>
+            </a:lvl4pPr>
+            <a:lvl5pPr>
+              <a:defRPr sz="2000"/>
+            </a:lvl5pPr>
+            <a:lvl6pPr>
+              <a:defRPr sz="2000"/>
+            </a:lvl6pPr>
+            <a:lvl7pPr>
+              <a:defRPr sz="2000"/>
+            </a:lvl7pPr>
+            <a:lvl8pPr>
+              <a:defRPr sz="2000"/>
+            </a:lvl8pPr>
+            <a:lvl9pPr>
+              <a:defRPr sz="2000"/>
+            </a:lvl9pPr>
+          </a:lstStyle>
+          <a:p>
+            <a:pPr lvl="0"/>
+            <a:r>
+              <a:rPr lang="en-US" smtClean="0"/>
+              <a:t>Click to edit Master text styles</a:t>
+            </a:r>
+          </a:p>
+          <a:p>
+            <a:pPr lvl="1"/>
+            <a:r>
+              <a:rPr lang="en-US" smtClean="0"/>
+              <a:t>Second level</a:t>
+            </a:r>
+          </a:p>
+          <a:p>
+            <a:pPr lvl="2"/>
+            <a:r>
+              <a:rPr lang="en-US" smtClean="0"/>
+              <a:t>Third level</a:t>
+            </a:r>
+          </a:p>
+          <a:p>
+            <a:pPr lvl="3"/>
+            <a:r>
+              <a:rPr lang="en-US" smtClean="0"/>
+              <a:t>Fourth level</a:t>
+            </a:r>
+          </a:p>
+          <a:p>
+            <a:pPr lvl="4"/>
+            <a:r>
+              <a:rPr lang="en-US" smtClean="0"/>
+              <a:t>Fifth level</a:t>
+            </a:r>
+            <a:endParaRPr lang="en-US" dirty="0"/>
+          </a:p>
+        </p:txBody>
+      </p:sp>
+      <p:sp>
+        <p:nvSpPr>
+          <p:cNvPr id="4" name="Text Placeholder 3"/>
+          <p:cNvSpPr>
+            <a:spLocks noGrp="1"/>
+          </p:cNvSpPr>
+          <p:nvPr>
+            <p:ph type="body" sz="half" idx="2"/>
+          </p:nvPr>
+        </p:nvSpPr>
+        <p:spPr>
+          <a:xfrm>
+            <a:off x="7876117" y="2438401"/>
+            <a:ext cx="4011084" cy="3687763"/>
+          </a:xfrm>
+        </p:spPr>
+        <p:txBody>
+          <a:bodyPr>
+            <a:normAutofit/>
+          </a:bodyPr>
+          <a:lstStyle>
+            <a:lvl1pPr marL="0" indent="0" algn="ctr">
+              <a:lnSpc>
+                <a:spcPct val="125000"/>
+              </a:lnSpc>
+              <a:buNone/>
+              <a:defRPr sz="1600"/>
+            </a:lvl1pPr>
+            <a:lvl2pPr marL="457200" indent="0">
+              <a:buNone/>
+              <a:defRPr sz="1200"/>
+            </a:lvl2pPr>
+            <a:lvl3pPr marL="914400" indent="0">
+              <a:buNone/>
+              <a:defRPr sz="1000"/>
+            </a:lvl3pPr>
+            <a:lvl4pPr marL="1371600" indent="0">
+              <a:buNone/>
+              <a:defRPr sz="900"/>
+            </a:lvl4pPr>
+            <a:lvl5pPr marL="1828800" indent="0">
+              <a:buNone/>
+              <a:defRPr sz="900"/>
+            </a:lvl5pPr>
+            <a:lvl6pPr marL="2286000" indent="0">
+              <a:buNone/>
+              <a:defRPr sz="900"/>
+            </a:lvl6pPr>
+            <a:lvl7pPr marL="2743200" indent="0">
+              <a:buNone/>
+              <a:defRPr sz="900"/>
+            </a:lvl7pPr>
+            <a:lvl8pPr marL="3200400" indent="0">
+              <a:buNone/>
+              <a:defRPr sz="900"/>
+            </a:lvl8pPr>
+            <a:lvl9pPr marL="3657600" indent="0">
+              <a:buNone/>
+              <a:defRPr sz="900"/>
+            </a:lvl9pPr>
+          </a:lstStyle>
+          <a:p>
+            <a:pPr lvl="0"/>
+            <a:r>
+              <a:rPr lang="en-US" smtClean="0"/>
+              <a:t>Click to edit Master text styles</a:t>
+            </a:r>
+          </a:p>
+        </p:txBody>
+      </p:sp>
+      <p:sp>
+        <p:nvSpPr>
+          <p:cNvPr id="5" name="Date Placeholder 4"/>
+          <p:cNvSpPr>
+            <a:spLocks noGrp="1"/>
+          </p:cNvSpPr>
+          <p:nvPr>
+            <p:ph type="dt" sz="half" idx="10"/>
+          </p:nvPr>
+        </p:nvSpPr>
+        <p:spPr/>
+        <p:txBody>
+          <a:bodyPr/>
+          <a:lstStyle/>
+          <a:p>
+            <a:fld id="{080FC6DD-0AE0-4CF7-AE64-8E0C1AEEC238}" type="datetimeFigureOut">
+              <a:rPr lang="bg-BG" smtClean="0"/>
+              <a:t>13.6.2017 г.</a:t>
+            </a:fld>
+            <a:endParaRPr lang="bg-BG"/>
+          </a:p>
+        </p:txBody>
+      </p:sp>
+      <p:sp>
+        <p:nvSpPr>
+          <p:cNvPr id="6" name="Footer Placeholder 5"/>
+          <p:cNvSpPr>
+            <a:spLocks noGrp="1"/>
+          </p:cNvSpPr>
+          <p:nvPr>
+            <p:ph type="ftr" sz="quarter" idx="11"/>
+          </p:nvPr>
+        </p:nvSpPr>
+        <p:spPr/>
+        <p:txBody>
+          <a:bodyPr/>
+          <a:lstStyle/>
+          <a:p>
+            <a:endParaRPr lang="bg-BG"/>
+          </a:p>
+        </p:txBody>
+      </p:sp>
+      <p:sp>
+        <p:nvSpPr>
+          <p:cNvPr id="7" name="Slide Number Placeholder 6"/>
+          <p:cNvSpPr>
+            <a:spLocks noGrp="1"/>
+          </p:cNvSpPr>
+          <p:nvPr>
+            <p:ph type="sldNum" sz="quarter" idx="12"/>
+          </p:nvPr>
+        </p:nvSpPr>
+        <p:spPr/>
+        <p:txBody>
+          <a:bodyPr/>
+          <a:lstStyle/>
+          <a:p>
+            <a:fld id="{3AD01B2C-0BE2-4F3C-8861-8FC48C4ECE84}" type="slidenum">
+              <a:rPr lang="bg-BG" smtClean="0"/>
+              <a:t>‹#›</a:t>
+            </a:fld>
+            <a:endParaRPr lang="bg-BG"/>
+          </a:p>
+        </p:txBody>
+      </p:sp>
+    </p:spTree>
   </p:cSld>
   <p:clrMapOvr>
     <a:masterClrMapping/>
@@ -772,7 +2731,7 @@
           <a:p>
             <a:fld id="{080FC6DD-0AE0-4CF7-AE64-8E0C1AEEC238}" type="datetimeFigureOut">
               <a:rPr lang="bg-BG" smtClean="0"/>
-              <a:t>10.6.2017 г.</a:t>
+              <a:t>13.6.2017 г.</a:t>
             </a:fld>
             <a:endParaRPr lang="bg-BG"/>
           </a:p>
@@ -826,6 +2785,615 @@
         <p14:creationId xmlns:p14="http://schemas.microsoft.com/office/powerpoint/2010/main" val="1635292284"/>
       </p:ext>
     </p:extLst>
+  </p:cSld>
+  <p:clrMapOvr>
+    <a:masterClrMapping/>
+  </p:clrMapOvr>
+</p:sldLayout>
+</file>
+
+<file path=ppt/slideLayouts/slideLayout20.xml><?xml version="1.0" encoding="utf-8"?>
+<p:sldLayout xmlns:a="http://schemas.openxmlformats.org/drawingml/2006/main" xmlns:r="http://schemas.openxmlformats.org/officeDocument/2006/relationships" xmlns:p="http://schemas.openxmlformats.org/presentationml/2006/main" type="picTx" preserve="1">
+  <p:cSld name="Picture with Caption">
+    <p:spTree>
+      <p:nvGrpSpPr>
+        <p:cNvPr id="1" name=""/>
+        <p:cNvGrpSpPr/>
+        <p:nvPr/>
+      </p:nvGrpSpPr>
+      <p:grpSpPr>
+        <a:xfrm>
+          <a:off x="0" y="0"/>
+          <a:ext cx="0" cy="0"/>
+          <a:chOff x="0" y="0"/>
+          <a:chExt cx="0" cy="0"/>
+        </a:xfrm>
+      </p:grpSpPr>
+      <p:sp>
+        <p:nvSpPr>
+          <p:cNvPr id="2" name="Title 1"/>
+          <p:cNvSpPr>
+            <a:spLocks noGrp="1"/>
+          </p:cNvSpPr>
+          <p:nvPr>
+            <p:ph type="title"/>
+          </p:nvPr>
+        </p:nvSpPr>
+        <p:spPr>
+          <a:xfrm>
+            <a:off x="2239435" y="228600"/>
+            <a:ext cx="7615765" cy="895350"/>
+          </a:xfrm>
+        </p:spPr>
+        <p:txBody>
+          <a:bodyPr anchor="b"/>
+          <a:lstStyle>
+            <a:lvl1pPr algn="ctr">
+              <a:lnSpc>
+                <a:spcPct val="100000"/>
+              </a:lnSpc>
+              <a:defRPr sz="2800" b="0"/>
+            </a:lvl1pPr>
+          </a:lstStyle>
+          <a:p>
+            <a:r>
+              <a:rPr lang="en-US" smtClean="0"/>
+              <a:t>Click to edit Master title style</a:t>
+            </a:r>
+            <a:endParaRPr lang="en-US" dirty="0"/>
+          </a:p>
+        </p:txBody>
+      </p:sp>
+      <p:sp>
+        <p:nvSpPr>
+          <p:cNvPr id="3" name="Picture Placeholder 2"/>
+          <p:cNvSpPr>
+            <a:spLocks noGrp="1"/>
+          </p:cNvSpPr>
+          <p:nvPr>
+            <p:ph type="pic" idx="1"/>
+          </p:nvPr>
+        </p:nvSpPr>
+        <p:spPr>
+          <a:xfrm>
+            <a:off x="2010835" y="1143000"/>
+            <a:ext cx="8072965" cy="4541044"/>
+          </a:xfrm>
+          <a:ln w="76200">
+            <a:solidFill>
+              <a:schemeClr val="bg1"/>
+            </a:solidFill>
+          </a:ln>
+          <a:effectLst>
+            <a:outerShdw blurRad="88900" dist="50800" dir="5400000" algn="ctr" rotWithShape="0">
+              <a:srgbClr val="000000">
+                <a:alpha val="25000"/>
+              </a:srgbClr>
+            </a:outerShdw>
+          </a:effectLst>
+        </p:spPr>
+        <p:txBody>
+          <a:bodyPr anchor="t"/>
+          <a:lstStyle>
+            <a:lvl1pPr marL="0" indent="0" algn="ctr">
+              <a:buNone/>
+              <a:defRPr sz="3200"/>
+            </a:lvl1pPr>
+            <a:lvl2pPr marL="457200" indent="0">
+              <a:buNone/>
+              <a:defRPr sz="2800"/>
+            </a:lvl2pPr>
+            <a:lvl3pPr marL="914400" indent="0">
+              <a:buNone/>
+              <a:defRPr sz="2400"/>
+            </a:lvl3pPr>
+            <a:lvl4pPr marL="1371600" indent="0">
+              <a:buNone/>
+              <a:defRPr sz="2000"/>
+            </a:lvl4pPr>
+            <a:lvl5pPr marL="1828800" indent="0">
+              <a:buNone/>
+              <a:defRPr sz="2000"/>
+            </a:lvl5pPr>
+            <a:lvl6pPr marL="2286000" indent="0">
+              <a:buNone/>
+              <a:defRPr sz="2000"/>
+            </a:lvl6pPr>
+            <a:lvl7pPr marL="2743200" indent="0">
+              <a:buNone/>
+              <a:defRPr sz="2000"/>
+            </a:lvl7pPr>
+            <a:lvl8pPr marL="3200400" indent="0">
+              <a:buNone/>
+              <a:defRPr sz="2000"/>
+            </a:lvl8pPr>
+            <a:lvl9pPr marL="3657600" indent="0">
+              <a:buNone/>
+              <a:defRPr sz="2000"/>
+            </a:lvl9pPr>
+          </a:lstStyle>
+          <a:p>
+            <a:r>
+              <a:rPr lang="en-US" smtClean="0"/>
+              <a:t>Click icon to add picture</a:t>
+            </a:r>
+            <a:endParaRPr lang="en-US" dirty="0"/>
+          </a:p>
+        </p:txBody>
+      </p:sp>
+      <p:sp>
+        <p:nvSpPr>
+          <p:cNvPr id="4" name="Text Placeholder 3"/>
+          <p:cNvSpPr>
+            <a:spLocks noGrp="1"/>
+          </p:cNvSpPr>
+          <p:nvPr>
+            <p:ph type="body" sz="half" idx="2"/>
+          </p:nvPr>
+        </p:nvSpPr>
+        <p:spPr>
+          <a:xfrm>
+            <a:off x="2239435" y="5810250"/>
+            <a:ext cx="7615765" cy="533400"/>
+          </a:xfrm>
+        </p:spPr>
+        <p:txBody>
+          <a:bodyPr>
+            <a:normAutofit/>
+          </a:bodyPr>
+          <a:lstStyle>
+            <a:lvl1pPr marL="0" indent="0" algn="ctr">
+              <a:buNone/>
+              <a:defRPr sz="1600"/>
+            </a:lvl1pPr>
+            <a:lvl2pPr marL="457200" indent="0">
+              <a:buNone/>
+              <a:defRPr sz="1200"/>
+            </a:lvl2pPr>
+            <a:lvl3pPr marL="914400" indent="0">
+              <a:buNone/>
+              <a:defRPr sz="1000"/>
+            </a:lvl3pPr>
+            <a:lvl4pPr marL="1371600" indent="0">
+              <a:buNone/>
+              <a:defRPr sz="900"/>
+            </a:lvl4pPr>
+            <a:lvl5pPr marL="1828800" indent="0">
+              <a:buNone/>
+              <a:defRPr sz="900"/>
+            </a:lvl5pPr>
+            <a:lvl6pPr marL="2286000" indent="0">
+              <a:buNone/>
+              <a:defRPr sz="900"/>
+            </a:lvl6pPr>
+            <a:lvl7pPr marL="2743200" indent="0">
+              <a:buNone/>
+              <a:defRPr sz="900"/>
+            </a:lvl7pPr>
+            <a:lvl8pPr marL="3200400" indent="0">
+              <a:buNone/>
+              <a:defRPr sz="900"/>
+            </a:lvl8pPr>
+            <a:lvl9pPr marL="3657600" indent="0">
+              <a:buNone/>
+              <a:defRPr sz="900"/>
+            </a:lvl9pPr>
+          </a:lstStyle>
+          <a:p>
+            <a:pPr lvl="0"/>
+            <a:r>
+              <a:rPr lang="en-US" smtClean="0"/>
+              <a:t>Click to edit Master text styles</a:t>
+            </a:r>
+          </a:p>
+        </p:txBody>
+      </p:sp>
+      <p:sp>
+        <p:nvSpPr>
+          <p:cNvPr id="5" name="Date Placeholder 4"/>
+          <p:cNvSpPr>
+            <a:spLocks noGrp="1"/>
+          </p:cNvSpPr>
+          <p:nvPr>
+            <p:ph type="dt" sz="half" idx="10"/>
+          </p:nvPr>
+        </p:nvSpPr>
+        <p:spPr/>
+        <p:txBody>
+          <a:bodyPr/>
+          <a:lstStyle/>
+          <a:p>
+            <a:fld id="{080FC6DD-0AE0-4CF7-AE64-8E0C1AEEC238}" type="datetimeFigureOut">
+              <a:rPr lang="bg-BG" smtClean="0"/>
+              <a:t>13.6.2017 г.</a:t>
+            </a:fld>
+            <a:endParaRPr lang="bg-BG"/>
+          </a:p>
+        </p:txBody>
+      </p:sp>
+      <p:sp>
+        <p:nvSpPr>
+          <p:cNvPr id="6" name="Footer Placeholder 5"/>
+          <p:cNvSpPr>
+            <a:spLocks noGrp="1"/>
+          </p:cNvSpPr>
+          <p:nvPr>
+            <p:ph type="ftr" sz="quarter" idx="11"/>
+          </p:nvPr>
+        </p:nvSpPr>
+        <p:spPr/>
+        <p:txBody>
+          <a:bodyPr/>
+          <a:lstStyle/>
+          <a:p>
+            <a:endParaRPr lang="bg-BG"/>
+          </a:p>
+        </p:txBody>
+      </p:sp>
+      <p:sp>
+        <p:nvSpPr>
+          <p:cNvPr id="7" name="Slide Number Placeholder 6"/>
+          <p:cNvSpPr>
+            <a:spLocks noGrp="1"/>
+          </p:cNvSpPr>
+          <p:nvPr>
+            <p:ph type="sldNum" sz="quarter" idx="12"/>
+          </p:nvPr>
+        </p:nvSpPr>
+        <p:spPr/>
+        <p:txBody>
+          <a:bodyPr/>
+          <a:lstStyle/>
+          <a:p>
+            <a:fld id="{3AD01B2C-0BE2-4F3C-8861-8FC48C4ECE84}" type="slidenum">
+              <a:rPr lang="bg-BG" smtClean="0"/>
+              <a:t>‹#›</a:t>
+            </a:fld>
+            <a:endParaRPr lang="bg-BG"/>
+          </a:p>
+        </p:txBody>
+      </p:sp>
+    </p:spTree>
+  </p:cSld>
+  <p:clrMapOvr>
+    <a:masterClrMapping/>
+  </p:clrMapOvr>
+</p:sldLayout>
+</file>
+
+<file path=ppt/slideLayouts/slideLayout21.xml><?xml version="1.0" encoding="utf-8"?>
+<p:sldLayout xmlns:a="http://schemas.openxmlformats.org/drawingml/2006/main" xmlns:r="http://schemas.openxmlformats.org/officeDocument/2006/relationships" xmlns:p="http://schemas.openxmlformats.org/presentationml/2006/main" type="vertTx" preserve="1">
+  <p:cSld name="Title and Vertical Text">
+    <p:spTree>
+      <p:nvGrpSpPr>
+        <p:cNvPr id="1" name=""/>
+        <p:cNvGrpSpPr/>
+        <p:nvPr/>
+      </p:nvGrpSpPr>
+      <p:grpSpPr>
+        <a:xfrm>
+          <a:off x="0" y="0"/>
+          <a:ext cx="0" cy="0"/>
+          <a:chOff x="0" y="0"/>
+          <a:chExt cx="0" cy="0"/>
+        </a:xfrm>
+      </p:grpSpPr>
+      <p:sp>
+        <p:nvSpPr>
+          <p:cNvPr id="2" name="Title 1"/>
+          <p:cNvSpPr>
+            <a:spLocks noGrp="1"/>
+          </p:cNvSpPr>
+          <p:nvPr>
+            <p:ph type="title"/>
+          </p:nvPr>
+        </p:nvSpPr>
+        <p:spPr/>
+        <p:txBody>
+          <a:bodyPr/>
+          <a:lstStyle/>
+          <a:p>
+            <a:r>
+              <a:rPr lang="en-US" smtClean="0"/>
+              <a:t>Click to edit Master title style</a:t>
+            </a:r>
+            <a:endParaRPr lang="en-US" dirty="0"/>
+          </a:p>
+        </p:txBody>
+      </p:sp>
+      <p:sp>
+        <p:nvSpPr>
+          <p:cNvPr id="3" name="Vertical Text Placeholder 2"/>
+          <p:cNvSpPr>
+            <a:spLocks noGrp="1"/>
+          </p:cNvSpPr>
+          <p:nvPr>
+            <p:ph type="body" orient="vert" idx="1"/>
+          </p:nvPr>
+        </p:nvSpPr>
+        <p:spPr/>
+        <p:txBody>
+          <a:bodyPr vert="eaVert"/>
+          <a:lstStyle/>
+          <a:p>
+            <a:pPr lvl="0"/>
+            <a:r>
+              <a:rPr lang="en-US" smtClean="0"/>
+              <a:t>Click to edit Master text styles</a:t>
+            </a:r>
+          </a:p>
+          <a:p>
+            <a:pPr lvl="1"/>
+            <a:r>
+              <a:rPr lang="en-US" smtClean="0"/>
+              <a:t>Second level</a:t>
+            </a:r>
+          </a:p>
+          <a:p>
+            <a:pPr lvl="2"/>
+            <a:r>
+              <a:rPr lang="en-US" smtClean="0"/>
+              <a:t>Third level</a:t>
+            </a:r>
+          </a:p>
+          <a:p>
+            <a:pPr lvl="3"/>
+            <a:r>
+              <a:rPr lang="en-US" smtClean="0"/>
+              <a:t>Fourth level</a:t>
+            </a:r>
+          </a:p>
+          <a:p>
+            <a:pPr lvl="4"/>
+            <a:r>
+              <a:rPr lang="en-US" smtClean="0"/>
+              <a:t>Fifth level</a:t>
+            </a:r>
+            <a:endParaRPr lang="en-US"/>
+          </a:p>
+        </p:txBody>
+      </p:sp>
+      <p:sp>
+        <p:nvSpPr>
+          <p:cNvPr id="4" name="Date Placeholder 3"/>
+          <p:cNvSpPr>
+            <a:spLocks noGrp="1"/>
+          </p:cNvSpPr>
+          <p:nvPr>
+            <p:ph type="dt" sz="half" idx="10"/>
+          </p:nvPr>
+        </p:nvSpPr>
+        <p:spPr/>
+        <p:txBody>
+          <a:bodyPr/>
+          <a:lstStyle/>
+          <a:p>
+            <a:fld id="{080FC6DD-0AE0-4CF7-AE64-8E0C1AEEC238}" type="datetimeFigureOut">
+              <a:rPr lang="bg-BG" smtClean="0"/>
+              <a:t>13.6.2017 г.</a:t>
+            </a:fld>
+            <a:endParaRPr lang="bg-BG"/>
+          </a:p>
+        </p:txBody>
+      </p:sp>
+      <p:sp>
+        <p:nvSpPr>
+          <p:cNvPr id="5" name="Footer Placeholder 4"/>
+          <p:cNvSpPr>
+            <a:spLocks noGrp="1"/>
+          </p:cNvSpPr>
+          <p:nvPr>
+            <p:ph type="ftr" sz="quarter" idx="11"/>
+          </p:nvPr>
+        </p:nvSpPr>
+        <p:spPr/>
+        <p:txBody>
+          <a:bodyPr/>
+          <a:lstStyle/>
+          <a:p>
+            <a:endParaRPr lang="bg-BG"/>
+          </a:p>
+        </p:txBody>
+      </p:sp>
+      <p:sp>
+        <p:nvSpPr>
+          <p:cNvPr id="6" name="Slide Number Placeholder 5"/>
+          <p:cNvSpPr>
+            <a:spLocks noGrp="1"/>
+          </p:cNvSpPr>
+          <p:nvPr>
+            <p:ph type="sldNum" sz="quarter" idx="12"/>
+          </p:nvPr>
+        </p:nvSpPr>
+        <p:spPr/>
+        <p:txBody>
+          <a:bodyPr/>
+          <a:lstStyle/>
+          <a:p>
+            <a:fld id="{3AD01B2C-0BE2-4F3C-8861-8FC48C4ECE84}" type="slidenum">
+              <a:rPr lang="bg-BG" smtClean="0"/>
+              <a:t>‹#›</a:t>
+            </a:fld>
+            <a:endParaRPr lang="bg-BG"/>
+          </a:p>
+        </p:txBody>
+      </p:sp>
+    </p:spTree>
+  </p:cSld>
+  <p:clrMapOvr>
+    <a:masterClrMapping/>
+  </p:clrMapOvr>
+</p:sldLayout>
+</file>
+
+<file path=ppt/slideLayouts/slideLayout22.xml><?xml version="1.0" encoding="utf-8"?>
+<p:sldLayout xmlns:a="http://schemas.openxmlformats.org/drawingml/2006/main" xmlns:r="http://schemas.openxmlformats.org/officeDocument/2006/relationships" xmlns:p="http://schemas.openxmlformats.org/presentationml/2006/main" type="vertTitleAndTx" preserve="1">
+  <p:cSld name="Vertical Title and Text">
+    <p:spTree>
+      <p:nvGrpSpPr>
+        <p:cNvPr id="1" name=""/>
+        <p:cNvGrpSpPr/>
+        <p:nvPr/>
+      </p:nvGrpSpPr>
+      <p:grpSpPr>
+        <a:xfrm>
+          <a:off x="0" y="0"/>
+          <a:ext cx="0" cy="0"/>
+          <a:chOff x="0" y="0"/>
+          <a:chExt cx="0" cy="0"/>
+        </a:xfrm>
+      </p:grpSpPr>
+      <p:sp>
+        <p:nvSpPr>
+          <p:cNvPr id="2" name="Vertical Title 1"/>
+          <p:cNvSpPr>
+            <a:spLocks noGrp="1"/>
+          </p:cNvSpPr>
+          <p:nvPr>
+            <p:ph type="title" orient="vert"/>
+          </p:nvPr>
+        </p:nvSpPr>
+        <p:spPr>
+          <a:xfrm>
+            <a:off x="8839200" y="274639"/>
+            <a:ext cx="2743200" cy="5851525"/>
+          </a:xfrm>
+        </p:spPr>
+        <p:txBody>
+          <a:bodyPr vert="eaVert"/>
+          <a:lstStyle/>
+          <a:p>
+            <a:r>
+              <a:rPr lang="en-US" smtClean="0"/>
+              <a:t>Click to edit Master title style</a:t>
+            </a:r>
+            <a:endParaRPr lang="en-US" dirty="0"/>
+          </a:p>
+        </p:txBody>
+      </p:sp>
+      <p:sp>
+        <p:nvSpPr>
+          <p:cNvPr id="3" name="Vertical Text Placeholder 2"/>
+          <p:cNvSpPr>
+            <a:spLocks noGrp="1"/>
+          </p:cNvSpPr>
+          <p:nvPr>
+            <p:ph type="body" orient="vert" idx="1"/>
+          </p:nvPr>
+        </p:nvSpPr>
+        <p:spPr>
+          <a:xfrm>
+            <a:off x="609600" y="274639"/>
+            <a:ext cx="8026400" cy="5851525"/>
+          </a:xfrm>
+        </p:spPr>
+        <p:txBody>
+          <a:bodyPr vert="eaVert"/>
+          <a:lstStyle/>
+          <a:p>
+            <a:pPr lvl="0"/>
+            <a:r>
+              <a:rPr lang="en-US" smtClean="0"/>
+              <a:t>Click to edit Master text styles</a:t>
+            </a:r>
+          </a:p>
+          <a:p>
+            <a:pPr lvl="1"/>
+            <a:r>
+              <a:rPr lang="en-US" smtClean="0"/>
+              <a:t>Second level</a:t>
+            </a:r>
+          </a:p>
+          <a:p>
+            <a:pPr lvl="2"/>
+            <a:r>
+              <a:rPr lang="en-US" smtClean="0"/>
+              <a:t>Third level</a:t>
+            </a:r>
+          </a:p>
+          <a:p>
+            <a:pPr lvl="3"/>
+            <a:r>
+              <a:rPr lang="en-US" smtClean="0"/>
+              <a:t>Fourth level</a:t>
+            </a:r>
+          </a:p>
+          <a:p>
+            <a:pPr lvl="4"/>
+            <a:r>
+              <a:rPr lang="en-US" smtClean="0"/>
+              <a:t>Fifth level</a:t>
+            </a:r>
+            <a:endParaRPr lang="en-US"/>
+          </a:p>
+        </p:txBody>
+      </p:sp>
+      <p:sp>
+        <p:nvSpPr>
+          <p:cNvPr id="4" name="Date Placeholder 3"/>
+          <p:cNvSpPr>
+            <a:spLocks noGrp="1"/>
+          </p:cNvSpPr>
+          <p:nvPr>
+            <p:ph type="dt" sz="half" idx="10"/>
+          </p:nvPr>
+        </p:nvSpPr>
+        <p:spPr/>
+        <p:txBody>
+          <a:bodyPr/>
+          <a:lstStyle/>
+          <a:p>
+            <a:fld id="{080FC6DD-0AE0-4CF7-AE64-8E0C1AEEC238}" type="datetimeFigureOut">
+              <a:rPr lang="bg-BG" smtClean="0"/>
+              <a:t>13.6.2017 г.</a:t>
+            </a:fld>
+            <a:endParaRPr lang="bg-BG"/>
+          </a:p>
+        </p:txBody>
+      </p:sp>
+      <p:sp>
+        <p:nvSpPr>
+          <p:cNvPr id="5" name="Footer Placeholder 4"/>
+          <p:cNvSpPr>
+            <a:spLocks noGrp="1"/>
+          </p:cNvSpPr>
+          <p:nvPr>
+            <p:ph type="ftr" sz="quarter" idx="11"/>
+          </p:nvPr>
+        </p:nvSpPr>
+        <p:spPr/>
+        <p:txBody>
+          <a:bodyPr/>
+          <a:lstStyle/>
+          <a:p>
+            <a:endParaRPr lang="bg-BG"/>
+          </a:p>
+        </p:txBody>
+      </p:sp>
+      <p:sp>
+        <p:nvSpPr>
+          <p:cNvPr id="6" name="Slide Number Placeholder 5"/>
+          <p:cNvSpPr>
+            <a:spLocks noGrp="1"/>
+          </p:cNvSpPr>
+          <p:nvPr>
+            <p:ph type="sldNum" sz="quarter" idx="12"/>
+          </p:nvPr>
+        </p:nvSpPr>
+        <p:spPr/>
+        <p:txBody>
+          <a:bodyPr/>
+          <a:lstStyle/>
+          <a:p>
+            <a:fld id="{3AD01B2C-0BE2-4F3C-8861-8FC48C4ECE84}" type="slidenum">
+              <a:rPr lang="bg-BG" smtClean="0"/>
+              <a:t>‹#›</a:t>
+            </a:fld>
+            <a:endParaRPr lang="bg-BG"/>
+          </a:p>
+        </p:txBody>
+      </p:sp>
+    </p:spTree>
   </p:cSld>
   <p:clrMapOvr>
     <a:masterClrMapping/>
@@ -1018,7 +3586,7 @@
           <a:p>
             <a:fld id="{080FC6DD-0AE0-4CF7-AE64-8E0C1AEEC238}" type="datetimeFigureOut">
               <a:rPr lang="bg-BG" smtClean="0"/>
-              <a:t>10.6.2017 г.</a:t>
+              <a:t>13.6.2017 г.</a:t>
             </a:fld>
             <a:endParaRPr lang="bg-BG"/>
           </a:p>
@@ -1250,7 +3818,7 @@
           <a:p>
             <a:fld id="{080FC6DD-0AE0-4CF7-AE64-8E0C1AEEC238}" type="datetimeFigureOut">
               <a:rPr lang="bg-BG" smtClean="0"/>
-              <a:t>10.6.2017 г.</a:t>
+              <a:t>13.6.2017 г.</a:t>
             </a:fld>
             <a:endParaRPr lang="bg-BG"/>
           </a:p>
@@ -1617,7 +4185,7 @@
           <a:p>
             <a:fld id="{080FC6DD-0AE0-4CF7-AE64-8E0C1AEEC238}" type="datetimeFigureOut">
               <a:rPr lang="bg-BG" smtClean="0"/>
-              <a:t>10.6.2017 г.</a:t>
+              <a:t>13.6.2017 г.</a:t>
             </a:fld>
             <a:endParaRPr lang="bg-BG"/>
           </a:p>
@@ -1735,7 +4303,7 @@
           <a:p>
             <a:fld id="{080FC6DD-0AE0-4CF7-AE64-8E0C1AEEC238}" type="datetimeFigureOut">
               <a:rPr lang="bg-BG" smtClean="0"/>
-              <a:t>10.6.2017 г.</a:t>
+              <a:t>13.6.2017 г.</a:t>
             </a:fld>
             <a:endParaRPr lang="bg-BG"/>
           </a:p>
@@ -1830,7 +4398,7 @@
           <a:p>
             <a:fld id="{080FC6DD-0AE0-4CF7-AE64-8E0C1AEEC238}" type="datetimeFigureOut">
               <a:rPr lang="bg-BG" smtClean="0"/>
-              <a:t>10.6.2017 г.</a:t>
+              <a:t>13.6.2017 г.</a:t>
             </a:fld>
             <a:endParaRPr lang="bg-BG"/>
           </a:p>
@@ -2107,7 +4675,7 @@
           <a:p>
             <a:fld id="{080FC6DD-0AE0-4CF7-AE64-8E0C1AEEC238}" type="datetimeFigureOut">
               <a:rPr lang="bg-BG" smtClean="0"/>
-              <a:t>10.6.2017 г.</a:t>
+              <a:t>13.6.2017 г.</a:t>
             </a:fld>
             <a:endParaRPr lang="bg-BG"/>
           </a:p>
@@ -2360,7 +4928,7 @@
           <a:p>
             <a:fld id="{080FC6DD-0AE0-4CF7-AE64-8E0C1AEEC238}" type="datetimeFigureOut">
               <a:rPr lang="bg-BG" smtClean="0"/>
-              <a:t>10.6.2017 г.</a:t>
+              <a:t>13.6.2017 г.</a:t>
             </a:fld>
             <a:endParaRPr lang="bg-BG"/>
           </a:p>
@@ -2573,7 +5141,7 @@
           <a:p>
             <a:fld id="{080FC6DD-0AE0-4CF7-AE64-8E0C1AEEC238}" type="datetimeFigureOut">
               <a:rPr lang="bg-BG" smtClean="0"/>
-              <a:t>10.6.2017 г.</a:t>
+              <a:t>13.6.2017 г.</a:t>
             </a:fld>
             <a:endParaRPr lang="bg-BG"/>
           </a:p>
@@ -2961,6 +5529,661 @@
 </p:sldMaster>
 </file>
 
+<file path=ppt/slideMasters/slideMaster2.xml><?xml version="1.0" encoding="utf-8"?>
+<p:sldMaster xmlns:a="http://schemas.openxmlformats.org/drawingml/2006/main" xmlns:r="http://schemas.openxmlformats.org/officeDocument/2006/relationships" xmlns:p="http://schemas.openxmlformats.org/presentationml/2006/main">
+  <p:cSld>
+    <p:bg>
+      <p:bgRef idx="1002">
+        <a:schemeClr val="bg1"/>
+      </p:bgRef>
+    </p:bg>
+    <p:spTree>
+      <p:nvGrpSpPr>
+        <p:cNvPr id="1" name=""/>
+        <p:cNvGrpSpPr/>
+        <p:nvPr/>
+      </p:nvGrpSpPr>
+      <p:grpSpPr>
+        <a:xfrm>
+          <a:off x="0" y="0"/>
+          <a:ext cx="0" cy="0"/>
+          <a:chOff x="0" y="0"/>
+          <a:chExt cx="0" cy="0"/>
+        </a:xfrm>
+      </p:grpSpPr>
+      <p:sp>
+        <p:nvSpPr>
+          <p:cNvPr id="2" name="Title Placeholder 1"/>
+          <p:cNvSpPr>
+            <a:spLocks noGrp="1"/>
+          </p:cNvSpPr>
+          <p:nvPr>
+            <p:ph type="title"/>
+          </p:nvPr>
+        </p:nvSpPr>
+        <p:spPr>
+          <a:xfrm>
+            <a:off x="609600" y="0"/>
+            <a:ext cx="10972800" cy="1600200"/>
+          </a:xfrm>
+          <a:prstGeom prst="rect">
+            <a:avLst/>
+          </a:prstGeom>
+        </p:spPr>
+        <p:txBody>
+          <a:bodyPr vert="horz" lIns="91440" tIns="45720" rIns="91440" bIns="45720" rtlCol="0" anchor="b">
+            <a:noAutofit/>
+          </a:bodyPr>
+          <a:lstStyle/>
+          <a:p>
+            <a:r>
+              <a:rPr lang="en-US" smtClean="0"/>
+              <a:t>Click to edit Master title style</a:t>
+            </a:r>
+            <a:endParaRPr lang="en-US" dirty="0"/>
+          </a:p>
+        </p:txBody>
+      </p:sp>
+      <p:sp>
+        <p:nvSpPr>
+          <p:cNvPr id="3" name="Text Placeholder 2"/>
+          <p:cNvSpPr>
+            <a:spLocks noGrp="1"/>
+          </p:cNvSpPr>
+          <p:nvPr>
+            <p:ph type="body" idx="1"/>
+          </p:nvPr>
+        </p:nvSpPr>
+        <p:spPr>
+          <a:xfrm>
+            <a:off x="609600" y="1600201"/>
+            <a:ext cx="10972800" cy="4525963"/>
+          </a:xfrm>
+          <a:prstGeom prst="rect">
+            <a:avLst/>
+          </a:prstGeom>
+        </p:spPr>
+        <p:txBody>
+          <a:bodyPr vert="horz" lIns="91440" tIns="45720" rIns="91440" bIns="45720" rtlCol="0">
+            <a:normAutofit/>
+          </a:bodyPr>
+          <a:lstStyle/>
+          <a:p>
+            <a:pPr lvl="0"/>
+            <a:r>
+              <a:rPr lang="en-US" smtClean="0"/>
+              <a:t>Click to edit Master text styles</a:t>
+            </a:r>
+          </a:p>
+          <a:p>
+            <a:pPr lvl="1"/>
+            <a:r>
+              <a:rPr lang="en-US" smtClean="0"/>
+              <a:t>Second level</a:t>
+            </a:r>
+          </a:p>
+          <a:p>
+            <a:pPr lvl="2"/>
+            <a:r>
+              <a:rPr lang="en-US" smtClean="0"/>
+              <a:t>Third level</a:t>
+            </a:r>
+          </a:p>
+          <a:p>
+            <a:pPr lvl="3"/>
+            <a:r>
+              <a:rPr lang="en-US" smtClean="0"/>
+              <a:t>Fourth level</a:t>
+            </a:r>
+          </a:p>
+          <a:p>
+            <a:pPr lvl="4"/>
+            <a:r>
+              <a:rPr lang="en-US" smtClean="0"/>
+              <a:t>Fifth level</a:t>
+            </a:r>
+            <a:endParaRPr lang="en-US" dirty="0" smtClean="0"/>
+          </a:p>
+        </p:txBody>
+      </p:sp>
+      <p:sp>
+        <p:nvSpPr>
+          <p:cNvPr id="4" name="Date Placeholder 3"/>
+          <p:cNvSpPr>
+            <a:spLocks noGrp="1"/>
+          </p:cNvSpPr>
+          <p:nvPr>
+            <p:ph type="dt" sz="half" idx="2"/>
+          </p:nvPr>
+        </p:nvSpPr>
+        <p:spPr>
+          <a:xfrm>
+            <a:off x="8484463" y="6356351"/>
+            <a:ext cx="2781300" cy="365125"/>
+          </a:xfrm>
+          <a:prstGeom prst="rect">
+            <a:avLst/>
+          </a:prstGeom>
+        </p:spPr>
+        <p:txBody>
+          <a:bodyPr vert="horz" lIns="91440" tIns="45720" rIns="45720" bIns="45720" rtlCol="0" anchor="ctr"/>
+          <a:lstStyle>
+            <a:lvl1pPr algn="r">
+              <a:defRPr sz="1200">
+                <a:solidFill>
+                  <a:schemeClr val="tx1">
+                    <a:lumMod val="65000"/>
+                    <a:lumOff val="35000"/>
+                  </a:schemeClr>
+                </a:solidFill>
+                <a:latin typeface="Century Gothic" pitchFamily="34" charset="0"/>
+              </a:defRPr>
+            </a:lvl1pPr>
+          </a:lstStyle>
+          <a:p>
+            <a:fld id="{080FC6DD-0AE0-4CF7-AE64-8E0C1AEEC238}" type="datetimeFigureOut">
+              <a:rPr lang="bg-BG" smtClean="0"/>
+              <a:t>13.6.2017 г.</a:t>
+            </a:fld>
+            <a:endParaRPr lang="bg-BG"/>
+          </a:p>
+        </p:txBody>
+      </p:sp>
+      <p:sp>
+        <p:nvSpPr>
+          <p:cNvPr id="5" name="Footer Placeholder 4"/>
+          <p:cNvSpPr>
+            <a:spLocks noGrp="1"/>
+          </p:cNvSpPr>
+          <p:nvPr>
+            <p:ph type="ftr" sz="quarter" idx="3"/>
+          </p:nvPr>
+        </p:nvSpPr>
+        <p:spPr>
+          <a:xfrm>
+            <a:off x="878887" y="6356351"/>
+            <a:ext cx="3797300" cy="365125"/>
+          </a:xfrm>
+          <a:prstGeom prst="rect">
+            <a:avLst/>
+          </a:prstGeom>
+        </p:spPr>
+        <p:txBody>
+          <a:bodyPr vert="horz" lIns="45720" tIns="45720" rIns="91440" bIns="45720" rtlCol="0" anchor="ctr"/>
+          <a:lstStyle>
+            <a:lvl1pPr algn="l">
+              <a:defRPr sz="1200">
+                <a:solidFill>
+                  <a:schemeClr val="tx1">
+                    <a:lumMod val="65000"/>
+                    <a:lumOff val="35000"/>
+                  </a:schemeClr>
+                </a:solidFill>
+                <a:latin typeface="Century Gothic" pitchFamily="34" charset="0"/>
+              </a:defRPr>
+            </a:lvl1pPr>
+          </a:lstStyle>
+          <a:p>
+            <a:endParaRPr lang="bg-BG"/>
+          </a:p>
+        </p:txBody>
+      </p:sp>
+      <p:sp>
+        <p:nvSpPr>
+          <p:cNvPr id="6" name="Slide Number Placeholder 5"/>
+          <p:cNvSpPr>
+            <a:spLocks noGrp="1"/>
+          </p:cNvSpPr>
+          <p:nvPr>
+            <p:ph type="sldNum" sz="quarter" idx="4"/>
+          </p:nvPr>
+        </p:nvSpPr>
+        <p:spPr>
+          <a:xfrm>
+            <a:off x="11391038" y="6356351"/>
+            <a:ext cx="749300" cy="365125"/>
+          </a:xfrm>
+          <a:prstGeom prst="rect">
+            <a:avLst/>
+          </a:prstGeom>
+        </p:spPr>
+        <p:txBody>
+          <a:bodyPr vert="horz" lIns="27432" tIns="45720" rIns="45720" bIns="45720" rtlCol="0" anchor="ctr"/>
+          <a:lstStyle>
+            <a:lvl1pPr algn="l">
+              <a:defRPr sz="1200">
+                <a:solidFill>
+                  <a:schemeClr val="tx1">
+                    <a:lumMod val="65000"/>
+                    <a:lumOff val="35000"/>
+                  </a:schemeClr>
+                </a:solidFill>
+                <a:latin typeface="Century Gothic" pitchFamily="34" charset="0"/>
+              </a:defRPr>
+            </a:lvl1pPr>
+          </a:lstStyle>
+          <a:p>
+            <a:fld id="{3AD01B2C-0BE2-4F3C-8861-8FC48C4ECE84}" type="slidenum">
+              <a:rPr lang="bg-BG" smtClean="0"/>
+              <a:t>‹#›</a:t>
+            </a:fld>
+            <a:endParaRPr lang="bg-BG"/>
+          </a:p>
+        </p:txBody>
+      </p:sp>
+      <p:sp>
+        <p:nvSpPr>
+          <p:cNvPr id="7" name="Oval 6"/>
+          <p:cNvSpPr/>
+          <p:nvPr/>
+        </p:nvSpPr>
+        <p:spPr>
+          <a:xfrm>
+            <a:off x="11277014" y="6499384"/>
+            <a:ext cx="113029" cy="84772"/>
+          </a:xfrm>
+          <a:prstGeom prst="ellipse">
+            <a:avLst/>
+          </a:prstGeom>
+          <a:solidFill>
+            <a:schemeClr val="tx1">
+              <a:lumMod val="50000"/>
+              <a:lumOff val="50000"/>
+            </a:schemeClr>
+          </a:solidFill>
+          <a:ln w="12700">
+            <a:noFill/>
+          </a:ln>
+          <a:effectLst/>
+        </p:spPr>
+        <p:style>
+          <a:lnRef idx="2">
+            <a:schemeClr val="accent1">
+              <a:shade val="50000"/>
+            </a:schemeClr>
+          </a:lnRef>
+          <a:fillRef idx="1">
+            <a:schemeClr val="accent1"/>
+          </a:fillRef>
+          <a:effectRef idx="0">
+            <a:schemeClr val="accent1"/>
+          </a:effectRef>
+          <a:fontRef idx="minor">
+            <a:schemeClr val="lt1"/>
+          </a:fontRef>
+        </p:style>
+        <p:txBody>
+          <a:bodyPr rtlCol="0" anchor="ctr"/>
+          <a:lstStyle/>
+          <a:p>
+            <a:pPr marL="0" algn="ctr" defTabSz="914400" rtl="0" eaLnBrk="1" latinLnBrk="0" hangingPunct="1"/>
+            <a:endParaRPr lang="en-US" sz="1800" kern="1200">
+              <a:solidFill>
+                <a:schemeClr val="lt1"/>
+              </a:solidFill>
+              <a:latin typeface="+mn-lt"/>
+              <a:ea typeface="+mn-ea"/>
+              <a:cs typeface="+mn-cs"/>
+            </a:endParaRPr>
+          </a:p>
+        </p:txBody>
+      </p:sp>
+      <p:sp>
+        <p:nvSpPr>
+          <p:cNvPr id="8" name="Oval 7"/>
+          <p:cNvSpPr/>
+          <p:nvPr/>
+        </p:nvSpPr>
+        <p:spPr>
+          <a:xfrm>
+            <a:off x="758826" y="6499384"/>
+            <a:ext cx="113029" cy="84772"/>
+          </a:xfrm>
+          <a:prstGeom prst="ellipse">
+            <a:avLst/>
+          </a:prstGeom>
+          <a:solidFill>
+            <a:schemeClr val="tx1">
+              <a:lumMod val="50000"/>
+              <a:lumOff val="50000"/>
+            </a:schemeClr>
+          </a:solidFill>
+          <a:ln w="12700">
+            <a:noFill/>
+          </a:ln>
+          <a:effectLst/>
+        </p:spPr>
+        <p:style>
+          <a:lnRef idx="2">
+            <a:schemeClr val="accent1">
+              <a:shade val="50000"/>
+            </a:schemeClr>
+          </a:lnRef>
+          <a:fillRef idx="1">
+            <a:schemeClr val="accent1"/>
+          </a:fillRef>
+          <a:effectRef idx="0">
+            <a:schemeClr val="accent1"/>
+          </a:effectRef>
+          <a:fontRef idx="minor">
+            <a:schemeClr val="lt1"/>
+          </a:fontRef>
+        </p:style>
+        <p:txBody>
+          <a:bodyPr rtlCol="0" anchor="ctr"/>
+          <a:lstStyle/>
+          <a:p>
+            <a:pPr algn="ctr"/>
+            <a:endParaRPr lang="en-US"/>
+          </a:p>
+        </p:txBody>
+      </p:sp>
+    </p:spTree>
+  </p:cSld>
+  <p:clrMap bg1="lt1" tx1="dk1" bg2="lt2" tx2="dk2" accent1="accent1" accent2="accent2" accent3="accent3" accent4="accent4" accent5="accent5" accent6="accent6" hlink="hlink" folHlink="folHlink"/>
+  <p:sldLayoutIdLst>
+    <p:sldLayoutId id="2147483661" r:id="rId1"/>
+    <p:sldLayoutId id="2147483662" r:id="rId2"/>
+    <p:sldLayoutId id="2147483663" r:id="rId3"/>
+    <p:sldLayoutId id="2147483664" r:id="rId4"/>
+    <p:sldLayoutId id="2147483665" r:id="rId5"/>
+    <p:sldLayoutId id="2147483666" r:id="rId6"/>
+    <p:sldLayoutId id="2147483667" r:id="rId7"/>
+    <p:sldLayoutId id="2147483668" r:id="rId8"/>
+    <p:sldLayoutId id="2147483669" r:id="rId9"/>
+    <p:sldLayoutId id="2147483670" r:id="rId10"/>
+    <p:sldLayoutId id="2147483671" r:id="rId11"/>
+  </p:sldLayoutIdLst>
+  <p:txStyles>
+    <p:titleStyle>
+      <a:lvl1pPr algn="ctr" defTabSz="914400" rtl="0" eaLnBrk="1" latinLnBrk="0" hangingPunct="1">
+        <a:lnSpc>
+          <a:spcPts val="5800"/>
+        </a:lnSpc>
+        <a:spcBef>
+          <a:spcPct val="0"/>
+        </a:spcBef>
+        <a:buNone/>
+        <a:defRPr sz="5400" kern="1200">
+          <a:solidFill>
+            <a:schemeClr val="tx2"/>
+          </a:solidFill>
+          <a:effectLst>
+            <a:outerShdw blurRad="63500" dist="38100" dir="5400000" algn="t" rotWithShape="0">
+              <a:prstClr val="black">
+                <a:alpha val="25000"/>
+              </a:prstClr>
+            </a:outerShdw>
+          </a:effectLst>
+          <a:latin typeface="+mn-lt"/>
+          <a:ea typeface="+mj-ea"/>
+          <a:cs typeface="+mj-cs"/>
+        </a:defRPr>
+      </a:lvl1pPr>
+    </p:titleStyle>
+    <p:bodyStyle>
+      <a:lvl1pPr marL="342900" indent="-342900" algn="l" defTabSz="914400" rtl="0" eaLnBrk="1" latinLnBrk="0" hangingPunct="1">
+        <a:spcBef>
+          <a:spcPct val="20000"/>
+        </a:spcBef>
+        <a:buFont typeface="Arial" pitchFamily="34" charset="0"/>
+        <a:buChar char="•"/>
+        <a:defRPr sz="2400" kern="1200">
+          <a:solidFill>
+            <a:schemeClr val="tx1">
+              <a:lumMod val="50000"/>
+              <a:lumOff val="50000"/>
+            </a:schemeClr>
+          </a:solidFill>
+          <a:latin typeface="+mj-lt"/>
+          <a:ea typeface="+mn-ea"/>
+          <a:cs typeface="+mn-cs"/>
+        </a:defRPr>
+      </a:lvl1pPr>
+      <a:lvl2pPr marL="742950" indent="-285750" algn="l" defTabSz="914400" rtl="0" eaLnBrk="1" latinLnBrk="0" hangingPunct="1">
+        <a:spcBef>
+          <a:spcPct val="20000"/>
+        </a:spcBef>
+        <a:buFont typeface="Courier New" pitchFamily="49" charset="0"/>
+        <a:buChar char="o"/>
+        <a:defRPr sz="1600" kern="1200">
+          <a:solidFill>
+            <a:schemeClr val="tx1">
+              <a:lumMod val="50000"/>
+              <a:lumOff val="50000"/>
+            </a:schemeClr>
+          </a:solidFill>
+          <a:latin typeface="+mj-lt"/>
+          <a:ea typeface="+mn-ea"/>
+          <a:cs typeface="+mn-cs"/>
+        </a:defRPr>
+      </a:lvl2pPr>
+      <a:lvl3pPr marL="1143000" indent="-228600" algn="l" defTabSz="914400" rtl="0" eaLnBrk="1" latinLnBrk="0" hangingPunct="1">
+        <a:spcBef>
+          <a:spcPct val="20000"/>
+        </a:spcBef>
+        <a:buFont typeface="Arial" pitchFamily="34" charset="0"/>
+        <a:buChar char="•"/>
+        <a:defRPr sz="1600" kern="1200">
+          <a:solidFill>
+            <a:schemeClr val="tx1">
+              <a:lumMod val="50000"/>
+              <a:lumOff val="50000"/>
+            </a:schemeClr>
+          </a:solidFill>
+          <a:latin typeface="+mj-lt"/>
+          <a:ea typeface="+mn-ea"/>
+          <a:cs typeface="+mn-cs"/>
+        </a:defRPr>
+      </a:lvl3pPr>
+      <a:lvl4pPr marL="1600200" indent="-228600" algn="l" defTabSz="914400" rtl="0" eaLnBrk="1" latinLnBrk="0" hangingPunct="1">
+        <a:spcBef>
+          <a:spcPct val="20000"/>
+        </a:spcBef>
+        <a:buFont typeface="Courier New" pitchFamily="49" charset="0"/>
+        <a:buChar char="o"/>
+        <a:defRPr sz="1600" kern="1200">
+          <a:solidFill>
+            <a:schemeClr val="tx1">
+              <a:lumMod val="50000"/>
+              <a:lumOff val="50000"/>
+            </a:schemeClr>
+          </a:solidFill>
+          <a:latin typeface="+mj-lt"/>
+          <a:ea typeface="+mn-ea"/>
+          <a:cs typeface="+mn-cs"/>
+        </a:defRPr>
+      </a:lvl4pPr>
+      <a:lvl5pPr marL="2057400" indent="-228600" algn="l" defTabSz="914400" rtl="0" eaLnBrk="1" latinLnBrk="0" hangingPunct="1">
+        <a:spcBef>
+          <a:spcPct val="20000"/>
+        </a:spcBef>
+        <a:buFont typeface="Arial" pitchFamily="34" charset="0"/>
+        <a:buChar char="•"/>
+        <a:defRPr sz="1600" kern="1200">
+          <a:solidFill>
+            <a:schemeClr val="tx1">
+              <a:lumMod val="50000"/>
+              <a:lumOff val="50000"/>
+            </a:schemeClr>
+          </a:solidFill>
+          <a:latin typeface="+mj-lt"/>
+          <a:ea typeface="+mn-ea"/>
+          <a:cs typeface="+mn-cs"/>
+        </a:defRPr>
+      </a:lvl5pPr>
+      <a:lvl6pPr marL="2514600" indent="-228600" algn="l" defTabSz="914400" rtl="0" eaLnBrk="1" latinLnBrk="0" hangingPunct="1">
+        <a:spcBef>
+          <a:spcPct val="20000"/>
+        </a:spcBef>
+        <a:buFont typeface="Courier New" pitchFamily="49" charset="0"/>
+        <a:buChar char="o"/>
+        <a:defRPr sz="1600" kern="1200">
+          <a:solidFill>
+            <a:schemeClr val="tx1">
+              <a:lumMod val="50000"/>
+              <a:lumOff val="50000"/>
+            </a:schemeClr>
+          </a:solidFill>
+          <a:latin typeface="+mj-lt"/>
+          <a:ea typeface="+mn-ea"/>
+          <a:cs typeface="+mn-cs"/>
+        </a:defRPr>
+      </a:lvl6pPr>
+      <a:lvl7pPr marL="2971800" indent="-228600" algn="l" defTabSz="914400" rtl="0" eaLnBrk="1" latinLnBrk="0" hangingPunct="1">
+        <a:spcBef>
+          <a:spcPct val="20000"/>
+        </a:spcBef>
+        <a:buFont typeface="Arial" pitchFamily="34" charset="0"/>
+        <a:buChar char="•"/>
+        <a:defRPr sz="1600" kern="1200">
+          <a:solidFill>
+            <a:schemeClr val="tx1">
+              <a:lumMod val="50000"/>
+              <a:lumOff val="50000"/>
+            </a:schemeClr>
+          </a:solidFill>
+          <a:latin typeface="+mj-lt"/>
+          <a:ea typeface="+mn-ea"/>
+          <a:cs typeface="+mn-cs"/>
+        </a:defRPr>
+      </a:lvl7pPr>
+      <a:lvl8pPr marL="3429000" indent="-228600" algn="l" defTabSz="914400" rtl="0" eaLnBrk="1" latinLnBrk="0" hangingPunct="1">
+        <a:spcBef>
+          <a:spcPct val="20000"/>
+        </a:spcBef>
+        <a:buFont typeface="Courier New" pitchFamily="49" charset="0"/>
+        <a:buChar char="o"/>
+        <a:defRPr sz="1600" kern="1200">
+          <a:solidFill>
+            <a:schemeClr val="tx1">
+              <a:lumMod val="50000"/>
+              <a:lumOff val="50000"/>
+            </a:schemeClr>
+          </a:solidFill>
+          <a:latin typeface="+mj-lt"/>
+          <a:ea typeface="+mn-ea"/>
+          <a:cs typeface="+mn-cs"/>
+        </a:defRPr>
+      </a:lvl8pPr>
+      <a:lvl9pPr marL="3886200" indent="-228600" algn="l" defTabSz="914400" rtl="0" eaLnBrk="1" latinLnBrk="0" hangingPunct="1">
+        <a:spcBef>
+          <a:spcPct val="20000"/>
+        </a:spcBef>
+        <a:buFont typeface="Arial" pitchFamily="34" charset="0"/>
+        <a:buChar char="•"/>
+        <a:defRPr sz="1600" kern="1200">
+          <a:solidFill>
+            <a:schemeClr val="tx1">
+              <a:lumMod val="50000"/>
+              <a:lumOff val="50000"/>
+            </a:schemeClr>
+          </a:solidFill>
+          <a:latin typeface="+mj-lt"/>
+          <a:ea typeface="+mn-ea"/>
+          <a:cs typeface="+mn-cs"/>
+        </a:defRPr>
+      </a:lvl9pPr>
+    </p:bodyStyle>
+    <p:otherStyle>
+      <a:defPPr>
+        <a:defRPr lang="en-US"/>
+      </a:defPPr>
+      <a:lvl1pPr marL="0" algn="l" defTabSz="914400" rtl="0" eaLnBrk="1" latinLnBrk="0" hangingPunct="1">
+        <a:defRPr sz="1800" kern="1200">
+          <a:solidFill>
+            <a:schemeClr val="tx1"/>
+          </a:solidFill>
+          <a:latin typeface="+mn-lt"/>
+          <a:ea typeface="+mn-ea"/>
+          <a:cs typeface="+mn-cs"/>
+        </a:defRPr>
+      </a:lvl1pPr>
+      <a:lvl2pPr marL="457200" algn="l" defTabSz="914400" rtl="0" eaLnBrk="1" latinLnBrk="0" hangingPunct="1">
+        <a:defRPr sz="1800" kern="1200">
+          <a:solidFill>
+            <a:schemeClr val="tx1"/>
+          </a:solidFill>
+          <a:latin typeface="+mn-lt"/>
+          <a:ea typeface="+mn-ea"/>
+          <a:cs typeface="+mn-cs"/>
+        </a:defRPr>
+      </a:lvl2pPr>
+      <a:lvl3pPr marL="914400" algn="l" defTabSz="914400" rtl="0" eaLnBrk="1" latinLnBrk="0" hangingPunct="1">
+        <a:defRPr sz="1800" kern="1200">
+          <a:solidFill>
+            <a:schemeClr val="tx1"/>
+          </a:solidFill>
+          <a:latin typeface="+mn-lt"/>
+          <a:ea typeface="+mn-ea"/>
+          <a:cs typeface="+mn-cs"/>
+        </a:defRPr>
+      </a:lvl3pPr>
+      <a:lvl4pPr marL="1371600" algn="l" defTabSz="914400" rtl="0" eaLnBrk="1" latinLnBrk="0" hangingPunct="1">
+        <a:defRPr sz="1800" kern="1200">
+          <a:solidFill>
+            <a:schemeClr val="tx1"/>
+          </a:solidFill>
+          <a:latin typeface="+mn-lt"/>
+          <a:ea typeface="+mn-ea"/>
+          <a:cs typeface="+mn-cs"/>
+        </a:defRPr>
+      </a:lvl4pPr>
+      <a:lvl5pPr marL="1828800" algn="l" defTabSz="914400" rtl="0" eaLnBrk="1" latinLnBrk="0" hangingPunct="1">
+        <a:defRPr sz="1800" kern="1200">
+          <a:solidFill>
+            <a:schemeClr val="tx1"/>
+          </a:solidFill>
+          <a:latin typeface="+mn-lt"/>
+          <a:ea typeface="+mn-ea"/>
+          <a:cs typeface="+mn-cs"/>
+        </a:defRPr>
+      </a:lvl5pPr>
+      <a:lvl6pPr marL="2286000" algn="l" defTabSz="914400" rtl="0" eaLnBrk="1" latinLnBrk="0" hangingPunct="1">
+        <a:defRPr sz="1800" kern="1200">
+          <a:solidFill>
+            <a:schemeClr val="tx1"/>
+          </a:solidFill>
+          <a:latin typeface="+mn-lt"/>
+          <a:ea typeface="+mn-ea"/>
+          <a:cs typeface="+mn-cs"/>
+        </a:defRPr>
+      </a:lvl6pPr>
+      <a:lvl7pPr marL="2743200" algn="l" defTabSz="914400" rtl="0" eaLnBrk="1" latinLnBrk="0" hangingPunct="1">
+        <a:defRPr sz="1800" kern="1200">
+          <a:solidFill>
+            <a:schemeClr val="tx1"/>
+          </a:solidFill>
+          <a:latin typeface="+mn-lt"/>
+          <a:ea typeface="+mn-ea"/>
+          <a:cs typeface="+mn-cs"/>
+        </a:defRPr>
+      </a:lvl7pPr>
+      <a:lvl8pPr marL="3200400" algn="l" defTabSz="914400" rtl="0" eaLnBrk="1" latinLnBrk="0" hangingPunct="1">
+        <a:defRPr sz="1800" kern="1200">
+          <a:solidFill>
+            <a:schemeClr val="tx1"/>
+          </a:solidFill>
+          <a:latin typeface="+mn-lt"/>
+          <a:ea typeface="+mn-ea"/>
+          <a:cs typeface="+mn-cs"/>
+        </a:defRPr>
+      </a:lvl8pPr>
+      <a:lvl9pPr marL="3657600" algn="l" defTabSz="914400" rtl="0" eaLnBrk="1" latinLnBrk="0" hangingPunct="1">
+        <a:defRPr sz="1800" kern="1200">
+          <a:solidFill>
+            <a:schemeClr val="tx1"/>
+          </a:solidFill>
+          <a:latin typeface="+mn-lt"/>
+          <a:ea typeface="+mn-ea"/>
+          <a:cs typeface="+mn-cs"/>
+        </a:defRPr>
+      </a:lvl9pPr>
+    </p:otherStyle>
+  </p:txStyles>
+</p:sldMaster>
+</file>
+
 <file path=ppt/slides/slide1.xml><?xml version="1.0" encoding="utf-8"?>
 <p:sld xmlns:a="http://schemas.openxmlformats.org/drawingml/2006/main" xmlns:r="http://schemas.openxmlformats.org/officeDocument/2006/relationships" xmlns:p="http://schemas.openxmlformats.org/presentationml/2006/main">
   <p:cSld>
@@ -2996,17 +6219,17 @@
           <a:lstStyle/>
           <a:p>
             <a:r>
-              <a:rPr lang="bg-BG" dirty="0" smtClean="0"/>
+              <a:rPr lang="bg-BG" b="1" dirty="0" smtClean="0"/>
               <a:t>Обработка на изображения с реакционно-дифузен</a:t>
             </a:r>
             <a:br>
-              <a:rPr lang="bg-BG" dirty="0" smtClean="0"/>
+              <a:rPr lang="bg-BG" b="1" dirty="0" smtClean="0"/>
             </a:br>
             <a:r>
-              <a:rPr lang="bg-BG" dirty="0" smtClean="0"/>
+              <a:rPr lang="bg-BG" b="1" dirty="0" smtClean="0"/>
               <a:t>модел</a:t>
             </a:r>
-            <a:endParaRPr lang="bg-BG" dirty="0"/>
+            <a:endParaRPr lang="bg-BG" b="1" dirty="0"/>
           </a:p>
         </p:txBody>
       </p:sp>
@@ -3020,36 +6243,107 @@
             <p:ph type="subTitle" idx="1"/>
           </p:nvPr>
         </p:nvSpPr>
-        <p:spPr/>
+        <p:spPr>
+          <a:xfrm>
+            <a:off x="1430215" y="4953000"/>
+            <a:ext cx="9554307" cy="1219200"/>
+          </a:xfrm>
+        </p:spPr>
         <p:txBody>
           <a:bodyPr>
-            <a:normAutofit lnSpcReduction="10000"/>
+            <a:normAutofit fontScale="92500" lnSpcReduction="10000"/>
           </a:bodyPr>
           <a:lstStyle/>
           <a:p>
             <a:r>
-              <a:rPr lang="ru-RU" dirty="0" smtClean="0"/>
-              <a:t>Екип: Стефан Велинов, Християн Марков,</a:t>
-            </a:r>
-          </a:p>
-          <a:p>
-            <a:r>
-              <a:rPr lang="ru-RU" dirty="0" smtClean="0"/>
-              <a:t>Пламен Никифоров</a:t>
-            </a:r>
-          </a:p>
-          <a:p>
-            <a:r>
-              <a:rPr lang="ru-RU" dirty="0" smtClean="0"/>
+              <a:rPr lang="ru-RU" b="1" dirty="0" smtClean="0">
+                <a:solidFill>
+                  <a:schemeClr val="tx1">
+                    <a:lumMod val="65000"/>
+                    <a:lumOff val="35000"/>
+                  </a:schemeClr>
+                </a:solidFill>
+              </a:rPr>
+              <a:t>Екип: Стефан Велинов, </a:t>
+            </a:r>
+            <a:r>
+              <a:rPr lang="ru-RU" b="1" dirty="0" err="1" smtClean="0">
+                <a:solidFill>
+                  <a:schemeClr val="tx1">
+                    <a:lumMod val="65000"/>
+                    <a:lumOff val="35000"/>
+                  </a:schemeClr>
+                </a:solidFill>
+              </a:rPr>
+              <a:t>Християн</a:t>
+            </a:r>
+            <a:r>
+              <a:rPr lang="ru-RU" b="1" dirty="0" smtClean="0">
+                <a:solidFill>
+                  <a:schemeClr val="tx1">
+                    <a:lumMod val="65000"/>
+                    <a:lumOff val="35000"/>
+                  </a:schemeClr>
+                </a:solidFill>
+              </a:rPr>
+              <a:t> Марков, </a:t>
+            </a:r>
+            <a:r>
+              <a:rPr lang="ru-RU" b="1" dirty="0" err="1" smtClean="0">
+                <a:solidFill>
+                  <a:schemeClr val="tx1">
+                    <a:lumMod val="65000"/>
+                    <a:lumOff val="35000"/>
+                  </a:schemeClr>
+                </a:solidFill>
+              </a:rPr>
+              <a:t>Пламен</a:t>
+            </a:r>
+            <a:r>
+              <a:rPr lang="ru-RU" b="1" dirty="0" smtClean="0">
+                <a:solidFill>
+                  <a:schemeClr val="tx1">
+                    <a:lumMod val="65000"/>
+                    <a:lumOff val="35000"/>
+                  </a:schemeClr>
+                </a:solidFill>
+              </a:rPr>
+              <a:t> Никифоров</a:t>
+            </a:r>
+          </a:p>
+          <a:p>
+            <a:r>
+              <a:rPr lang="ru-RU" b="1" dirty="0" smtClean="0">
+                <a:solidFill>
+                  <a:schemeClr val="tx1">
+                    <a:lumMod val="65000"/>
+                    <a:lumOff val="35000"/>
+                  </a:schemeClr>
+                </a:solidFill>
+              </a:rPr>
               <a:t>ПММРП летен семестър 2017</a:t>
             </a:r>
           </a:p>
           <a:p>
             <a:r>
-              <a:rPr lang="ru-RU" dirty="0" smtClean="0"/>
+              <a:rPr lang="ru-RU" b="1" dirty="0" smtClean="0">
+                <a:solidFill>
+                  <a:schemeClr val="tx1">
+                    <a:lumMod val="65000"/>
+                    <a:lumOff val="35000"/>
+                  </a:schemeClr>
+                </a:solidFill>
+              </a:rPr>
               <a:t>ФМИ-СУ</a:t>
             </a:r>
-            <a:endParaRPr lang="bg-BG" dirty="0"/>
+            <a:endParaRPr lang="bg-BG" b="1" dirty="0">
+              <a:solidFill>
+                <a:schemeClr val="tx1">
+                  <a:lumMod val="65000"/>
+                  <a:lumOff val="35000"/>
+                </a:schemeClr>
+              </a:solidFill>
+            </a:endParaRPr>
           </a:p>
         </p:txBody>
       </p:sp>
@@ -3102,8 +6396,8 @@
         </p:nvSpPr>
         <p:spPr>
           <a:xfrm>
-            <a:off x="838200" y="365125"/>
-            <a:ext cx="2570018" cy="1325563"/>
+            <a:off x="838200" y="365126"/>
+            <a:ext cx="2570019" cy="1325563"/>
           </a:xfrm>
         </p:spPr>
         <p:txBody>
@@ -3111,10 +6405,732 @@
           <a:lstStyle/>
           <a:p>
             <a:r>
+              <a:rPr lang="bg-BG" b="1" dirty="0" smtClean="0"/>
+              <a:t>Резултати</a:t>
+            </a:r>
+            <a:endParaRPr lang="bg-BG" b="1" dirty="0"/>
+          </a:p>
+        </p:txBody>
+      </p:sp>
+      <p:pic>
+        <p:nvPicPr>
+          <p:cNvPr id="4" name="Content Placeholder 3"/>
+          <p:cNvPicPr>
+            <a:picLocks noGrp="1" noChangeAspect="1"/>
+          </p:cNvPicPr>
+          <p:nvPr>
+            <p:ph idx="1"/>
+          </p:nvPr>
+        </p:nvPicPr>
+        <p:blipFill>
+          <a:blip r:embed="rId2">
+            <a:extLst>
+              <a:ext uri="{28A0092B-C50C-407E-A947-70E740481C1C}">
+                <a14:useLocalDpi xmlns:a14="http://schemas.microsoft.com/office/drawing/2010/main" val="0"/>
+              </a:ext>
+            </a:extLst>
+          </a:blip>
+          <a:stretch>
+            <a:fillRect/>
+          </a:stretch>
+        </p:blipFill>
+        <p:spPr>
+          <a:xfrm>
+            <a:off x="4744609" y="191648"/>
+            <a:ext cx="1904763" cy="1904762"/>
+          </a:xfrm>
+        </p:spPr>
+      </p:pic>
+      <p:pic>
+        <p:nvPicPr>
+          <p:cNvPr id="5" name="Picture 4"/>
+          <p:cNvPicPr>
+            <a:picLocks noChangeAspect="1"/>
+          </p:cNvPicPr>
+          <p:nvPr/>
+        </p:nvPicPr>
+        <p:blipFill>
+          <a:blip r:embed="rId3">
+            <a:extLst>
+              <a:ext uri="{28A0092B-C50C-407E-A947-70E740481C1C}">
+                <a14:useLocalDpi xmlns:a14="http://schemas.microsoft.com/office/drawing/2010/main" val="0"/>
+              </a:ext>
+            </a:extLst>
+          </a:blip>
+          <a:stretch>
+            <a:fillRect/>
+          </a:stretch>
+        </p:blipFill>
+        <p:spPr>
+          <a:xfrm>
+            <a:off x="1885029" y="3335828"/>
+            <a:ext cx="1904763" cy="1904762"/>
+          </a:xfrm>
+          <a:prstGeom prst="rect">
+            <a:avLst/>
+          </a:prstGeom>
+        </p:spPr>
+      </p:pic>
+      <p:pic>
+        <p:nvPicPr>
+          <p:cNvPr id="6" name="Picture 5"/>
+          <p:cNvPicPr>
+            <a:picLocks noChangeAspect="1"/>
+          </p:cNvPicPr>
+          <p:nvPr/>
+        </p:nvPicPr>
+        <p:blipFill>
+          <a:blip r:embed="rId4">
+            <a:extLst>
+              <a:ext uri="{28A0092B-C50C-407E-A947-70E740481C1C}">
+                <a14:useLocalDpi xmlns:a14="http://schemas.microsoft.com/office/drawing/2010/main" val="0"/>
+              </a:ext>
+            </a:extLst>
+          </a:blip>
+          <a:stretch>
+            <a:fillRect/>
+          </a:stretch>
+        </p:blipFill>
+        <p:spPr>
+          <a:xfrm>
+            <a:off x="8293569" y="3335828"/>
+            <a:ext cx="1904763" cy="1904762"/>
+          </a:xfrm>
+          <a:prstGeom prst="rect">
+            <a:avLst/>
+          </a:prstGeom>
+        </p:spPr>
+      </p:pic>
+      <p:sp>
+        <p:nvSpPr>
+          <p:cNvPr id="7" name="TextBox 6"/>
+          <p:cNvSpPr txBox="1"/>
+          <p:nvPr/>
+        </p:nvSpPr>
+        <p:spPr>
+          <a:xfrm>
+            <a:off x="4461164" y="2132800"/>
+            <a:ext cx="2503517" cy="369332"/>
+          </a:xfrm>
+          <a:prstGeom prst="rect">
+            <a:avLst/>
+          </a:prstGeom>
+          <a:noFill/>
+        </p:spPr>
+        <p:txBody>
+          <a:bodyPr wrap="square" rtlCol="0">
+            <a:spAutoFit/>
+          </a:bodyPr>
+          <a:lstStyle/>
+          <a:p>
+            <a:pPr algn="ctr"/>
+            <a:r>
               <a:rPr lang="bg-BG" dirty="0" smtClean="0"/>
+              <a:t>База, </a:t>
+            </a:r>
+            <a:r>
+              <a:rPr lang="en-US" dirty="0" smtClean="0"/>
+              <a:t>200x200px, 5.49kB</a:t>
+            </a:r>
+            <a:endParaRPr lang="bg-BG" dirty="0"/>
+          </a:p>
+        </p:txBody>
+      </p:sp>
+      <p:sp>
+        <p:nvSpPr>
+          <p:cNvPr id="8" name="TextBox 7"/>
+          <p:cNvSpPr txBox="1"/>
+          <p:nvPr/>
+        </p:nvSpPr>
+        <p:spPr>
+          <a:xfrm>
+            <a:off x="1213659" y="5336773"/>
+            <a:ext cx="3247505" cy="369332"/>
+          </a:xfrm>
+          <a:prstGeom prst="rect">
+            <a:avLst/>
+          </a:prstGeom>
+          <a:noFill/>
+        </p:spPr>
+        <p:txBody>
+          <a:bodyPr wrap="square" rtlCol="0">
+            <a:spAutoFit/>
+          </a:bodyPr>
+          <a:lstStyle/>
+          <a:p>
+            <a:r>
+              <a:rPr lang="bg-BG" dirty="0" smtClean="0"/>
+              <a:t>Сегментация, </a:t>
+            </a:r>
+            <a:r>
+              <a:rPr lang="en-US" dirty="0" smtClean="0"/>
+              <a:t>200x200px, 976B</a:t>
+            </a:r>
+            <a:endParaRPr lang="bg-BG" dirty="0"/>
+          </a:p>
+        </p:txBody>
+      </p:sp>
+      <p:sp>
+        <p:nvSpPr>
+          <p:cNvPr id="9" name="TextBox 8"/>
+          <p:cNvSpPr txBox="1"/>
+          <p:nvPr/>
+        </p:nvSpPr>
+        <p:spPr>
+          <a:xfrm>
+            <a:off x="7835678" y="5336773"/>
+            <a:ext cx="2936927" cy="369332"/>
+          </a:xfrm>
+          <a:prstGeom prst="rect">
+            <a:avLst/>
+          </a:prstGeom>
+          <a:noFill/>
+        </p:spPr>
+        <p:txBody>
+          <a:bodyPr wrap="square" rtlCol="0">
+            <a:spAutoFit/>
+          </a:bodyPr>
+          <a:lstStyle/>
+          <a:p>
+            <a:r>
+              <a:rPr lang="bg-BG" dirty="0" smtClean="0"/>
+              <a:t>Ръбове, </a:t>
+            </a:r>
+            <a:r>
+              <a:rPr lang="en-US" dirty="0" smtClean="0"/>
+              <a:t>200x200px , 986B</a:t>
+            </a:r>
+            <a:endParaRPr lang="bg-BG" dirty="0"/>
+          </a:p>
+        </p:txBody>
+      </p:sp>
+      <p:cxnSp>
+        <p:nvCxnSpPr>
+          <p:cNvPr id="11" name="Straight Arrow Connector 10"/>
+          <p:cNvCxnSpPr/>
+          <p:nvPr/>
+        </p:nvCxnSpPr>
+        <p:spPr>
+          <a:xfrm flipH="1">
+            <a:off x="2942705" y="2502135"/>
+            <a:ext cx="1737360" cy="698269"/>
+          </a:xfrm>
+          <a:prstGeom prst="straightConnector1">
+            <a:avLst/>
+          </a:prstGeom>
+          <a:ln w="38100">
+            <a:solidFill>
+              <a:schemeClr val="tx1"/>
+            </a:solidFill>
+            <a:tailEnd type="triangle"/>
+          </a:ln>
+        </p:spPr>
+        <p:style>
+          <a:lnRef idx="1">
+            <a:schemeClr val="accent1"/>
+          </a:lnRef>
+          <a:fillRef idx="0">
+            <a:schemeClr val="accent1"/>
+          </a:fillRef>
+          <a:effectRef idx="0">
+            <a:schemeClr val="accent1"/>
+          </a:effectRef>
+          <a:fontRef idx="minor">
+            <a:schemeClr val="tx1"/>
+          </a:fontRef>
+        </p:style>
+      </p:cxnSp>
+      <p:cxnSp>
+        <p:nvCxnSpPr>
+          <p:cNvPr id="12" name="Straight Arrow Connector 11"/>
+          <p:cNvCxnSpPr/>
+          <p:nvPr/>
+        </p:nvCxnSpPr>
+        <p:spPr>
+          <a:xfrm>
+            <a:off x="6649373" y="2502134"/>
+            <a:ext cx="2045743" cy="737517"/>
+          </a:xfrm>
+          <a:prstGeom prst="straightConnector1">
+            <a:avLst/>
+          </a:prstGeom>
+          <a:ln w="38100">
+            <a:solidFill>
+              <a:schemeClr val="tx1"/>
+            </a:solidFill>
+            <a:tailEnd type="triangle"/>
+          </a:ln>
+        </p:spPr>
+        <p:style>
+          <a:lnRef idx="1">
+            <a:schemeClr val="accent1"/>
+          </a:lnRef>
+          <a:fillRef idx="0">
+            <a:schemeClr val="accent1"/>
+          </a:fillRef>
+          <a:effectRef idx="0">
+            <a:schemeClr val="accent1"/>
+          </a:effectRef>
+          <a:fontRef idx="minor">
+            <a:schemeClr val="tx1"/>
+          </a:fontRef>
+        </p:style>
+      </p:cxnSp>
+    </p:spTree>
+    <p:extLst>
+      <p:ext uri="{BB962C8B-B14F-4D97-AF65-F5344CB8AC3E}">
+        <p14:creationId xmlns:p14="http://schemas.microsoft.com/office/powerpoint/2010/main" val="4217752843"/>
+      </p:ext>
+    </p:extLst>
+  </p:cSld>
+  <p:clrMapOvr>
+    <a:masterClrMapping/>
+  </p:clrMapOvr>
+  <p:timing>
+    <p:tnLst>
+      <p:par>
+        <p:cTn id="1" dur="indefinite" restart="never" nodeType="tmRoot"/>
+      </p:par>
+    </p:tnLst>
+  </p:timing>
+</p:sld>
+</file>
+
+<file path=ppt/slides/slide11.xml><?xml version="1.0" encoding="utf-8"?>
+<p:sld xmlns:a="http://schemas.openxmlformats.org/drawingml/2006/main" xmlns:r="http://schemas.openxmlformats.org/officeDocument/2006/relationships" xmlns:p="http://schemas.openxmlformats.org/presentationml/2006/main">
+  <p:cSld>
+    <p:spTree>
+      <p:nvGrpSpPr>
+        <p:cNvPr id="1" name=""/>
+        <p:cNvGrpSpPr/>
+        <p:nvPr/>
+      </p:nvGrpSpPr>
+      <p:grpSpPr>
+        <a:xfrm>
+          <a:off x="0" y="0"/>
+          <a:ext cx="0" cy="0"/>
+          <a:chOff x="0" y="0"/>
+          <a:chExt cx="0" cy="0"/>
+        </a:xfrm>
+      </p:grpSpPr>
+      <p:sp>
+        <p:nvSpPr>
+          <p:cNvPr id="2" name="Title 1"/>
+          <p:cNvSpPr>
+            <a:spLocks noGrp="1"/>
+          </p:cNvSpPr>
+          <p:nvPr>
+            <p:ph type="title"/>
+          </p:nvPr>
+        </p:nvSpPr>
+        <p:spPr>
+          <a:xfrm>
+            <a:off x="838200" y="365126"/>
+            <a:ext cx="2570019" cy="1325563"/>
+          </a:xfrm>
+        </p:spPr>
+        <p:txBody>
+          <a:bodyPr/>
+          <a:lstStyle/>
+          <a:p>
+            <a:r>
+              <a:rPr lang="bg-BG" b="1" dirty="0" smtClean="0"/>
               <a:t>Резултати</a:t>
             </a:r>
+            <a:endParaRPr lang="bg-BG" b="1" dirty="0"/>
+          </a:p>
+        </p:txBody>
+      </p:sp>
+      <p:pic>
+        <p:nvPicPr>
+          <p:cNvPr id="4" name="Content Placeholder 3"/>
+          <p:cNvPicPr>
+            <a:picLocks noGrp="1" noChangeAspect="1"/>
+          </p:cNvPicPr>
+          <p:nvPr>
+            <p:ph idx="1"/>
+          </p:nvPr>
+        </p:nvPicPr>
+        <p:blipFill>
+          <a:blip r:embed="rId2">
+            <a:extLst>
+              <a:ext uri="{28A0092B-C50C-407E-A947-70E740481C1C}">
+                <a14:useLocalDpi xmlns:a14="http://schemas.microsoft.com/office/drawing/2010/main" val="0"/>
+              </a:ext>
+            </a:extLst>
+          </a:blip>
+          <a:stretch>
+            <a:fillRect/>
+          </a:stretch>
+        </p:blipFill>
+        <p:spPr>
+          <a:xfrm>
+            <a:off x="4744609" y="191648"/>
+            <a:ext cx="1904763" cy="1904762"/>
+          </a:xfrm>
+        </p:spPr>
+      </p:pic>
+      <p:pic>
+        <p:nvPicPr>
+          <p:cNvPr id="5" name="Picture 4"/>
+          <p:cNvPicPr>
+            <a:picLocks noChangeAspect="1"/>
+          </p:cNvPicPr>
+          <p:nvPr/>
+        </p:nvPicPr>
+        <p:blipFill>
+          <a:blip r:embed="rId3">
+            <a:extLst>
+              <a:ext uri="{28A0092B-C50C-407E-A947-70E740481C1C}">
+                <a14:useLocalDpi xmlns:a14="http://schemas.microsoft.com/office/drawing/2010/main" val="0"/>
+              </a:ext>
+            </a:extLst>
+          </a:blip>
+          <a:stretch>
+            <a:fillRect/>
+          </a:stretch>
+        </p:blipFill>
+        <p:spPr>
+          <a:xfrm>
+            <a:off x="1885029" y="3335828"/>
+            <a:ext cx="1904763" cy="1904762"/>
+          </a:xfrm>
+          <a:prstGeom prst="rect">
+            <a:avLst/>
+          </a:prstGeom>
+        </p:spPr>
+      </p:pic>
+      <p:pic>
+        <p:nvPicPr>
+          <p:cNvPr id="6" name="Picture 5"/>
+          <p:cNvPicPr>
+            <a:picLocks noChangeAspect="1"/>
+          </p:cNvPicPr>
+          <p:nvPr/>
+        </p:nvPicPr>
+        <p:blipFill>
+          <a:blip r:embed="rId4">
+            <a:extLst>
+              <a:ext uri="{28A0092B-C50C-407E-A947-70E740481C1C}">
+                <a14:useLocalDpi xmlns:a14="http://schemas.microsoft.com/office/drawing/2010/main" val="0"/>
+              </a:ext>
+            </a:extLst>
+          </a:blip>
+          <a:stretch>
+            <a:fillRect/>
+          </a:stretch>
+        </p:blipFill>
+        <p:spPr>
+          <a:xfrm>
+            <a:off x="8293569" y="3335828"/>
+            <a:ext cx="1904763" cy="1904762"/>
+          </a:xfrm>
+          <a:prstGeom prst="rect">
+            <a:avLst/>
+          </a:prstGeom>
+        </p:spPr>
+      </p:pic>
+      <p:sp>
+        <p:nvSpPr>
+          <p:cNvPr id="7" name="TextBox 6"/>
+          <p:cNvSpPr txBox="1"/>
+          <p:nvPr/>
+        </p:nvSpPr>
+        <p:spPr>
+          <a:xfrm>
+            <a:off x="4461164" y="2132800"/>
+            <a:ext cx="2503517" cy="369332"/>
+          </a:xfrm>
+          <a:prstGeom prst="rect">
+            <a:avLst/>
+          </a:prstGeom>
+          <a:noFill/>
+        </p:spPr>
+        <p:txBody>
+          <a:bodyPr wrap="square" rtlCol="0">
+            <a:spAutoFit/>
+          </a:bodyPr>
+          <a:lstStyle/>
+          <a:p>
+            <a:pPr algn="ctr"/>
+            <a:r>
+              <a:rPr lang="bg-BG" dirty="0" smtClean="0"/>
+              <a:t>База, </a:t>
+            </a:r>
+            <a:r>
+              <a:rPr lang="en-US" dirty="0" smtClean="0"/>
+              <a:t>200x200px, 39.5kB</a:t>
+            </a:r>
             <a:endParaRPr lang="bg-BG" dirty="0"/>
+          </a:p>
+        </p:txBody>
+      </p:sp>
+      <p:sp>
+        <p:nvSpPr>
+          <p:cNvPr id="8" name="TextBox 7"/>
+          <p:cNvSpPr txBox="1"/>
+          <p:nvPr/>
+        </p:nvSpPr>
+        <p:spPr>
+          <a:xfrm>
+            <a:off x="1213660" y="5336773"/>
+            <a:ext cx="3325091" cy="369332"/>
+          </a:xfrm>
+          <a:prstGeom prst="rect">
+            <a:avLst/>
+          </a:prstGeom>
+          <a:noFill/>
+        </p:spPr>
+        <p:txBody>
+          <a:bodyPr wrap="square" rtlCol="0">
+            <a:spAutoFit/>
+          </a:bodyPr>
+          <a:lstStyle/>
+          <a:p>
+            <a:r>
+              <a:rPr lang="bg-BG" dirty="0" smtClean="0"/>
+              <a:t>Сегментация, </a:t>
+            </a:r>
+            <a:r>
+              <a:rPr lang="en-US" dirty="0" smtClean="0"/>
+              <a:t>200x200px, 1.73kB</a:t>
+            </a:r>
+            <a:endParaRPr lang="bg-BG" dirty="0"/>
+          </a:p>
+        </p:txBody>
+      </p:sp>
+      <p:sp>
+        <p:nvSpPr>
+          <p:cNvPr id="9" name="TextBox 8"/>
+          <p:cNvSpPr txBox="1"/>
+          <p:nvPr/>
+        </p:nvSpPr>
+        <p:spPr>
+          <a:xfrm>
+            <a:off x="7835678" y="5336773"/>
+            <a:ext cx="2936927" cy="369332"/>
+          </a:xfrm>
+          <a:prstGeom prst="rect">
+            <a:avLst/>
+          </a:prstGeom>
+          <a:noFill/>
+        </p:spPr>
+        <p:txBody>
+          <a:bodyPr wrap="square" rtlCol="0">
+            <a:spAutoFit/>
+          </a:bodyPr>
+          <a:lstStyle/>
+          <a:p>
+            <a:r>
+              <a:rPr lang="bg-BG" dirty="0" smtClean="0"/>
+              <a:t>Ръбове, </a:t>
+            </a:r>
+            <a:r>
+              <a:rPr lang="en-US" dirty="0" smtClean="0"/>
+              <a:t>200x200px , 4.79kB</a:t>
+            </a:r>
+            <a:endParaRPr lang="bg-BG" dirty="0"/>
+          </a:p>
+        </p:txBody>
+      </p:sp>
+      <p:cxnSp>
+        <p:nvCxnSpPr>
+          <p:cNvPr id="11" name="Straight Arrow Connector 10"/>
+          <p:cNvCxnSpPr/>
+          <p:nvPr/>
+        </p:nvCxnSpPr>
+        <p:spPr>
+          <a:xfrm flipH="1">
+            <a:off x="2942705" y="2502135"/>
+            <a:ext cx="1737360" cy="698269"/>
+          </a:xfrm>
+          <a:prstGeom prst="straightConnector1">
+            <a:avLst/>
+          </a:prstGeom>
+          <a:ln w="38100">
+            <a:solidFill>
+              <a:schemeClr val="tx1"/>
+            </a:solidFill>
+            <a:tailEnd type="triangle"/>
+          </a:ln>
+        </p:spPr>
+        <p:style>
+          <a:lnRef idx="1">
+            <a:schemeClr val="accent1"/>
+          </a:lnRef>
+          <a:fillRef idx="0">
+            <a:schemeClr val="accent1"/>
+          </a:fillRef>
+          <a:effectRef idx="0">
+            <a:schemeClr val="accent1"/>
+          </a:effectRef>
+          <a:fontRef idx="minor">
+            <a:schemeClr val="tx1"/>
+          </a:fontRef>
+        </p:style>
+      </p:cxnSp>
+      <p:cxnSp>
+        <p:nvCxnSpPr>
+          <p:cNvPr id="12" name="Straight Arrow Connector 11"/>
+          <p:cNvCxnSpPr/>
+          <p:nvPr/>
+        </p:nvCxnSpPr>
+        <p:spPr>
+          <a:xfrm>
+            <a:off x="6649373" y="2502134"/>
+            <a:ext cx="2045743" cy="737517"/>
+          </a:xfrm>
+          <a:prstGeom prst="straightConnector1">
+            <a:avLst/>
+          </a:prstGeom>
+          <a:ln w="38100">
+            <a:solidFill>
+              <a:schemeClr val="tx1"/>
+            </a:solidFill>
+            <a:tailEnd type="triangle"/>
+          </a:ln>
+        </p:spPr>
+        <p:style>
+          <a:lnRef idx="1">
+            <a:schemeClr val="accent1"/>
+          </a:lnRef>
+          <a:fillRef idx="0">
+            <a:schemeClr val="accent1"/>
+          </a:fillRef>
+          <a:effectRef idx="0">
+            <a:schemeClr val="accent1"/>
+          </a:effectRef>
+          <a:fontRef idx="minor">
+            <a:schemeClr val="tx1"/>
+          </a:fontRef>
+        </p:style>
+      </p:cxnSp>
+      <p:pic>
+        <p:nvPicPr>
+          <p:cNvPr id="3" name="Picture 2"/>
+          <p:cNvPicPr>
+            <a:picLocks noChangeAspect="1"/>
+          </p:cNvPicPr>
+          <p:nvPr/>
+        </p:nvPicPr>
+        <p:blipFill>
+          <a:blip r:embed="rId5">
+            <a:extLst>
+              <a:ext uri="{28A0092B-C50C-407E-A947-70E740481C1C}">
+                <a14:useLocalDpi xmlns:a14="http://schemas.microsoft.com/office/drawing/2010/main" val="0"/>
+              </a:ext>
+            </a:extLst>
+          </a:blip>
+          <a:stretch>
+            <a:fillRect/>
+          </a:stretch>
+        </p:blipFill>
+        <p:spPr>
+          <a:xfrm>
+            <a:off x="5089300" y="3324105"/>
+            <a:ext cx="1904763" cy="1904762"/>
+          </a:xfrm>
+          <a:prstGeom prst="rect">
+            <a:avLst/>
+          </a:prstGeom>
+        </p:spPr>
+      </p:pic>
+      <p:sp>
+        <p:nvSpPr>
+          <p:cNvPr id="13" name="TextBox 12"/>
+          <p:cNvSpPr txBox="1"/>
+          <p:nvPr/>
+        </p:nvSpPr>
+        <p:spPr>
+          <a:xfrm>
+            <a:off x="5016015" y="5336775"/>
+            <a:ext cx="2051335" cy="646331"/>
+          </a:xfrm>
+          <a:prstGeom prst="rect">
+            <a:avLst/>
+          </a:prstGeom>
+          <a:noFill/>
+        </p:spPr>
+        <p:txBody>
+          <a:bodyPr wrap="square" rtlCol="0">
+            <a:spAutoFit/>
+          </a:bodyPr>
+          <a:lstStyle/>
+          <a:p>
+            <a:r>
+              <a:rPr lang="bg-BG" dirty="0" smtClean="0"/>
+              <a:t>Неуспешен тест, </a:t>
+            </a:r>
+            <a:r>
+              <a:rPr lang="en-US" dirty="0" smtClean="0"/>
+              <a:t>200x200px, 7.49kB</a:t>
+            </a:r>
+            <a:endParaRPr lang="bg-BG" dirty="0"/>
+          </a:p>
+        </p:txBody>
+      </p:sp>
+    </p:spTree>
+    <p:extLst>
+      <p:ext uri="{BB962C8B-B14F-4D97-AF65-F5344CB8AC3E}">
+        <p14:creationId xmlns:p14="http://schemas.microsoft.com/office/powerpoint/2010/main" val="3897346375"/>
+      </p:ext>
+    </p:extLst>
+  </p:cSld>
+  <p:clrMapOvr>
+    <a:masterClrMapping/>
+  </p:clrMapOvr>
+  <p:timing>
+    <p:tnLst>
+      <p:par>
+        <p:cTn id="1" dur="indefinite" restart="never" nodeType="tmRoot"/>
+      </p:par>
+    </p:tnLst>
+  </p:timing>
+</p:sld>
+</file>
+
+<file path=ppt/slides/slide12.xml><?xml version="1.0" encoding="utf-8"?>
+<p:sld xmlns:a="http://schemas.openxmlformats.org/drawingml/2006/main" xmlns:r="http://schemas.openxmlformats.org/officeDocument/2006/relationships" xmlns:p="http://schemas.openxmlformats.org/presentationml/2006/main">
+  <p:cSld>
+    <p:spTree>
+      <p:nvGrpSpPr>
+        <p:cNvPr id="1" name=""/>
+        <p:cNvGrpSpPr/>
+        <p:nvPr/>
+      </p:nvGrpSpPr>
+      <p:grpSpPr>
+        <a:xfrm>
+          <a:off x="0" y="0"/>
+          <a:ext cx="0" cy="0"/>
+          <a:chOff x="0" y="0"/>
+          <a:chExt cx="0" cy="0"/>
+        </a:xfrm>
+      </p:grpSpPr>
+      <p:sp>
+        <p:nvSpPr>
+          <p:cNvPr id="2" name="Title 1"/>
+          <p:cNvSpPr>
+            <a:spLocks noGrp="1"/>
+          </p:cNvSpPr>
+          <p:nvPr>
+            <p:ph type="title"/>
+          </p:nvPr>
+        </p:nvSpPr>
+        <p:spPr>
+          <a:xfrm>
+            <a:off x="838200" y="365126"/>
+            <a:ext cx="2570019" cy="1325563"/>
+          </a:xfrm>
+        </p:spPr>
+        <p:txBody>
+          <a:bodyPr/>
+          <a:lstStyle/>
+          <a:p>
+            <a:r>
+              <a:rPr lang="bg-BG" b="1" dirty="0" smtClean="0"/>
+              <a:t>Резултати</a:t>
+            </a:r>
+            <a:endParaRPr lang="bg-BG" b="1" dirty="0"/>
           </a:p>
         </p:txBody>
       </p:sp>
@@ -3169,7 +7185,7 @@
         </p:blipFill>
         <p:spPr>
           <a:xfrm>
-            <a:off x="1213658" y="3335828"/>
+            <a:off x="1213660" y="3335832"/>
             <a:ext cx="3104517" cy="2088379"/>
           </a:xfrm>
           <a:prstGeom prst="rect">
@@ -3199,8 +7215,8 @@
         </p:blipFill>
         <p:spPr>
           <a:xfrm>
-            <a:off x="7894559" y="3335828"/>
-            <a:ext cx="3028366" cy="2033070"/>
+            <a:off x="7894561" y="3335828"/>
+            <a:ext cx="3028367" cy="2033070"/>
           </a:xfrm>
           <a:prstGeom prst="rect">
             <a:avLst/>
@@ -3215,7 +7231,7 @@
         </p:nvSpPr>
         <p:spPr>
           <a:xfrm>
-            <a:off x="4461163" y="2132798"/>
+            <a:off x="4461164" y="2132800"/>
             <a:ext cx="2503517" cy="369332"/>
           </a:xfrm>
           <a:prstGeom prst="rect">
@@ -3236,19 +7252,7 @@
             </a:r>
             <a:r>
               <a:rPr lang="en-US" dirty="0" smtClean="0"/>
-              <a:t>500x333px</a:t>
-            </a:r>
-            <a:r>
-              <a:rPr lang="en-US" dirty="0" smtClean="0"/>
-              <a:t>, </a:t>
-            </a:r>
-            <a:r>
-              <a:rPr lang="en-US" dirty="0" smtClean="0"/>
-              <a:t>44</a:t>
-            </a:r>
-            <a:r>
-              <a:rPr lang="en-US" dirty="0" smtClean="0"/>
-              <a:t>.5kB</a:t>
+              <a:t>500x333px, 44.5kB</a:t>
             </a:r>
             <a:endParaRPr lang="bg-BG" dirty="0"/>
           </a:p>
@@ -3262,7 +7266,7 @@
         </p:nvSpPr>
         <p:spPr>
           <a:xfrm>
-            <a:off x="1089289" y="5520313"/>
+            <a:off x="1089289" y="5520315"/>
             <a:ext cx="3325091" cy="369332"/>
           </a:xfrm>
           <a:prstGeom prst="rect">
@@ -3282,15 +7286,7 @@
             </a:r>
             <a:r>
               <a:rPr lang="en-US" dirty="0" smtClean="0"/>
-              <a:t>500x333px</a:t>
-            </a:r>
-            <a:r>
-              <a:rPr lang="en-US" dirty="0" smtClean="0"/>
-              <a:t>, </a:t>
-            </a:r>
-            <a:r>
-              <a:rPr lang="en-US" dirty="0" smtClean="0"/>
-              <a:t>33.8kB</a:t>
+              <a:t>500x333px, 33.8kB</a:t>
             </a:r>
             <a:endParaRPr lang="bg-BG" dirty="0"/>
           </a:p>
@@ -3304,8 +7300,8 @@
         </p:nvSpPr>
         <p:spPr>
           <a:xfrm>
-            <a:off x="7894559" y="5520313"/>
-            <a:ext cx="2936926" cy="369332"/>
+            <a:off x="7894561" y="5520315"/>
+            <a:ext cx="2936927" cy="369332"/>
           </a:xfrm>
           <a:prstGeom prst="rect">
             <a:avLst/>
@@ -3324,19 +7320,7 @@
             </a:r>
             <a:r>
               <a:rPr lang="en-US" dirty="0" smtClean="0"/>
-              <a:t>500x333px </a:t>
-            </a:r>
-            <a:r>
-              <a:rPr lang="en-US" dirty="0" smtClean="0"/>
-              <a:t>, </a:t>
-            </a:r>
-            <a:r>
-              <a:rPr lang="en-US" dirty="0" smtClean="0"/>
-              <a:t>12.8</a:t>
-            </a:r>
-            <a:r>
-              <a:rPr lang="en-US" dirty="0" smtClean="0"/>
-              <a:t>kB</a:t>
+              <a:t>500x333px , 12.8kB</a:t>
             </a:r>
             <a:endParaRPr lang="bg-BG" dirty="0"/>
           </a:p>
@@ -3350,7 +7334,7 @@
         </p:nvCxnSpPr>
         <p:spPr>
           <a:xfrm flipH="1">
-            <a:off x="2942705" y="2502131"/>
+            <a:off x="2942705" y="2502135"/>
             <a:ext cx="1737360" cy="698269"/>
           </a:xfrm>
           <a:prstGeom prst="straightConnector1">
@@ -3386,7 +7370,7 @@
         </p:nvCxnSpPr>
         <p:spPr>
           <a:xfrm>
-            <a:off x="6649370" y="2502130"/>
+            <a:off x="6649373" y="2502134"/>
             <a:ext cx="2045743" cy="737517"/>
           </a:xfrm>
           <a:prstGeom prst="straightConnector1">
@@ -3424,6 +7408,171 @@
   <p:clrMapOvr>
     <a:masterClrMapping/>
   </p:clrMapOvr>
+  <p:timing>
+    <p:tnLst>
+      <p:par>
+        <p:cTn id="1" dur="indefinite" restart="never" nodeType="tmRoot"/>
+      </p:par>
+    </p:tnLst>
+  </p:timing>
+</p:sld>
+</file>
+
+<file path=ppt/slides/slide13.xml><?xml version="1.0" encoding="utf-8"?>
+<p:sld xmlns:a="http://schemas.openxmlformats.org/drawingml/2006/main" xmlns:r="http://schemas.openxmlformats.org/officeDocument/2006/relationships" xmlns:p="http://schemas.openxmlformats.org/presentationml/2006/main">
+  <p:cSld>
+    <p:spTree>
+      <p:nvGrpSpPr>
+        <p:cNvPr id="1" name=""/>
+        <p:cNvGrpSpPr/>
+        <p:nvPr/>
+      </p:nvGrpSpPr>
+      <p:grpSpPr>
+        <a:xfrm>
+          <a:off x="0" y="0"/>
+          <a:ext cx="0" cy="0"/>
+          <a:chOff x="0" y="0"/>
+          <a:chExt cx="0" cy="0"/>
+        </a:xfrm>
+      </p:grpSpPr>
+      <p:sp>
+        <p:nvSpPr>
+          <p:cNvPr id="2" name="Title 1"/>
+          <p:cNvSpPr>
+            <a:spLocks noGrp="1"/>
+          </p:cNvSpPr>
+          <p:nvPr>
+            <p:ph type="ctrTitle"/>
+          </p:nvPr>
+        </p:nvSpPr>
+        <p:spPr/>
+        <p:txBody>
+          <a:bodyPr/>
+          <a:lstStyle/>
+          <a:p>
+            <a:r>
+              <a:rPr lang="bg-BG" b="1" dirty="0" smtClean="0"/>
+              <a:t>Въпроси?</a:t>
+            </a:r>
+            <a:endParaRPr lang="bg-BG" b="1" dirty="0"/>
+          </a:p>
+        </p:txBody>
+      </p:sp>
+      <p:sp>
+        <p:nvSpPr>
+          <p:cNvPr id="4" name="Subtitle 3"/>
+          <p:cNvSpPr>
+            <a:spLocks noGrp="1"/>
+          </p:cNvSpPr>
+          <p:nvPr>
+            <p:ph type="subTitle" idx="1"/>
+          </p:nvPr>
+        </p:nvSpPr>
+        <p:spPr/>
+        <p:txBody>
+          <a:bodyPr/>
+          <a:lstStyle/>
+          <a:p>
+            <a:endParaRPr lang="bg-BG"/>
+          </a:p>
+        </p:txBody>
+      </p:sp>
+    </p:spTree>
+    <p:extLst>
+      <p:ext uri="{BB962C8B-B14F-4D97-AF65-F5344CB8AC3E}">
+        <p14:creationId xmlns:p14="http://schemas.microsoft.com/office/powerpoint/2010/main" val="3071756260"/>
+      </p:ext>
+    </p:extLst>
+  </p:cSld>
+  <p:clrMapOvr>
+    <a:masterClrMapping/>
+  </p:clrMapOvr>
+  <p:timing>
+    <p:tnLst>
+      <p:par>
+        <p:cTn id="1" dur="indefinite" restart="never" nodeType="tmRoot"/>
+      </p:par>
+    </p:tnLst>
+  </p:timing>
+</p:sld>
+</file>
+
+<file path=ppt/slides/slide14.xml><?xml version="1.0" encoding="utf-8"?>
+<p:sld xmlns:a="http://schemas.openxmlformats.org/drawingml/2006/main" xmlns:r="http://schemas.openxmlformats.org/officeDocument/2006/relationships" xmlns:p="http://schemas.openxmlformats.org/presentationml/2006/main">
+  <p:cSld>
+    <p:spTree>
+      <p:nvGrpSpPr>
+        <p:cNvPr id="1" name=""/>
+        <p:cNvGrpSpPr/>
+        <p:nvPr/>
+      </p:nvGrpSpPr>
+      <p:grpSpPr>
+        <a:xfrm>
+          <a:off x="0" y="0"/>
+          <a:ext cx="0" cy="0"/>
+          <a:chOff x="0" y="0"/>
+          <a:chExt cx="0" cy="0"/>
+        </a:xfrm>
+      </p:grpSpPr>
+      <p:sp>
+        <p:nvSpPr>
+          <p:cNvPr id="4" name="Title 3"/>
+          <p:cNvSpPr>
+            <a:spLocks noGrp="1"/>
+          </p:cNvSpPr>
+          <p:nvPr>
+            <p:ph type="ctrTitle"/>
+          </p:nvPr>
+        </p:nvSpPr>
+        <p:spPr/>
+        <p:txBody>
+          <a:bodyPr/>
+          <a:lstStyle/>
+          <a:p>
+            <a:r>
+              <a:rPr lang="bg-BG" b="1" dirty="0" smtClean="0"/>
+              <a:t>Благодарим за вниманието!</a:t>
+            </a:r>
+            <a:endParaRPr lang="bg-BG" b="1" dirty="0"/>
+          </a:p>
+        </p:txBody>
+      </p:sp>
+      <p:sp>
+        <p:nvSpPr>
+          <p:cNvPr id="5" name="Subtitle 4"/>
+          <p:cNvSpPr>
+            <a:spLocks noGrp="1"/>
+          </p:cNvSpPr>
+          <p:nvPr>
+            <p:ph type="subTitle" idx="1"/>
+          </p:nvPr>
+        </p:nvSpPr>
+        <p:spPr/>
+        <p:txBody>
+          <a:bodyPr/>
+          <a:lstStyle/>
+          <a:p>
+            <a:endParaRPr lang="bg-BG"/>
+          </a:p>
+        </p:txBody>
+      </p:sp>
+    </p:spTree>
+    <p:extLst>
+      <p:ext uri="{BB962C8B-B14F-4D97-AF65-F5344CB8AC3E}">
+        <p14:creationId xmlns:p14="http://schemas.microsoft.com/office/powerpoint/2010/main" val="429376743"/>
+      </p:ext>
+    </p:extLst>
+  </p:cSld>
+  <p:clrMapOvr>
+    <a:masterClrMapping/>
+  </p:clrMapOvr>
+  <p:timing>
+    <p:tnLst>
+      <p:par>
+        <p:cTn id="1" dur="indefinite" restart="never" nodeType="tmRoot"/>
+      </p:par>
+    </p:tnLst>
+  </p:timing>
 </p:sld>
 </file>
 
@@ -3460,10 +7609,10 @@
           <a:lstStyle/>
           <a:p>
             <a:r>
-              <a:rPr lang="bg-BG" dirty="0" smtClean="0"/>
+              <a:rPr lang="bg-BG" b="1" dirty="0" smtClean="0"/>
               <a:t>Основна задача и подход</a:t>
             </a:r>
-            <a:endParaRPr lang="bg-BG" dirty="0"/>
+            <a:endParaRPr lang="bg-BG" b="1" dirty="0"/>
           </a:p>
         </p:txBody>
       </p:sp>
@@ -3625,167 +7774,10 @@
           <a:lstStyle/>
           <a:p>
             <a:r>
-              <a:rPr lang="bg-BG" dirty="0" smtClean="0"/>
-              <a:t>Термини</a:t>
-            </a:r>
-            <a:endParaRPr lang="bg-BG" dirty="0"/>
-          </a:p>
-        </p:txBody>
-      </p:sp>
-      <mc:AlternateContent xmlns:mc="http://schemas.openxmlformats.org/markup-compatibility/2006">
-        <mc:Choice xmlns:a14="http://schemas.microsoft.com/office/drawing/2010/main" Requires="a14">
-          <p:sp>
-            <p:nvSpPr>
-              <p:cNvPr id="3" name="Content Placeholder 2"/>
-              <p:cNvSpPr>
-                <a:spLocks noGrp="1"/>
-              </p:cNvSpPr>
-              <p:nvPr>
-                <p:ph idx="1"/>
-              </p:nvPr>
-            </p:nvSpPr>
-            <p:spPr/>
-            <p:txBody>
-              <a:bodyPr/>
-              <a:lstStyle/>
-              <a:p>
-                <a:r>
-                  <a:rPr lang="bg-BG" dirty="0" err="1" smtClean="0"/>
-                  <a:t>Тюрингова</a:t>
-                </a:r>
-                <a:r>
-                  <a:rPr lang="bg-BG" dirty="0" smtClean="0"/>
-                  <a:t> нестабилност</a:t>
-                </a:r>
-                <a:r>
-                  <a:rPr lang="en-US" dirty="0" smtClean="0"/>
-                  <a:t> – </a:t>
-                </a:r>
-                <a:r>
-                  <a:rPr lang="bg-BG" dirty="0" smtClean="0"/>
-                  <a:t>стабилно състояние + дифузия </a:t>
-                </a:r>
-                <a14:m>
-                  <m:oMath xmlns:m="http://schemas.openxmlformats.org/officeDocument/2006/math">
-                    <m:r>
-                      <a:rPr lang="bg-BG" i="1" smtClean="0">
-                        <a:latin typeface="Cambria Math" panose="02040503050406030204" pitchFamily="18" charset="0"/>
-                        <a:ea typeface="Cambria Math" panose="02040503050406030204" pitchFamily="18" charset="0"/>
-                      </a:rPr>
-                      <m:t>≠</m:t>
-                    </m:r>
-                  </m:oMath>
-                </a14:m>
-                <a:r>
-                  <a:rPr lang="bg-BG" dirty="0" smtClean="0"/>
-                  <a:t> стабилна система</a:t>
-                </a:r>
-                <a:endParaRPr lang="bg-BG" dirty="0"/>
-              </a:p>
-              <a:p>
-                <a:r>
-                  <a:rPr lang="bg-BG" dirty="0" smtClean="0"/>
-                  <a:t>Активатор – компонент, който стимулира възпроизвеждането (на себе си и/или други компоненти в системата)</a:t>
-                </a:r>
-              </a:p>
-              <a:p>
-                <a:r>
-                  <a:rPr lang="bg-BG" dirty="0" err="1" smtClean="0"/>
-                  <a:t>Инхибитор</a:t>
-                </a:r>
-                <a:r>
-                  <a:rPr lang="bg-BG" dirty="0" smtClean="0"/>
-                  <a:t> – компонент, който възпира възпроизвеждането</a:t>
-                </a:r>
-                <a:endParaRPr lang="ru-RU" dirty="0" smtClean="0"/>
-              </a:p>
-            </p:txBody>
-          </p:sp>
-        </mc:Choice>
-        <mc:Fallback>
-          <p:sp>
-            <p:nvSpPr>
-              <p:cNvPr id="3" name="Content Placeholder 2"/>
-              <p:cNvSpPr>
-                <a:spLocks noGrp="1" noRot="1" noChangeAspect="1" noMove="1" noResize="1" noEditPoints="1" noAdjustHandles="1" noChangeArrowheads="1" noChangeShapeType="1" noTextEdit="1"/>
-              </p:cNvSpPr>
-              <p:nvPr>
-                <p:ph idx="1"/>
-              </p:nvPr>
-            </p:nvSpPr>
-            <p:spPr>
-              <a:blipFill>
-                <a:blip r:embed="rId2"/>
-                <a:stretch>
-                  <a:fillRect l="-1043" t="-2241" r="-232"/>
-                </a:stretch>
-              </a:blipFill>
-            </p:spPr>
-            <p:txBody>
-              <a:bodyPr/>
-              <a:lstStyle/>
-              <a:p>
-                <a:r>
-                  <a:rPr lang="bg-BG">
-                    <a:noFill/>
-                  </a:rPr>
-                  <a:t> </a:t>
-                </a:r>
-              </a:p>
-            </p:txBody>
-          </p:sp>
-        </mc:Fallback>
-      </mc:AlternateContent>
-    </p:spTree>
-    <p:extLst>
-      <p:ext uri="{BB962C8B-B14F-4D97-AF65-F5344CB8AC3E}">
-        <p14:creationId xmlns:p14="http://schemas.microsoft.com/office/powerpoint/2010/main" val="55729132"/>
-      </p:ext>
-    </p:extLst>
-  </p:cSld>
-  <p:clrMapOvr>
-    <a:masterClrMapping/>
-  </p:clrMapOvr>
-</p:sld>
-</file>
-
-<file path=ppt/slides/slide4.xml><?xml version="1.0" encoding="utf-8"?>
-<p:sld xmlns:a="http://schemas.openxmlformats.org/drawingml/2006/main" xmlns:r="http://schemas.openxmlformats.org/officeDocument/2006/relationships" xmlns:p="http://schemas.openxmlformats.org/presentationml/2006/main">
-  <p:cSld>
-    <p:spTree>
-      <p:nvGrpSpPr>
-        <p:cNvPr id="1" name=""/>
-        <p:cNvGrpSpPr/>
-        <p:nvPr/>
-      </p:nvGrpSpPr>
-      <p:grpSpPr>
-        <a:xfrm>
-          <a:off x="0" y="0"/>
-          <a:ext cx="0" cy="0"/>
-          <a:chOff x="0" y="0"/>
-          <a:chExt cx="0" cy="0"/>
-        </a:xfrm>
-      </p:grpSpPr>
-      <p:sp>
-        <p:nvSpPr>
-          <p:cNvPr id="2" name="Title 1"/>
-          <p:cNvSpPr>
-            <a:spLocks noGrp="1"/>
-          </p:cNvSpPr>
-          <p:nvPr>
-            <p:ph type="title"/>
-          </p:nvPr>
-        </p:nvSpPr>
-        <p:spPr/>
-        <p:txBody>
-          <a:bodyPr/>
-          <a:lstStyle/>
-          <a:p>
-            <a:r>
-              <a:rPr lang="bg-BG" dirty="0" smtClean="0"/>
+              <a:rPr lang="bg-BG" b="1" dirty="0" smtClean="0"/>
               <a:t>Дифузия</a:t>
             </a:r>
-            <a:endParaRPr lang="bg-BG" dirty="0"/>
+            <a:endParaRPr lang="bg-BG" b="1" dirty="0"/>
           </a:p>
         </p:txBody>
       </p:sp>
@@ -3830,7 +7822,7 @@
                       <m:fPr>
                         <m:ctrlPr>
                           <a:rPr lang="bg-BG" sz="4000" i="1">
-                            <a:latin typeface="Cambria Math" panose="02040503050406030204" pitchFamily="18" charset="0"/>
+                            <a:latin typeface="Cambria Math"/>
                             <a:ea typeface="Cambria Math" panose="02040503050406030204" pitchFamily="18" charset="0"/>
                           </a:rPr>
                         </m:ctrlPr>
@@ -3893,7 +7885,7 @@
                       <m:fPr>
                         <m:ctrlPr>
                           <a:rPr lang="en-US" sz="4000" i="1" dirty="0">
-                            <a:latin typeface="Cambria Math" panose="02040503050406030204" pitchFamily="18" charset="0"/>
+                            <a:latin typeface="Cambria Math"/>
                             <a:ea typeface="Cambria Math" panose="02040503050406030204" pitchFamily="18" charset="0"/>
                           </a:rPr>
                         </m:ctrlPr>
@@ -3903,7 +7895,7 @@
                           <m:sSupPr>
                             <m:ctrlPr>
                               <a:rPr lang="en-US" sz="4000" i="1" dirty="0">
-                                <a:latin typeface="Cambria Math" panose="02040503050406030204" pitchFamily="18" charset="0"/>
+                                <a:latin typeface="Cambria Math"/>
                                 <a:ea typeface="Cambria Math"/>
                               </a:rPr>
                             </m:ctrlPr>
@@ -3947,7 +7939,7 @@
                           <m:sSupPr>
                             <m:ctrlPr>
                               <a:rPr lang="en-US" sz="4000" i="1" dirty="0">
-                                <a:latin typeface="Cambria Math" panose="02040503050406030204" pitchFamily="18" charset="0"/>
+                                <a:latin typeface="Cambria Math"/>
                                 <a:ea typeface="Cambria Math"/>
                               </a:rPr>
                             </m:ctrlPr>
@@ -3984,7 +7976,7 @@
                       <m:fPr>
                         <m:ctrlPr>
                           <a:rPr lang="en-US" sz="4000" i="1" dirty="0">
-                            <a:latin typeface="Cambria Math" panose="02040503050406030204" pitchFamily="18" charset="0"/>
+                            <a:latin typeface="Cambria Math"/>
                             <a:ea typeface="Cambria Math" panose="02040503050406030204" pitchFamily="18" charset="0"/>
                           </a:rPr>
                         </m:ctrlPr>
@@ -3994,7 +7986,7 @@
                           <m:sSupPr>
                             <m:ctrlPr>
                               <a:rPr lang="en-US" sz="4000" i="1" dirty="0">
-                                <a:latin typeface="Cambria Math" panose="02040503050406030204" pitchFamily="18" charset="0"/>
+                                <a:latin typeface="Cambria Math"/>
                                 <a:ea typeface="Cambria Math"/>
                               </a:rPr>
                             </m:ctrlPr>
@@ -4038,7 +8030,7 @@
                           <m:sSupPr>
                             <m:ctrlPr>
                               <a:rPr lang="en-US" sz="4000" i="1" dirty="0">
-                                <a:latin typeface="Cambria Math" panose="02040503050406030204" pitchFamily="18" charset="0"/>
+                                <a:latin typeface="Cambria Math"/>
                                 <a:ea typeface="Cambria Math"/>
                               </a:rPr>
                             </m:ctrlPr>
@@ -4127,7 +8119,7 @@
         </p:nvCxnSpPr>
         <p:spPr>
           <a:xfrm>
-            <a:off x="5428211" y="4522124"/>
+            <a:off x="5428214" y="4522128"/>
             <a:ext cx="8313" cy="631767"/>
           </a:xfrm>
           <a:prstGeom prst="straightConnector1">
@@ -4163,8 +8155,8 @@
         </p:nvSpPr>
         <p:spPr>
           <a:xfrm>
-            <a:off x="4646815" y="5153891"/>
-            <a:ext cx="1579418" cy="646331"/>
+            <a:off x="4646816" y="5153893"/>
+            <a:ext cx="1579419" cy="646331"/>
           </a:xfrm>
           <a:prstGeom prst="rect">
             <a:avLst/>
@@ -4194,7 +8186,7 @@
         </p:nvCxnSpPr>
         <p:spPr>
           <a:xfrm>
-            <a:off x="6284422" y="4763193"/>
+            <a:off x="6284425" y="4763193"/>
             <a:ext cx="906087" cy="532014"/>
           </a:xfrm>
           <a:prstGeom prst="straightConnector1">
@@ -4230,8 +8222,8 @@
         </p:nvCxnSpPr>
         <p:spPr>
           <a:xfrm>
-            <a:off x="7373389" y="4763193"/>
-            <a:ext cx="249382" cy="532014"/>
+            <a:off x="7373391" y="4763193"/>
+            <a:ext cx="249383" cy="532014"/>
           </a:xfrm>
           <a:prstGeom prst="straightConnector1">
             <a:avLst/>
@@ -4266,8 +8258,8 @@
         </p:nvSpPr>
         <p:spPr>
           <a:xfrm>
-            <a:off x="6737465" y="5295207"/>
-            <a:ext cx="1571106" cy="646331"/>
+            <a:off x="6737464" y="5295209"/>
+            <a:ext cx="1571107" cy="646331"/>
           </a:xfrm>
           <a:prstGeom prst="rect">
             <a:avLst/>
@@ -4357,7 +8349,7 @@
         </p:nvSpPr>
         <p:spPr>
           <a:xfrm>
-            <a:off x="1762298" y="4838007"/>
+            <a:off x="1762301" y="4838011"/>
             <a:ext cx="2360815" cy="646331"/>
           </a:xfrm>
           <a:prstGeom prst="rect">
@@ -4403,7 +8395,7 @@
 </p:sld>
 </file>
 
-<file path=ppt/slides/slide5.xml><?xml version="1.0" encoding="utf-8"?>
+<file path=ppt/slides/slide4.xml><?xml version="1.0" encoding="utf-8"?>
 <p:sld xmlns:a="http://schemas.openxmlformats.org/drawingml/2006/main" xmlns:r="http://schemas.openxmlformats.org/officeDocument/2006/relationships" xmlns:p="http://schemas.openxmlformats.org/presentationml/2006/main">
   <p:cSld>
     <p:spTree>
@@ -4436,10 +8428,10 @@
           <a:lstStyle/>
           <a:p>
             <a:r>
-              <a:rPr lang="bg-BG" dirty="0" smtClean="0"/>
+              <a:rPr lang="bg-BG" b="1" dirty="0" smtClean="0"/>
               <a:t>Дифузия – числено решаване</a:t>
             </a:r>
-            <a:endParaRPr lang="bg-BG" dirty="0"/>
+            <a:endParaRPr lang="bg-BG" b="1" dirty="0"/>
           </a:p>
         </p:txBody>
       </p:sp>
@@ -4453,7 +8445,7 @@
             </p:nvSpPr>
             <p:spPr>
               <a:xfrm>
-                <a:off x="5875867" y="1690688"/>
+                <a:off x="5875869" y="1690688"/>
                 <a:ext cx="5952067" cy="1445780"/>
               </a:xfrm>
               <a:prstGeom prst="rect">
@@ -4478,7 +8470,7 @@
                         <m:sSubSupPr>
                           <m:ctrlPr>
                             <a:rPr lang="en-US" sz="2800" b="0" i="1" smtClean="0">
-                              <a:latin typeface="Cambria Math" panose="02040503050406030204" pitchFamily="18" charset="0"/>
+                              <a:latin typeface="Cambria Math"/>
                             </a:rPr>
                           </m:ctrlPr>
                         </m:sSubSupPr>
@@ -4535,7 +8527,7 @@
                         <m:fPr>
                           <m:ctrlPr>
                             <a:rPr lang="en-US" sz="2800" b="0" i="1" smtClean="0">
-                              <a:latin typeface="Cambria Math" panose="02040503050406030204" pitchFamily="18" charset="0"/>
+                              <a:latin typeface="Cambria Math"/>
                             </a:rPr>
                           </m:ctrlPr>
                         </m:fPr>
@@ -4544,7 +8536,7 @@
                             <m:sSubSupPr>
                               <m:ctrlPr>
                                 <a:rPr lang="en-US" sz="2800" b="0" i="1" smtClean="0">
-                                  <a:latin typeface="Cambria Math" panose="02040503050406030204" pitchFamily="18" charset="0"/>
+                                  <a:latin typeface="Cambria Math"/>
                                 </a:rPr>
                               </m:ctrlPr>
                             </m:sSubSupPr>
@@ -4595,7 +8587,7 @@
                             <m:sSubSupPr>
                               <m:ctrlPr>
                                 <a:rPr lang="en-US" sz="2800" b="0" i="1" smtClean="0">
-                                  <a:latin typeface="Cambria Math" panose="02040503050406030204" pitchFamily="18" charset="0"/>
+                                  <a:latin typeface="Cambria Math"/>
                                 </a:rPr>
                               </m:ctrlPr>
                             </m:sSubSupPr>
@@ -4652,7 +8644,7 @@
                             <m:sSubSupPr>
                               <m:ctrlPr>
                                 <a:rPr lang="en-US" sz="2800" b="0" i="1" smtClean="0">
-                                  <a:latin typeface="Cambria Math" panose="02040503050406030204" pitchFamily="18" charset="0"/>
+                                  <a:latin typeface="Cambria Math"/>
                                 </a:rPr>
                               </m:ctrlPr>
                             </m:sSubSupPr>
@@ -4703,7 +8695,7 @@
                             <m:sSubSupPr>
                               <m:ctrlPr>
                                 <a:rPr lang="en-US" sz="2800" b="0" i="1" smtClean="0">
-                                  <a:latin typeface="Cambria Math" panose="02040503050406030204" pitchFamily="18" charset="0"/>
+                                  <a:latin typeface="Cambria Math"/>
                                 </a:rPr>
                               </m:ctrlPr>
                             </m:sSubSupPr>
@@ -4760,7 +8752,7 @@
                             <m:sSubSupPr>
                               <m:ctrlPr>
                                 <a:rPr lang="en-US" sz="2800" b="0" i="1" smtClean="0">
-                                  <a:latin typeface="Cambria Math" panose="02040503050406030204" pitchFamily="18" charset="0"/>
+                                  <a:latin typeface="Cambria Math"/>
                                 </a:rPr>
                               </m:ctrlPr>
                             </m:sSubSupPr>
@@ -4807,7 +8799,7 @@
                             <m:sSupPr>
                               <m:ctrlPr>
                                 <a:rPr lang="en-US" sz="2800" b="0" i="1" smtClean="0">
-                                  <a:latin typeface="Cambria Math" panose="02040503050406030204" pitchFamily="18" charset="0"/>
+                                  <a:latin typeface="Cambria Math"/>
                                 </a:rPr>
                               </m:ctrlPr>
                             </m:sSupPr>
@@ -4899,8 +8891,8 @@
         </p:blipFill>
         <p:spPr>
           <a:xfrm>
-            <a:off x="76665" y="1435408"/>
-            <a:ext cx="5584302" cy="5360523"/>
+            <a:off x="76667" y="1435412"/>
+            <a:ext cx="5584303" cy="5360523"/>
           </a:xfrm>
           <a:prstGeom prst="rect">
             <a:avLst/>
@@ -4911,6 +8903,419 @@
     <p:extLst>
       <p:ext uri="{BB962C8B-B14F-4D97-AF65-F5344CB8AC3E}">
         <p14:creationId xmlns:p14="http://schemas.microsoft.com/office/powerpoint/2010/main" val="2254036348"/>
+      </p:ext>
+    </p:extLst>
+  </p:cSld>
+  <p:clrMapOvr>
+    <a:masterClrMapping/>
+  </p:clrMapOvr>
+  <p:timing>
+    <p:tnLst>
+      <p:par>
+        <p:cTn id="1" dur="indefinite" restart="never" nodeType="tmRoot"/>
+      </p:par>
+    </p:tnLst>
+  </p:timing>
+</p:sld>
+</file>
+
+<file path=ppt/slides/slide5.xml><?xml version="1.0" encoding="utf-8"?>
+<p:sld xmlns:a="http://schemas.openxmlformats.org/drawingml/2006/main" xmlns:r="http://schemas.openxmlformats.org/officeDocument/2006/relationships" xmlns:p="http://schemas.openxmlformats.org/presentationml/2006/main">
+  <p:cSld>
+    <p:spTree>
+      <p:nvGrpSpPr>
+        <p:cNvPr id="1" name=""/>
+        <p:cNvGrpSpPr/>
+        <p:nvPr/>
+      </p:nvGrpSpPr>
+      <p:grpSpPr>
+        <a:xfrm>
+          <a:off x="0" y="0"/>
+          <a:ext cx="0" cy="0"/>
+          <a:chOff x="0" y="0"/>
+          <a:chExt cx="0" cy="0"/>
+        </a:xfrm>
+      </p:grpSpPr>
+      <p:pic>
+        <p:nvPicPr>
+          <p:cNvPr id="4" name="Content Placeholder 3"/>
+          <p:cNvPicPr>
+            <a:picLocks noGrp="1" noChangeAspect="1"/>
+          </p:cNvPicPr>
+          <p:nvPr>
+            <p:ph idx="1"/>
+          </p:nvPr>
+        </p:nvPicPr>
+        <p:blipFill>
+          <a:blip r:embed="rId2">
+            <a:extLst>
+              <a:ext uri="{28A0092B-C50C-407E-A947-70E740481C1C}">
+                <a14:useLocalDpi xmlns:a14="http://schemas.microsoft.com/office/drawing/2010/main" val="0"/>
+              </a:ext>
+            </a:extLst>
+          </a:blip>
+          <a:stretch>
+            <a:fillRect/>
+          </a:stretch>
+        </p:blipFill>
+        <p:spPr>
+          <a:xfrm>
+            <a:off x="2" y="1670314"/>
+            <a:ext cx="1971503" cy="2632535"/>
+          </a:xfrm>
+        </p:spPr>
+      </p:pic>
+      <p:sp>
+        <p:nvSpPr>
+          <p:cNvPr id="2" name="Title 1"/>
+          <p:cNvSpPr>
+            <a:spLocks noGrp="1"/>
+          </p:cNvSpPr>
+          <p:nvPr>
+            <p:ph type="title"/>
+          </p:nvPr>
+        </p:nvSpPr>
+        <p:spPr>
+          <a:xfrm>
+            <a:off x="838202" y="365125"/>
+            <a:ext cx="12803167" cy="1488542"/>
+          </a:xfrm>
+        </p:spPr>
+        <p:txBody>
+          <a:bodyPr/>
+          <a:lstStyle/>
+          <a:p>
+            <a:r>
+              <a:rPr lang="bg-BG" b="1" dirty="0" smtClean="0"/>
+              <a:t>Дифузия - пример</a:t>
+            </a:r>
+            <a:endParaRPr lang="bg-BG" b="1" dirty="0"/>
+          </a:p>
+        </p:txBody>
+      </p:sp>
+      <p:pic>
+        <p:nvPicPr>
+          <p:cNvPr id="5" name="Picture 4"/>
+          <p:cNvPicPr>
+            <a:picLocks noChangeAspect="1"/>
+          </p:cNvPicPr>
+          <p:nvPr/>
+        </p:nvPicPr>
+        <p:blipFill>
+          <a:blip r:embed="rId3">
+            <a:extLst>
+              <a:ext uri="{28A0092B-C50C-407E-A947-70E740481C1C}">
+                <a14:useLocalDpi xmlns:a14="http://schemas.microsoft.com/office/drawing/2010/main" val="0"/>
+              </a:ext>
+            </a:extLst>
+          </a:blip>
+          <a:stretch>
+            <a:fillRect/>
+          </a:stretch>
+        </p:blipFill>
+        <p:spPr>
+          <a:xfrm>
+            <a:off x="2072507" y="1670313"/>
+            <a:ext cx="1959660" cy="2620610"/>
+          </a:xfrm>
+          <a:prstGeom prst="rect">
+            <a:avLst/>
+          </a:prstGeom>
+        </p:spPr>
+      </p:pic>
+      <p:pic>
+        <p:nvPicPr>
+          <p:cNvPr id="6" name="Picture 5"/>
+          <p:cNvPicPr>
+            <a:picLocks noChangeAspect="1"/>
+          </p:cNvPicPr>
+          <p:nvPr/>
+        </p:nvPicPr>
+        <p:blipFill>
+          <a:blip r:embed="rId4">
+            <a:extLst>
+              <a:ext uri="{28A0092B-C50C-407E-A947-70E740481C1C}">
+                <a14:useLocalDpi xmlns:a14="http://schemas.microsoft.com/office/drawing/2010/main" val="0"/>
+              </a:ext>
+            </a:extLst>
+          </a:blip>
+          <a:stretch>
+            <a:fillRect/>
+          </a:stretch>
+        </p:blipFill>
+        <p:spPr>
+          <a:xfrm>
+            <a:off x="4100636" y="1670313"/>
+            <a:ext cx="1971256" cy="2620610"/>
+          </a:xfrm>
+          <a:prstGeom prst="rect">
+            <a:avLst/>
+          </a:prstGeom>
+        </p:spPr>
+      </p:pic>
+      <p:pic>
+        <p:nvPicPr>
+          <p:cNvPr id="7" name="Picture 6"/>
+          <p:cNvPicPr>
+            <a:picLocks noChangeAspect="1"/>
+          </p:cNvPicPr>
+          <p:nvPr/>
+        </p:nvPicPr>
+        <p:blipFill>
+          <a:blip r:embed="rId5">
+            <a:extLst>
+              <a:ext uri="{28A0092B-C50C-407E-A947-70E740481C1C}">
+                <a14:useLocalDpi xmlns:a14="http://schemas.microsoft.com/office/drawing/2010/main" val="0"/>
+              </a:ext>
+            </a:extLst>
+          </a:blip>
+          <a:stretch>
+            <a:fillRect/>
+          </a:stretch>
+        </p:blipFill>
+        <p:spPr>
+          <a:xfrm>
+            <a:off x="6163915" y="1664516"/>
+            <a:ext cx="1971256" cy="2609015"/>
+          </a:xfrm>
+          <a:prstGeom prst="rect">
+            <a:avLst/>
+          </a:prstGeom>
+        </p:spPr>
+      </p:pic>
+      <p:pic>
+        <p:nvPicPr>
+          <p:cNvPr id="8" name="Picture 7"/>
+          <p:cNvPicPr>
+            <a:picLocks noChangeAspect="1"/>
+          </p:cNvPicPr>
+          <p:nvPr/>
+        </p:nvPicPr>
+        <p:blipFill>
+          <a:blip r:embed="rId6">
+            <a:extLst>
+              <a:ext uri="{28A0092B-C50C-407E-A947-70E740481C1C}">
+                <a14:useLocalDpi xmlns:a14="http://schemas.microsoft.com/office/drawing/2010/main" val="0"/>
+              </a:ext>
+            </a:extLst>
+          </a:blip>
+          <a:stretch>
+            <a:fillRect/>
+          </a:stretch>
+        </p:blipFill>
+        <p:spPr>
+          <a:xfrm>
+            <a:off x="8215416" y="1658718"/>
+            <a:ext cx="1971256" cy="2614812"/>
+          </a:xfrm>
+          <a:prstGeom prst="rect">
+            <a:avLst/>
+          </a:prstGeom>
+        </p:spPr>
+      </p:pic>
+      <p:pic>
+        <p:nvPicPr>
+          <p:cNvPr id="9" name="Picture 8"/>
+          <p:cNvPicPr>
+            <a:picLocks noChangeAspect="1"/>
+          </p:cNvPicPr>
+          <p:nvPr/>
+        </p:nvPicPr>
+        <p:blipFill>
+          <a:blip r:embed="rId7">
+            <a:extLst>
+              <a:ext uri="{28A0092B-C50C-407E-A947-70E740481C1C}">
+                <a14:useLocalDpi xmlns:a14="http://schemas.microsoft.com/office/drawing/2010/main" val="0"/>
+              </a:ext>
+            </a:extLst>
+          </a:blip>
+          <a:stretch>
+            <a:fillRect/>
+          </a:stretch>
+        </p:blipFill>
+        <p:spPr>
+          <a:xfrm>
+            <a:off x="10255143" y="1652922"/>
+            <a:ext cx="1971256" cy="2620611"/>
+          </a:xfrm>
+          <a:prstGeom prst="rect">
+            <a:avLst/>
+          </a:prstGeom>
+        </p:spPr>
+      </p:pic>
+      <p:graphicFrame>
+        <p:nvGraphicFramePr>
+          <p:cNvPr id="10" name="Table 9"/>
+          <p:cNvGraphicFramePr>
+            <a:graphicFrameLocks noGrp="1"/>
+          </p:cNvGraphicFramePr>
+          <p:nvPr>
+            <p:extLst>
+              <p:ext uri="{D42A27DB-BD31-4B8C-83A1-F6EECF244321}">
+                <p14:modId xmlns:p14="http://schemas.microsoft.com/office/powerpoint/2010/main" val="278061486"/>
+              </p:ext>
+            </p:extLst>
+          </p:nvPr>
+        </p:nvGraphicFramePr>
+        <p:xfrm>
+          <a:off x="55301" y="4910666"/>
+          <a:ext cx="12066360" cy="370840"/>
+        </p:xfrm>
+        <a:graphic>
+          <a:graphicData uri="http://schemas.openxmlformats.org/drawingml/2006/table">
+            <a:tbl>
+              <a:tblPr firstRow="1" bandRow="1">
+                <a:tableStyleId>{5C22544A-7EE6-4342-B048-85BDC9FD1C3A}</a:tableStyleId>
+              </a:tblPr>
+              <a:tblGrid>
+                <a:gridCol w="2011060">
+                  <a:extLst>
+                    <a:ext uri="{9D8B030D-6E8A-4147-A177-3AD203B41FA5}">
+                      <a16:colId xmlns:a16="http://schemas.microsoft.com/office/drawing/2014/main" xmlns="" val="568224980"/>
+                    </a:ext>
+                  </a:extLst>
+                </a:gridCol>
+                <a:gridCol w="2011060">
+                  <a:extLst>
+                    <a:ext uri="{9D8B030D-6E8A-4147-A177-3AD203B41FA5}">
+                      <a16:colId xmlns:a16="http://schemas.microsoft.com/office/drawing/2014/main" xmlns="" val="90305690"/>
+                    </a:ext>
+                  </a:extLst>
+                </a:gridCol>
+                <a:gridCol w="2011060">
+                  <a:extLst>
+                    <a:ext uri="{9D8B030D-6E8A-4147-A177-3AD203B41FA5}">
+                      <a16:colId xmlns:a16="http://schemas.microsoft.com/office/drawing/2014/main" xmlns="" val="704196599"/>
+                    </a:ext>
+                  </a:extLst>
+                </a:gridCol>
+                <a:gridCol w="2011060">
+                  <a:extLst>
+                    <a:ext uri="{9D8B030D-6E8A-4147-A177-3AD203B41FA5}">
+                      <a16:colId xmlns:a16="http://schemas.microsoft.com/office/drawing/2014/main" xmlns="" val="1875421808"/>
+                    </a:ext>
+                  </a:extLst>
+                </a:gridCol>
+                <a:gridCol w="2011060">
+                  <a:extLst>
+                    <a:ext uri="{9D8B030D-6E8A-4147-A177-3AD203B41FA5}">
+                      <a16:colId xmlns:a16="http://schemas.microsoft.com/office/drawing/2014/main" xmlns="" val="3655019218"/>
+                    </a:ext>
+                  </a:extLst>
+                </a:gridCol>
+                <a:gridCol w="2011060">
+                  <a:extLst>
+                    <a:ext uri="{9D8B030D-6E8A-4147-A177-3AD203B41FA5}">
+                      <a16:colId xmlns:a16="http://schemas.microsoft.com/office/drawing/2014/main" xmlns="" val="131479342"/>
+                    </a:ext>
+                  </a:extLst>
+                </a:gridCol>
+              </a:tblGrid>
+              <a:tr h="370840">
+                <a:tc>
+                  <a:txBody>
+                    <a:bodyPr/>
+                    <a:lstStyle/>
+                    <a:p>
+                      <a:pPr algn="ctr"/>
+                      <a:r>
+                        <a:rPr lang="bg-BG" dirty="0" smtClean="0"/>
+                        <a:t>база</a:t>
+                      </a:r>
+                      <a:endParaRPr lang="bg-BG" dirty="0"/>
+                    </a:p>
+                  </a:txBody>
+                  <a:tcPr/>
+                </a:tc>
+                <a:tc>
+                  <a:txBody>
+                    <a:bodyPr/>
+                    <a:lstStyle/>
+                    <a:p>
+                      <a:pPr algn="ctr"/>
+                      <a:r>
+                        <a:rPr lang="bg-BG" dirty="0" smtClean="0"/>
+                        <a:t>5 итерации</a:t>
+                      </a:r>
+                      <a:endParaRPr lang="bg-BG" dirty="0"/>
+                    </a:p>
+                  </a:txBody>
+                  <a:tcPr/>
+                </a:tc>
+                <a:tc>
+                  <a:txBody>
+                    <a:bodyPr/>
+                    <a:lstStyle/>
+                    <a:p>
+                      <a:pPr algn="ctr"/>
+                      <a:r>
+                        <a:rPr lang="bg-BG" dirty="0" smtClean="0"/>
+                        <a:t>10 итерации</a:t>
+                      </a:r>
+                      <a:endParaRPr lang="bg-BG" dirty="0"/>
+                    </a:p>
+                  </a:txBody>
+                  <a:tcPr/>
+                </a:tc>
+                <a:tc>
+                  <a:txBody>
+                    <a:bodyPr/>
+                    <a:lstStyle/>
+                    <a:p>
+                      <a:pPr algn="ctr"/>
+                      <a:r>
+                        <a:rPr lang="bg-BG" dirty="0" smtClean="0"/>
+                        <a:t>50 итерации</a:t>
+                      </a:r>
+                      <a:endParaRPr lang="bg-BG" dirty="0"/>
+                    </a:p>
+                  </a:txBody>
+                  <a:tcPr/>
+                </a:tc>
+                <a:tc>
+                  <a:txBody>
+                    <a:bodyPr/>
+                    <a:lstStyle/>
+                    <a:p>
+                      <a:pPr algn="ctr"/>
+                      <a:r>
+                        <a:rPr lang="bg-BG" dirty="0" smtClean="0"/>
+                        <a:t>100 итерации</a:t>
+                      </a:r>
+                      <a:endParaRPr lang="bg-BG" dirty="0"/>
+                    </a:p>
+                  </a:txBody>
+                  <a:tcPr/>
+                </a:tc>
+                <a:tc>
+                  <a:txBody>
+                    <a:bodyPr/>
+                    <a:lstStyle/>
+                    <a:p>
+                      <a:pPr algn="ctr"/>
+                      <a:r>
+                        <a:rPr lang="bg-BG" dirty="0" smtClean="0"/>
+                        <a:t>1000 итерации</a:t>
+                      </a:r>
+                      <a:endParaRPr lang="bg-BG" dirty="0"/>
+                    </a:p>
+                  </a:txBody>
+                  <a:tcPr/>
+                </a:tc>
+                <a:extLst>
+                  <a:ext uri="{0D108BD9-81ED-4DB2-BD59-A6C34878D82A}">
+                    <a16:rowId xmlns:a16="http://schemas.microsoft.com/office/drawing/2014/main" xmlns="" val="1534587662"/>
+                  </a:ext>
+                </a:extLst>
+              </a:tr>
+            </a:tbl>
+          </a:graphicData>
+        </a:graphic>
+      </p:graphicFrame>
+    </p:spTree>
+    <p:extLst>
+      <p:ext uri="{BB962C8B-B14F-4D97-AF65-F5344CB8AC3E}">
+        <p14:creationId xmlns:p14="http://schemas.microsoft.com/office/powerpoint/2010/main" val="3278596238"/>
       </p:ext>
     </p:extLst>
   </p:cSld>
@@ -4960,10 +9365,105 @@
           <a:lstStyle/>
           <a:p>
             <a:r>
+              <a:rPr lang="bg-BG" b="1" dirty="0" smtClean="0"/>
+              <a:t>Термини</a:t>
+            </a:r>
+            <a:endParaRPr lang="bg-BG" b="1" dirty="0"/>
+          </a:p>
+        </p:txBody>
+      </p:sp>
+      <p:sp>
+        <p:nvSpPr>
+          <p:cNvPr id="3" name="Content Placeholder 2"/>
+          <p:cNvSpPr>
+            <a:spLocks noGrp="1"/>
+          </p:cNvSpPr>
+          <p:nvPr>
+            <p:ph idx="1"/>
+          </p:nvPr>
+        </p:nvSpPr>
+        <p:spPr/>
+        <p:txBody>
+          <a:bodyPr/>
+          <a:lstStyle/>
+          <a:p>
+            <a:r>
               <a:rPr lang="bg-BG" dirty="0" smtClean="0"/>
+              <a:t>Активатор – компонент, който стимулира възпроизвеждането (на себе си и/или други компоненти в системата)</a:t>
+            </a:r>
+          </a:p>
+          <a:p>
+            <a:r>
+              <a:rPr lang="bg-BG" dirty="0" err="1" smtClean="0"/>
+              <a:t>Инхибитор</a:t>
+            </a:r>
+            <a:r>
+              <a:rPr lang="bg-BG" dirty="0" smtClean="0"/>
+              <a:t> – компонент, който възпира възпроизвеждането</a:t>
+            </a:r>
+          </a:p>
+          <a:p>
+            <a:endParaRPr lang="ru-RU" dirty="0" smtClean="0"/>
+          </a:p>
+        </p:txBody>
+      </p:sp>
+    </p:spTree>
+    <p:extLst>
+      <p:ext uri="{BB962C8B-B14F-4D97-AF65-F5344CB8AC3E}">
+        <p14:creationId xmlns:p14="http://schemas.microsoft.com/office/powerpoint/2010/main" val="55729132"/>
+      </p:ext>
+    </p:extLst>
+  </p:cSld>
+  <p:clrMapOvr>
+    <a:masterClrMapping/>
+  </p:clrMapOvr>
+  <p:timing>
+    <p:tnLst>
+      <p:par>
+        <p:cTn id="1" dur="indefinite" restart="never" nodeType="tmRoot"/>
+      </p:par>
+    </p:tnLst>
+  </p:timing>
+</p:sld>
+</file>
+
+<file path=ppt/slides/slide7.xml><?xml version="1.0" encoding="utf-8"?>
+<p:sld xmlns:a="http://schemas.openxmlformats.org/drawingml/2006/main" xmlns:r="http://schemas.openxmlformats.org/officeDocument/2006/relationships" xmlns:p="http://schemas.openxmlformats.org/presentationml/2006/main">
+  <p:cSld>
+    <p:spTree>
+      <p:nvGrpSpPr>
+        <p:cNvPr id="1" name=""/>
+        <p:cNvGrpSpPr/>
+        <p:nvPr/>
+      </p:nvGrpSpPr>
+      <p:grpSpPr>
+        <a:xfrm>
+          <a:off x="0" y="0"/>
+          <a:ext cx="0" cy="0"/>
+          <a:chOff x="0" y="0"/>
+          <a:chExt cx="0" cy="0"/>
+        </a:xfrm>
+      </p:grpSpPr>
+      <p:sp>
+        <p:nvSpPr>
+          <p:cNvPr id="2" name="Title 1"/>
+          <p:cNvSpPr>
+            <a:spLocks noGrp="1"/>
+          </p:cNvSpPr>
+          <p:nvPr>
+            <p:ph type="title"/>
+          </p:nvPr>
+        </p:nvSpPr>
+        <p:spPr/>
+        <p:txBody>
+          <a:bodyPr/>
+          <a:lstStyle/>
+          <a:p>
+            <a:r>
+              <a:rPr lang="bg-BG" b="1" dirty="0" smtClean="0"/>
               <a:t>Реакция</a:t>
             </a:r>
-            <a:endParaRPr lang="bg-BG" dirty="0"/>
+            <a:endParaRPr lang="bg-BG" b="1" dirty="0"/>
           </a:p>
         </p:txBody>
       </p:sp>
@@ -4990,7 +9490,7 @@
                       <m:fPr>
                         <m:ctrlPr>
                           <a:rPr lang="en-US" sz="4000" b="0" i="1" smtClean="0">
-                            <a:latin typeface="Cambria Math" panose="02040503050406030204" pitchFamily="18" charset="0"/>
+                            <a:latin typeface="Cambria Math"/>
                             <a:ea typeface="Cambria Math" panose="02040503050406030204" pitchFamily="18" charset="0"/>
                           </a:rPr>
                         </m:ctrlPr>
@@ -5046,7 +9546,7 @@
                       <m:dPr>
                         <m:ctrlPr>
                           <a:rPr lang="en-US" sz="4000" b="0" i="1" smtClean="0">
-                            <a:latin typeface="Cambria Math" panose="02040503050406030204" pitchFamily="18" charset="0"/>
+                            <a:latin typeface="Cambria Math"/>
                             <a:ea typeface="Cambria Math" panose="02040503050406030204" pitchFamily="18" charset="0"/>
                           </a:rPr>
                         </m:ctrlPr>
@@ -5072,7 +9572,7 @@
                       <m:dPr>
                         <m:ctrlPr>
                           <a:rPr lang="en-US" sz="4000" b="0" i="1" smtClean="0">
-                            <a:latin typeface="Cambria Math" panose="02040503050406030204" pitchFamily="18" charset="0"/>
+                            <a:latin typeface="Cambria Math"/>
                             <a:ea typeface="Cambria Math" panose="02040503050406030204" pitchFamily="18" charset="0"/>
                           </a:rPr>
                         </m:ctrlPr>
@@ -5128,7 +9628,7 @@
                       <m:fPr>
                         <m:ctrlPr>
                           <a:rPr lang="en-US" sz="4000" b="0" i="1" smtClean="0">
-                            <a:latin typeface="Cambria Math" panose="02040503050406030204" pitchFamily="18" charset="0"/>
+                            <a:latin typeface="Cambria Math"/>
                           </a:rPr>
                         </m:ctrlPr>
                       </m:fPr>
@@ -5242,7 +9742,7 @@
                       <m:dPr>
                         <m:ctrlPr>
                           <a:rPr lang="en-US" b="0" i="1" smtClean="0">
-                            <a:latin typeface="Cambria Math" panose="02040503050406030204" pitchFamily="18" charset="0"/>
+                            <a:latin typeface="Cambria Math"/>
                           </a:rPr>
                         </m:ctrlPr>
                       </m:dPr>
@@ -5251,7 +9751,13 @@
                           <a:rPr lang="en-US" b="0" i="1" smtClean="0">
                             <a:latin typeface="Cambria Math" panose="02040503050406030204" pitchFamily="18" charset="0"/>
                           </a:rPr>
-                          <m:t>0, 0.5</m:t>
+                          <m:t>0, 0.</m:t>
+                        </m:r>
+                        <m:r>
+                          <a:rPr lang="bg-BG" b="0" i="1" smtClean="0">
+                            <a:latin typeface="Cambria Math"/>
+                          </a:rPr>
+                          <m:t>6</m:t>
                         </m:r>
                       </m:e>
                     </m:d>
@@ -5295,7 +9801,7 @@
               </p:nvPr>
             </p:nvSpPr>
             <p:spPr>
-              <a:blipFill>
+              <a:blipFill rotWithShape="1">
                 <a:blip r:embed="rId2"/>
                 <a:stretch>
                   <a:fillRect l="-1043"/>
@@ -5327,10 +9833,17 @@
   <p:clrMapOvr>
     <a:masterClrMapping/>
   </p:clrMapOvr>
+  <p:timing>
+    <p:tnLst>
+      <p:par>
+        <p:cTn id="1" dur="indefinite" restart="never" nodeType="tmRoot"/>
+      </p:par>
+    </p:tnLst>
+  </p:timing>
 </p:sld>
 </file>
 
-<file path=ppt/slides/slide7.xml><?xml version="1.0" encoding="utf-8"?>
+<file path=ppt/slides/slide8.xml><?xml version="1.0" encoding="utf-8"?>
 <p:sld xmlns:a="http://schemas.openxmlformats.org/drawingml/2006/main" xmlns:r="http://schemas.openxmlformats.org/officeDocument/2006/relationships" xmlns:p="http://schemas.openxmlformats.org/presentationml/2006/main">
   <p:cSld>
     <p:spTree>
@@ -5363,15 +9876,15 @@
           <a:lstStyle/>
           <a:p>
             <a:r>
-              <a:rPr lang="bg-BG" dirty="0" smtClean="0"/>
-              <a:t>Начални условия на модела</a:t>
-            </a:r>
-            <a:endParaRPr lang="bg-BG" dirty="0"/>
-          </a:p>
-        </p:txBody>
-      </p:sp>
-      <mc:AlternateContent xmlns:mc="http://schemas.openxmlformats.org/markup-compatibility/2006">
-        <mc:Choice xmlns:a14="http://schemas.microsoft.com/office/drawing/2010/main" Requires="a14">
+              <a:rPr lang="bg-BG" b="1" dirty="0" smtClean="0"/>
+              <a:t>Избор на параметри за модела</a:t>
+            </a:r>
+            <a:endParaRPr lang="bg-BG" b="1" dirty="0"/>
+          </a:p>
+        </p:txBody>
+      </p:sp>
+      <mc:AlternateContent xmlns:mc="http://schemas.openxmlformats.org/markup-compatibility/2006" xmlns:a14="http://schemas.microsoft.com/office/drawing/2010/main">
+        <mc:Choice Requires="a14">
           <p:sp>
             <p:nvSpPr>
               <p:cNvPr id="3" name="Content Placeholder 2"/>
@@ -5411,7 +9924,7 @@
                       <m:sSubPr>
                         <m:ctrlPr>
                           <a:rPr lang="en-US" b="0" i="1" smtClean="0">
-                            <a:latin typeface="Cambria Math" panose="02040503050406030204" pitchFamily="18" charset="0"/>
+                            <a:latin typeface="Cambria Math"/>
                             <a:ea typeface="Cambria Math" panose="02040503050406030204" pitchFamily="18" charset="0"/>
                           </a:rPr>
                         </m:ctrlPr>
@@ -5478,7 +9991,89 @@
                       <m:sSubPr>
                         <m:ctrlPr>
                           <a:rPr lang="en-US" b="0" i="1" smtClean="0">
-                            <a:latin typeface="Cambria Math" panose="02040503050406030204" pitchFamily="18" charset="0"/>
+                            <a:latin typeface="Cambria Math"/>
+                          </a:rPr>
+                        </m:ctrlPr>
+                      </m:sSubPr>
+                      <m:e>
+                        <m:r>
+                          <a:rPr lang="en-US" b="0" i="1" smtClean="0">
+                            <a:latin typeface="Cambria Math"/>
+                          </a:rPr>
+                          <m:t>𝑢</m:t>
+                        </m:r>
+                      </m:e>
+                      <m:sub>
+                        <m:r>
+                          <a:rPr lang="en-US" b="0" i="1" smtClean="0">
+                            <a:latin typeface="Cambria Math"/>
+                          </a:rPr>
+                          <m:t>0</m:t>
+                        </m:r>
+                      </m:sub>
+                    </m:sSub>
+                    <m:r>
+                      <a:rPr lang="en-US" b="0" i="1" smtClean="0">
+                        <a:latin typeface="Cambria Math"/>
+                      </a:rPr>
+                      <m:t>=0</m:t>
+                    </m:r>
+                    <m:r>
+                      <a:rPr lang="bg-BG" b="0" i="1" smtClean="0">
+                        <a:latin typeface="Cambria Math"/>
+                      </a:rPr>
+                      <m:t> −черен цвят, </m:t>
+                    </m:r>
+                    <m:sSub>
+                      <m:sSubPr>
+                        <m:ctrlPr>
+                          <a:rPr lang="en-US" b="0" i="1" smtClean="0">
+                            <a:latin typeface="Cambria Math"/>
+                          </a:rPr>
+                        </m:ctrlPr>
+                      </m:sSubPr>
+                      <m:e>
+                        <m:r>
+                          <a:rPr lang="en-US" b="0" i="1" smtClean="0">
+                            <a:latin typeface="Cambria Math"/>
+                          </a:rPr>
+                          <m:t>𝑢</m:t>
+                        </m:r>
+                      </m:e>
+                      <m:sub>
+                        <m:r>
+                          <a:rPr lang="en-US" b="0" i="1" smtClean="0">
+                            <a:latin typeface="Cambria Math"/>
+                          </a:rPr>
+                          <m:t>0</m:t>
+                        </m:r>
+                      </m:sub>
+                    </m:sSub>
+                    <m:r>
+                      <a:rPr lang="en-US" b="0" i="1" smtClean="0">
+                        <a:latin typeface="Cambria Math"/>
+                      </a:rPr>
+                      <m:t>=1 </m:t>
+                    </m:r>
+                    <m:r>
+                      <a:rPr lang="bg-BG" b="0" i="1" smtClean="0">
+                        <a:latin typeface="Cambria Math"/>
+                      </a:rPr>
+                      <m:t>−бял цвят</m:t>
+                    </m:r>
+                  </m:oMath>
+                </a14:m>
+                <a:endParaRPr lang="bg-BG" dirty="0" smtClean="0"/>
+              </a:p>
+              <a:p>
+                <a:pPr lvl="1"/>
+                <a14:m>
+                  <m:oMath xmlns:m="http://schemas.openxmlformats.org/officeDocument/2006/math">
+                    <m:sSub>
+                      <m:sSubPr>
+                        <m:ctrlPr>
+                          <a:rPr lang="en-US" b="0" i="1" smtClean="0">
+                            <a:latin typeface="Cambria Math"/>
                           </a:rPr>
                         </m:ctrlPr>
                       </m:sSubPr>
@@ -5527,7 +10122,7 @@
                       <m:sSubPr>
                         <m:ctrlPr>
                           <a:rPr lang="en-US" sz="2400" b="0" i="1" smtClean="0">
-                            <a:latin typeface="Cambria Math" panose="02040503050406030204" pitchFamily="18" charset="0"/>
+                            <a:latin typeface="Cambria Math"/>
                           </a:rPr>
                         </m:ctrlPr>
                       </m:sSubPr>
@@ -5558,7 +10153,7 @@
                       <m:sSubPr>
                         <m:ctrlPr>
                           <a:rPr lang="en-US" sz="2400" b="0" i="1" smtClean="0">
-                            <a:latin typeface="Cambria Math" panose="02040503050406030204" pitchFamily="18" charset="0"/>
+                            <a:latin typeface="Cambria Math"/>
                           </a:rPr>
                         </m:ctrlPr>
                       </m:sSubPr>
@@ -5579,36 +10174,8 @@
                         </m:r>
                       </m:sub>
                     </m:sSub>
-                    <m:r>
-                      <a:rPr lang="bg-BG" sz="2400" b="0" i="0" smtClean="0">
-                        <a:latin typeface="Cambria Math" panose="02040503050406030204" pitchFamily="18" charset="0"/>
-                      </a:rPr>
-                      <m:t> </m:t>
-                    </m:r>
-                    <m:r>
-                      <m:rPr>
-                        <m:nor/>
-                      </m:rPr>
-                      <a:rPr lang="bg-BG" sz="2400" b="0" i="0" smtClean="0"/>
-                      <m:t>(за да получим Тюрингова нестабилност)</m:t>
-                    </m:r>
                   </m:oMath>
                 </a14:m>
-                <a:endParaRPr lang="bg-BG" sz="2400" b="0" dirty="0" smtClean="0"/>
-              </a:p>
-              <a:p>
-                <a:r>
-                  <a:rPr lang="en-US" sz="2400" dirty="0" smtClean="0"/>
-                  <a:t>a = 0.6, b = 10 </a:t>
-                </a:r>
-                <a:r>
-                  <a:rPr lang="bg-BG" sz="2400" dirty="0" smtClean="0"/>
-                  <a:t>или </a:t>
-                </a:r>
-                <a:r>
-                  <a:rPr lang="en-US" sz="2400" dirty="0" smtClean="0"/>
-                  <a:t>b = 20</a:t>
-                </a:r>
                 <a:endParaRPr lang="bg-BG" sz="2400" dirty="0" smtClean="0"/>
               </a:p>
               <a:p>
@@ -5629,10 +10196,13 @@
                   <a:t>„разстоянието“ между пикселите)</a:t>
                 </a:r>
               </a:p>
+              <a:p>
+                <a:endParaRPr lang="bg-BG" sz="2400" b="0" dirty="0" smtClean="0"/>
+              </a:p>
             </p:txBody>
           </p:sp>
         </mc:Choice>
-        <mc:Fallback>
+        <mc:Fallback xmlns="">
           <p:sp>
             <p:nvSpPr>
               <p:cNvPr id="3" name="Content Placeholder 2"/>
@@ -5644,7 +10214,7 @@
               </p:nvPr>
             </p:nvSpPr>
             <p:spPr>
-              <a:blipFill>
+              <a:blipFill rotWithShape="1">
                 <a:blip r:embed="rId2"/>
                 <a:stretch>
                   <a:fillRect l="-1043" t="-2241"/>
@@ -5676,10 +10246,17 @@
   <p:clrMapOvr>
     <a:masterClrMapping/>
   </p:clrMapOvr>
+  <p:timing>
+    <p:tnLst>
+      <p:par>
+        <p:cTn id="1" dur="indefinite" restart="never" nodeType="tmRoot"/>
+      </p:par>
+    </p:tnLst>
+  </p:timing>
 </p:sld>
 </file>
 
-<file path=ppt/slides/slide8.xml><?xml version="1.0" encoding="utf-8"?>
+<file path=ppt/slides/slide9.xml><?xml version="1.0" encoding="utf-8"?>
 <p:sld xmlns:a="http://schemas.openxmlformats.org/drawingml/2006/main" xmlns:r="http://schemas.openxmlformats.org/officeDocument/2006/relationships" xmlns:p="http://schemas.openxmlformats.org/presentationml/2006/main">
   <p:cSld>
     <p:spTree>
@@ -5706,33 +10283,59 @@
             <p:ph type="title"/>
           </p:nvPr>
         </p:nvSpPr>
-        <p:spPr>
-          <a:xfrm>
-            <a:off x="838200" y="365125"/>
-            <a:ext cx="2570018" cy="1325563"/>
-          </a:xfrm>
-        </p:spPr>
+        <p:spPr/>
         <p:txBody>
           <a:bodyPr/>
           <a:lstStyle/>
           <a:p>
             <a:r>
-              <a:rPr lang="bg-BG" dirty="0" smtClean="0"/>
-              <a:t>Резултати</a:t>
-            </a:r>
+              <a:rPr lang="bg-BG" b="1" dirty="0"/>
+              <a:t>Избор на параметри за модела</a:t>
+            </a:r>
+          </a:p>
+        </p:txBody>
+      </p:sp>
+      <p:sp>
+        <p:nvSpPr>
+          <p:cNvPr id="3" name="Content Placeholder 2"/>
+          <p:cNvSpPr>
+            <a:spLocks noGrp="1"/>
+          </p:cNvSpPr>
+          <p:nvPr>
+            <p:ph idx="1"/>
+          </p:nvPr>
+        </p:nvSpPr>
+        <p:spPr/>
+        <p:txBody>
+          <a:bodyPr/>
+          <a:lstStyle/>
+          <a:p>
+            <a:r>
+              <a:rPr lang="en-US" dirty="0"/>
+              <a:t>a = 0.6, b = 10 </a:t>
+            </a:r>
+            <a:r>
+              <a:rPr lang="bg-BG" dirty="0"/>
+              <a:t>или </a:t>
+            </a:r>
+            <a:r>
+              <a:rPr lang="en-US" dirty="0"/>
+              <a:t>b = 20</a:t>
+            </a:r>
+            <a:endParaRPr lang="bg-BG" dirty="0"/>
+          </a:p>
+          <a:p>
             <a:endParaRPr lang="bg-BG" dirty="0"/>
           </a:p>
         </p:txBody>
       </p:sp>
       <p:pic>
         <p:nvPicPr>
-          <p:cNvPr id="4" name="Content Placeholder 3"/>
+          <p:cNvPr id="4" name="Picture 3"/>
           <p:cNvPicPr>
-            <a:picLocks noGrp="1" noChangeAspect="1"/>
+            <a:picLocks noChangeAspect="1"/>
           </p:cNvPicPr>
-          <p:nvPr>
-            <p:ph idx="1"/>
-          </p:nvPr>
+          <p:nvPr/>
         </p:nvPicPr>
         <p:blipFill>
           <a:blip r:embed="rId2">
@@ -5748,9 +10351,12 @@
         </p:blipFill>
         <p:spPr>
           <a:xfrm>
-            <a:off x="4744608" y="191648"/>
-            <a:ext cx="1904762" cy="1904762"/>
+            <a:off x="6690611" y="2473568"/>
+            <a:ext cx="4965436" cy="3488917"/>
           </a:xfrm>
+          <a:prstGeom prst="rect">
+            <a:avLst/>
+          </a:prstGeom>
         </p:spPr>
       </p:pic>
       <p:pic>
@@ -5775,44 +10381,14 @@
         </p:blipFill>
         <p:spPr>
           <a:xfrm>
-            <a:off x="1885030" y="3335828"/>
-            <a:ext cx="1904762" cy="1904762"/>
+            <a:off x="597877" y="2473568"/>
+            <a:ext cx="4997339" cy="3509626"/>
           </a:xfrm>
           <a:prstGeom prst="rect">
             <a:avLst/>
           </a:prstGeom>
         </p:spPr>
       </p:pic>
-      <p:pic>
-        <p:nvPicPr>
-          <p:cNvPr id="6" name="Picture 5"/>
-          <p:cNvPicPr>
-            <a:picLocks noChangeAspect="1"/>
-          </p:cNvPicPr>
-          <p:nvPr/>
-        </p:nvPicPr>
-        <p:blipFill>
-          <a:blip r:embed="rId4">
-            <a:extLst>
-              <a:ext uri="{28A0092B-C50C-407E-A947-70E740481C1C}">
-                <a14:useLocalDpi xmlns:a14="http://schemas.microsoft.com/office/drawing/2010/main" val="0"/>
-              </a:ext>
-            </a:extLst>
-          </a:blip>
-          <a:stretch>
-            <a:fillRect/>
-          </a:stretch>
-        </p:blipFill>
-        <p:spPr>
-          <a:xfrm>
-            <a:off x="8293569" y="3335828"/>
-            <a:ext cx="1904762" cy="1904762"/>
-          </a:xfrm>
-          <a:prstGeom prst="rect">
-            <a:avLst/>
-          </a:prstGeom>
-        </p:spPr>
-      </p:pic>
       <p:sp>
         <p:nvSpPr>
           <p:cNvPr id="7" name="TextBox 6"/>
@@ -5821,8 +10397,8 @@
         </p:nvSpPr>
         <p:spPr>
           <a:xfrm>
-            <a:off x="4461163" y="2132798"/>
-            <a:ext cx="2503517" cy="369332"/>
+            <a:off x="597877" y="6189785"/>
+            <a:ext cx="4997339" cy="369332"/>
           </a:xfrm>
           <a:prstGeom prst="rect">
             <a:avLst/>
@@ -5835,14 +10411,9 @@
           </a:bodyPr>
           <a:lstStyle/>
           <a:p>
-            <a:pPr algn="ctr"/>
             <a:r>
               <a:rPr lang="bg-BG" dirty="0" smtClean="0"/>
-              <a:t>База, </a:t>
-            </a:r>
-            <a:r>
-              <a:rPr lang="en-US" dirty="0" smtClean="0"/>
-              <a:t>200x200px, 5.49kB</a:t>
+              <a:t>С-ма с една устойчива точка</a:t>
             </a:r>
             <a:endParaRPr lang="bg-BG" dirty="0"/>
           </a:p>
@@ -5856,8 +10427,8 @@
         </p:nvSpPr>
         <p:spPr>
           <a:xfrm>
-            <a:off x="1213658" y="5336771"/>
-            <a:ext cx="3247505" cy="369332"/>
+            <a:off x="6690609" y="6201509"/>
+            <a:ext cx="4997339" cy="369332"/>
           </a:xfrm>
           <a:prstGeom prst="rect">
             <a:avLst/>
@@ -5872,518 +10443,29 @@
           <a:p>
             <a:r>
               <a:rPr lang="bg-BG" dirty="0" smtClean="0"/>
-              <a:t>Сегментация, </a:t>
-            </a:r>
-            <a:r>
-              <a:rPr lang="en-US" dirty="0" smtClean="0"/>
-              <a:t>200x200px, 976B</a:t>
+              <a:t>С-ма с две устойчиви точки</a:t>
             </a:r>
             <a:endParaRPr lang="bg-BG" dirty="0"/>
           </a:p>
         </p:txBody>
       </p:sp>
-      <p:sp>
-        <p:nvSpPr>
-          <p:cNvPr id="9" name="TextBox 8"/>
-          <p:cNvSpPr txBox="1"/>
-          <p:nvPr/>
-        </p:nvSpPr>
-        <p:spPr>
-          <a:xfrm>
-            <a:off x="7835676" y="5336771"/>
-            <a:ext cx="2936926" cy="369332"/>
-          </a:xfrm>
-          <a:prstGeom prst="rect">
-            <a:avLst/>
-          </a:prstGeom>
-          <a:noFill/>
-        </p:spPr>
-        <p:txBody>
-          <a:bodyPr wrap="square" rtlCol="0">
-            <a:spAutoFit/>
-          </a:bodyPr>
-          <a:lstStyle/>
-          <a:p>
-            <a:r>
-              <a:rPr lang="bg-BG" dirty="0" smtClean="0"/>
-              <a:t>Ръбове, </a:t>
-            </a:r>
-            <a:r>
-              <a:rPr lang="en-US" dirty="0" smtClean="0"/>
-              <a:t>200x200px , 986B</a:t>
-            </a:r>
-            <a:endParaRPr lang="bg-BG" dirty="0"/>
-          </a:p>
-        </p:txBody>
-      </p:sp>
-      <p:cxnSp>
-        <p:nvCxnSpPr>
-          <p:cNvPr id="11" name="Straight Arrow Connector 10"/>
-          <p:cNvCxnSpPr/>
-          <p:nvPr/>
-        </p:nvCxnSpPr>
-        <p:spPr>
-          <a:xfrm flipH="1">
-            <a:off x="2942705" y="2502131"/>
-            <a:ext cx="1737360" cy="698269"/>
-          </a:xfrm>
-          <a:prstGeom prst="straightConnector1">
-            <a:avLst/>
-          </a:prstGeom>
-          <a:ln w="38100">
-            <a:solidFill>
-              <a:schemeClr val="tx1"/>
-            </a:solidFill>
-            <a:tailEnd type="triangle"/>
-          </a:ln>
-        </p:spPr>
-        <p:style>
-          <a:lnRef idx="1">
-            <a:schemeClr val="accent1"/>
-          </a:lnRef>
-          <a:fillRef idx="0">
-            <a:schemeClr val="accent1"/>
-          </a:fillRef>
-          <a:effectRef idx="0">
-            <a:schemeClr val="accent1"/>
-          </a:effectRef>
-          <a:fontRef idx="minor">
-            <a:schemeClr val="tx1"/>
-          </a:fontRef>
-        </p:style>
-      </p:cxnSp>
-      <p:cxnSp>
-        <p:nvCxnSpPr>
-          <p:cNvPr id="12" name="Straight Arrow Connector 11"/>
-          <p:cNvCxnSpPr/>
-          <p:nvPr/>
-        </p:nvCxnSpPr>
-        <p:spPr>
-          <a:xfrm>
-            <a:off x="6649370" y="2502130"/>
-            <a:ext cx="2045743" cy="737517"/>
-          </a:xfrm>
-          <a:prstGeom prst="straightConnector1">
-            <a:avLst/>
-          </a:prstGeom>
-          <a:ln w="38100">
-            <a:solidFill>
-              <a:schemeClr val="tx1"/>
-            </a:solidFill>
-            <a:tailEnd type="triangle"/>
-          </a:ln>
-        </p:spPr>
-        <p:style>
-          <a:lnRef idx="1">
-            <a:schemeClr val="accent1"/>
-          </a:lnRef>
-          <a:fillRef idx="0">
-            <a:schemeClr val="accent1"/>
-          </a:fillRef>
-          <a:effectRef idx="0">
-            <a:schemeClr val="accent1"/>
-          </a:effectRef>
-          <a:fontRef idx="minor">
-            <a:schemeClr val="tx1"/>
-          </a:fontRef>
-        </p:style>
-      </p:cxnSp>
     </p:spTree>
     <p:extLst>
       <p:ext uri="{BB962C8B-B14F-4D97-AF65-F5344CB8AC3E}">
-        <p14:creationId xmlns:p14="http://schemas.microsoft.com/office/powerpoint/2010/main" val="4217752843"/>
+        <p14:creationId xmlns:p14="http://schemas.microsoft.com/office/powerpoint/2010/main" val="2158875733"/>
       </p:ext>
     </p:extLst>
   </p:cSld>
   <p:clrMapOvr>
     <a:masterClrMapping/>
   </p:clrMapOvr>
-</p:sld>
-</file>
-
-<file path=ppt/slides/slide9.xml><?xml version="1.0" encoding="utf-8"?>
-<p:sld xmlns:a="http://schemas.openxmlformats.org/drawingml/2006/main" xmlns:r="http://schemas.openxmlformats.org/officeDocument/2006/relationships" xmlns:p="http://schemas.openxmlformats.org/presentationml/2006/main">
-  <p:cSld>
-    <p:spTree>
-      <p:nvGrpSpPr>
-        <p:cNvPr id="1" name=""/>
-        <p:cNvGrpSpPr/>
-        <p:nvPr/>
-      </p:nvGrpSpPr>
-      <p:grpSpPr>
-        <a:xfrm>
-          <a:off x="0" y="0"/>
-          <a:ext cx="0" cy="0"/>
-          <a:chOff x="0" y="0"/>
-          <a:chExt cx="0" cy="0"/>
-        </a:xfrm>
-      </p:grpSpPr>
-      <p:sp>
-        <p:nvSpPr>
-          <p:cNvPr id="2" name="Title 1"/>
-          <p:cNvSpPr>
-            <a:spLocks noGrp="1"/>
-          </p:cNvSpPr>
-          <p:nvPr>
-            <p:ph type="title"/>
-          </p:nvPr>
-        </p:nvSpPr>
-        <p:spPr>
-          <a:xfrm>
-            <a:off x="838200" y="365125"/>
-            <a:ext cx="2570018" cy="1325563"/>
-          </a:xfrm>
-        </p:spPr>
-        <p:txBody>
-          <a:bodyPr/>
-          <a:lstStyle/>
-          <a:p>
-            <a:r>
-              <a:rPr lang="bg-BG" dirty="0" smtClean="0"/>
-              <a:t>Резултати</a:t>
-            </a:r>
-            <a:endParaRPr lang="bg-BG" dirty="0"/>
-          </a:p>
-        </p:txBody>
-      </p:sp>
-      <p:pic>
-        <p:nvPicPr>
-          <p:cNvPr id="4" name="Content Placeholder 3"/>
-          <p:cNvPicPr>
-            <a:picLocks noGrp="1" noChangeAspect="1"/>
-          </p:cNvPicPr>
-          <p:nvPr>
-            <p:ph idx="1"/>
-          </p:nvPr>
-        </p:nvPicPr>
-        <p:blipFill>
-          <a:blip r:embed="rId2">
-            <a:extLst>
-              <a:ext uri="{28A0092B-C50C-407E-A947-70E740481C1C}">
-                <a14:useLocalDpi xmlns:a14="http://schemas.microsoft.com/office/drawing/2010/main" val="0"/>
-              </a:ext>
-            </a:extLst>
-          </a:blip>
-          <a:stretch>
-            <a:fillRect/>
-          </a:stretch>
-        </p:blipFill>
-        <p:spPr>
-          <a:xfrm>
-            <a:off x="4744608" y="191648"/>
-            <a:ext cx="1904762" cy="1904762"/>
-          </a:xfrm>
-        </p:spPr>
-      </p:pic>
-      <p:pic>
-        <p:nvPicPr>
-          <p:cNvPr id="5" name="Picture 4"/>
-          <p:cNvPicPr>
-            <a:picLocks noChangeAspect="1"/>
-          </p:cNvPicPr>
-          <p:nvPr/>
-        </p:nvPicPr>
-        <p:blipFill>
-          <a:blip r:embed="rId3">
-            <a:extLst>
-              <a:ext uri="{28A0092B-C50C-407E-A947-70E740481C1C}">
-                <a14:useLocalDpi xmlns:a14="http://schemas.microsoft.com/office/drawing/2010/main" val="0"/>
-              </a:ext>
-            </a:extLst>
-          </a:blip>
-          <a:stretch>
-            <a:fillRect/>
-          </a:stretch>
-        </p:blipFill>
-        <p:spPr>
-          <a:xfrm>
-            <a:off x="1885030" y="3335828"/>
-            <a:ext cx="1904762" cy="1904762"/>
-          </a:xfrm>
-          <a:prstGeom prst="rect">
-            <a:avLst/>
-          </a:prstGeom>
-        </p:spPr>
-      </p:pic>
-      <p:pic>
-        <p:nvPicPr>
-          <p:cNvPr id="6" name="Picture 5"/>
-          <p:cNvPicPr>
-            <a:picLocks noChangeAspect="1"/>
-          </p:cNvPicPr>
-          <p:nvPr/>
-        </p:nvPicPr>
-        <p:blipFill>
-          <a:blip r:embed="rId4">
-            <a:extLst>
-              <a:ext uri="{28A0092B-C50C-407E-A947-70E740481C1C}">
-                <a14:useLocalDpi xmlns:a14="http://schemas.microsoft.com/office/drawing/2010/main" val="0"/>
-              </a:ext>
-            </a:extLst>
-          </a:blip>
-          <a:stretch>
-            <a:fillRect/>
-          </a:stretch>
-        </p:blipFill>
-        <p:spPr>
-          <a:xfrm>
-            <a:off x="8293569" y="3335828"/>
-            <a:ext cx="1904762" cy="1904762"/>
-          </a:xfrm>
-          <a:prstGeom prst="rect">
-            <a:avLst/>
-          </a:prstGeom>
-        </p:spPr>
-      </p:pic>
-      <p:sp>
-        <p:nvSpPr>
-          <p:cNvPr id="7" name="TextBox 6"/>
-          <p:cNvSpPr txBox="1"/>
-          <p:nvPr/>
-        </p:nvSpPr>
-        <p:spPr>
-          <a:xfrm>
-            <a:off x="4461163" y="2132798"/>
-            <a:ext cx="2503517" cy="369332"/>
-          </a:xfrm>
-          <a:prstGeom prst="rect">
-            <a:avLst/>
-          </a:prstGeom>
-          <a:noFill/>
-        </p:spPr>
-        <p:txBody>
-          <a:bodyPr wrap="square" rtlCol="0">
-            <a:spAutoFit/>
-          </a:bodyPr>
-          <a:lstStyle/>
-          <a:p>
-            <a:pPr algn="ctr"/>
-            <a:r>
-              <a:rPr lang="bg-BG" dirty="0" smtClean="0"/>
-              <a:t>База, </a:t>
-            </a:r>
-            <a:r>
-              <a:rPr lang="en-US" dirty="0" smtClean="0"/>
-              <a:t>200x200px, 39.5kB</a:t>
-            </a:r>
-            <a:endParaRPr lang="bg-BG" dirty="0"/>
-          </a:p>
-        </p:txBody>
-      </p:sp>
-      <p:sp>
-        <p:nvSpPr>
-          <p:cNvPr id="8" name="TextBox 7"/>
-          <p:cNvSpPr txBox="1"/>
-          <p:nvPr/>
-        </p:nvSpPr>
-        <p:spPr>
-          <a:xfrm>
-            <a:off x="1213658" y="5336771"/>
-            <a:ext cx="3325091" cy="369332"/>
-          </a:xfrm>
-          <a:prstGeom prst="rect">
-            <a:avLst/>
-          </a:prstGeom>
-          <a:noFill/>
-        </p:spPr>
-        <p:txBody>
-          <a:bodyPr wrap="square" rtlCol="0">
-            <a:spAutoFit/>
-          </a:bodyPr>
-          <a:lstStyle/>
-          <a:p>
-            <a:r>
-              <a:rPr lang="bg-BG" dirty="0" smtClean="0"/>
-              <a:t>Сегментация, </a:t>
-            </a:r>
-            <a:r>
-              <a:rPr lang="en-US" dirty="0" smtClean="0"/>
-              <a:t>200x200px, 1.73kB</a:t>
-            </a:r>
-            <a:endParaRPr lang="bg-BG" dirty="0"/>
-          </a:p>
-        </p:txBody>
-      </p:sp>
-      <p:sp>
-        <p:nvSpPr>
-          <p:cNvPr id="9" name="TextBox 8"/>
-          <p:cNvSpPr txBox="1"/>
-          <p:nvPr/>
-        </p:nvSpPr>
-        <p:spPr>
-          <a:xfrm>
-            <a:off x="7835676" y="5336771"/>
-            <a:ext cx="2936926" cy="369332"/>
-          </a:xfrm>
-          <a:prstGeom prst="rect">
-            <a:avLst/>
-          </a:prstGeom>
-          <a:noFill/>
-        </p:spPr>
-        <p:txBody>
-          <a:bodyPr wrap="square" rtlCol="0">
-            <a:spAutoFit/>
-          </a:bodyPr>
-          <a:lstStyle/>
-          <a:p>
-            <a:r>
-              <a:rPr lang="bg-BG" dirty="0" smtClean="0"/>
-              <a:t>Ръбове, </a:t>
-            </a:r>
-            <a:r>
-              <a:rPr lang="en-US" dirty="0" smtClean="0"/>
-              <a:t>200x200px , 4.79kB</a:t>
-            </a:r>
-            <a:endParaRPr lang="bg-BG" dirty="0"/>
-          </a:p>
-        </p:txBody>
-      </p:sp>
-      <p:cxnSp>
-        <p:nvCxnSpPr>
-          <p:cNvPr id="11" name="Straight Arrow Connector 10"/>
-          <p:cNvCxnSpPr/>
-          <p:nvPr/>
-        </p:nvCxnSpPr>
-        <p:spPr>
-          <a:xfrm flipH="1">
-            <a:off x="2942705" y="2502131"/>
-            <a:ext cx="1737360" cy="698269"/>
-          </a:xfrm>
-          <a:prstGeom prst="straightConnector1">
-            <a:avLst/>
-          </a:prstGeom>
-          <a:ln w="38100">
-            <a:solidFill>
-              <a:schemeClr val="tx1"/>
-            </a:solidFill>
-            <a:tailEnd type="triangle"/>
-          </a:ln>
-        </p:spPr>
-        <p:style>
-          <a:lnRef idx="1">
-            <a:schemeClr val="accent1"/>
-          </a:lnRef>
-          <a:fillRef idx="0">
-            <a:schemeClr val="accent1"/>
-          </a:fillRef>
-          <a:effectRef idx="0">
-            <a:schemeClr val="accent1"/>
-          </a:effectRef>
-          <a:fontRef idx="minor">
-            <a:schemeClr val="tx1"/>
-          </a:fontRef>
-        </p:style>
-      </p:cxnSp>
-      <p:cxnSp>
-        <p:nvCxnSpPr>
-          <p:cNvPr id="12" name="Straight Arrow Connector 11"/>
-          <p:cNvCxnSpPr/>
-          <p:nvPr/>
-        </p:nvCxnSpPr>
-        <p:spPr>
-          <a:xfrm>
-            <a:off x="6649370" y="2502130"/>
-            <a:ext cx="2045743" cy="737517"/>
-          </a:xfrm>
-          <a:prstGeom prst="straightConnector1">
-            <a:avLst/>
-          </a:prstGeom>
-          <a:ln w="38100">
-            <a:solidFill>
-              <a:schemeClr val="tx1"/>
-            </a:solidFill>
-            <a:tailEnd type="triangle"/>
-          </a:ln>
-        </p:spPr>
-        <p:style>
-          <a:lnRef idx="1">
-            <a:schemeClr val="accent1"/>
-          </a:lnRef>
-          <a:fillRef idx="0">
-            <a:schemeClr val="accent1"/>
-          </a:fillRef>
-          <a:effectRef idx="0">
-            <a:schemeClr val="accent1"/>
-          </a:effectRef>
-          <a:fontRef idx="minor">
-            <a:schemeClr val="tx1"/>
-          </a:fontRef>
-        </p:style>
-      </p:cxnSp>
-      <p:pic>
-        <p:nvPicPr>
-          <p:cNvPr id="3" name="Picture 2"/>
-          <p:cNvPicPr>
-            <a:picLocks noChangeAspect="1"/>
-          </p:cNvPicPr>
-          <p:nvPr/>
-        </p:nvPicPr>
-        <p:blipFill>
-          <a:blip r:embed="rId5">
-            <a:extLst>
-              <a:ext uri="{28A0092B-C50C-407E-A947-70E740481C1C}">
-                <a14:useLocalDpi xmlns:a14="http://schemas.microsoft.com/office/drawing/2010/main" val="0"/>
-              </a:ext>
-            </a:extLst>
-          </a:blip>
-          <a:stretch>
-            <a:fillRect/>
-          </a:stretch>
-        </p:blipFill>
-        <p:spPr>
-          <a:xfrm>
-            <a:off x="5089299" y="3335828"/>
-            <a:ext cx="1904762" cy="1904762"/>
-          </a:xfrm>
-          <a:prstGeom prst="rect">
-            <a:avLst/>
-          </a:prstGeom>
-        </p:spPr>
-      </p:pic>
-      <p:sp>
-        <p:nvSpPr>
-          <p:cNvPr id="13" name="TextBox 12"/>
-          <p:cNvSpPr txBox="1"/>
-          <p:nvPr/>
-        </p:nvSpPr>
-        <p:spPr>
-          <a:xfrm>
-            <a:off x="5016013" y="5336771"/>
-            <a:ext cx="2051334" cy="646331"/>
-          </a:xfrm>
-          <a:prstGeom prst="rect">
-            <a:avLst/>
-          </a:prstGeom>
-          <a:noFill/>
-        </p:spPr>
-        <p:txBody>
-          <a:bodyPr wrap="square" rtlCol="0">
-            <a:spAutoFit/>
-          </a:bodyPr>
-          <a:lstStyle/>
-          <a:p>
-            <a:r>
-              <a:rPr lang="bg-BG" dirty="0" smtClean="0"/>
-              <a:t>Неуспешен тест, </a:t>
-            </a:r>
-            <a:r>
-              <a:rPr lang="en-US" dirty="0" smtClean="0"/>
-              <a:t>200x200px, 7.49kB</a:t>
-            </a:r>
-            <a:endParaRPr lang="bg-BG" dirty="0"/>
-          </a:p>
-        </p:txBody>
-      </p:sp>
-    </p:spTree>
-    <p:extLst>
-      <p:ext uri="{BB962C8B-B14F-4D97-AF65-F5344CB8AC3E}">
-        <p14:creationId xmlns:p14="http://schemas.microsoft.com/office/powerpoint/2010/main" val="3897346375"/>
-      </p:ext>
-    </p:extLst>
-  </p:cSld>
-  <p:clrMapOvr>
-    <a:masterClrMapping/>
-  </p:clrMapOvr>
+  <p:timing>
+    <p:tnLst>
+      <p:par>
+        <p:cTn id="1" dur="indefinite" restart="never" nodeType="tmRoot"/>
+      </p:par>
+    </p:tnLst>
+  </p:timing>
 </p:sld>
 </file>
 
@@ -6642,8 +10724,288 @@
   <a:extraClrSchemeLst/>
   <a:extLst>
     <a:ext uri="{05A4C25C-085E-4340-85A3-A5531E510DB2}">
-      <thm15:themeFamily xmlns:thm15="http://schemas.microsoft.com/office/thememl/2012/main" name="Office Theme" id="{62F939B6-93AF-4DB8-9C6B-D6C7DFDC589F}" vid="{4A3C46E8-61CC-4603-A589-7422A47A8E4A}"/>
+      <thm15:themeFamily xmlns="" xmlns:thm15="http://schemas.microsoft.com/office/thememl/2012/main" name="Office Theme" id="{62F939B6-93AF-4DB8-9C6B-D6C7DFDC589F}" vid="{4A3C46E8-61CC-4603-A589-7422A47A8E4A}"/>
     </a:ext>
   </a:extLst>
 </a:theme>
+</file>
+
+<file path=ppt/theme/theme2.xml><?xml version="1.0" encoding="utf-8"?>
+<a:theme xmlns:a="http://schemas.openxmlformats.org/drawingml/2006/main" name="Executive">
+  <a:themeElements>
+    <a:clrScheme name="Executive">
+      <a:dk1>
+        <a:sysClr val="windowText" lastClr="000000"/>
+      </a:dk1>
+      <a:lt1>
+        <a:sysClr val="window" lastClr="FFFFFF"/>
+      </a:lt1>
+      <a:dk2>
+        <a:srgbClr val="2F5897"/>
+      </a:dk2>
+      <a:lt2>
+        <a:srgbClr val="E4E9EF"/>
+      </a:lt2>
+      <a:accent1>
+        <a:srgbClr val="6076B4"/>
+      </a:accent1>
+      <a:accent2>
+        <a:srgbClr val="9C5252"/>
+      </a:accent2>
+      <a:accent3>
+        <a:srgbClr val="E68422"/>
+      </a:accent3>
+      <a:accent4>
+        <a:srgbClr val="846648"/>
+      </a:accent4>
+      <a:accent5>
+        <a:srgbClr val="63891F"/>
+      </a:accent5>
+      <a:accent6>
+        <a:srgbClr val="758085"/>
+      </a:accent6>
+      <a:hlink>
+        <a:srgbClr val="3399FF"/>
+      </a:hlink>
+      <a:folHlink>
+        <a:srgbClr val="B2B2B2"/>
+      </a:folHlink>
+    </a:clrScheme>
+    <a:fontScheme name="Executive">
+      <a:majorFont>
+        <a:latin typeface="Century Gothic"/>
+        <a:ea typeface=""/>
+        <a:cs typeface=""/>
+        <a:font script="Jpan" typeface="HGｺﾞｼｯｸM"/>
+        <a:font script="Hang" typeface="HY중고딕"/>
+        <a:font script="Hans" typeface="幼圆"/>
+        <a:font script="Hant" typeface="微軟正黑體"/>
+        <a:font script="Arab" typeface="Tahoma"/>
+        <a:font script="Hebr" typeface="Gisha"/>
+        <a:font script="Thai" typeface="DilleniaUPC"/>
+        <a:font script="Ethi" typeface="Nyala"/>
+        <a:font script="Beng" typeface="Vrinda"/>
+        <a:font script="Gujr" typeface="Shruti"/>
+        <a:font script="Khmr" typeface="DaunPenh"/>
+        <a:font script="Knda" typeface="Tunga"/>
+        <a:font script="Guru" typeface="Raavi"/>
+        <a:font script="Cans" typeface="Euphemia"/>
+        <a:font script="Cher" typeface="Plantagenet Cherokee"/>
+        <a:font script="Yiii" typeface="Microsoft Yi Baiti"/>
+        <a:font script="Tibt" typeface="Microsoft Himalaya"/>
+        <a:font script="Thaa" typeface="MV Boli"/>
+        <a:font script="Deva" typeface="Mangal"/>
+        <a:font script="Telu" typeface="Gautami"/>
+        <a:font script="Taml" typeface="Latha"/>
+        <a:font script="Syrc" typeface="Estrangelo Edessa"/>
+        <a:font script="Orya" typeface="Kalinga"/>
+        <a:font script="Mlym" typeface="Kartika"/>
+        <a:font script="Laoo" typeface="DokChampa"/>
+        <a:font script="Sinh" typeface="Iskoola Pota"/>
+        <a:font script="Mong" typeface="Mongolian Baiti"/>
+        <a:font script="Viet" typeface="Tahoma"/>
+        <a:font script="Uigh" typeface="Microsoft Uighur"/>
+        <a:font script="Geor" typeface="Sylfaen"/>
+      </a:majorFont>
+      <a:minorFont>
+        <a:latin typeface="Palatino Linotype"/>
+        <a:ea typeface=""/>
+        <a:cs typeface=""/>
+        <a:font script="Jpan" typeface="HGS明朝E"/>
+        <a:font script="Hang" typeface="맑은 고딕"/>
+        <a:font script="Hans" typeface="宋体"/>
+        <a:font script="Hant" typeface="新細明體"/>
+        <a:font script="Arab" typeface="Times New Roman"/>
+        <a:font script="Hebr" typeface="Times New Roman"/>
+        <a:font script="Thai" typeface="Browallia New"/>
+        <a:font script="Ethi" typeface="Nyala"/>
+        <a:font script="Beng" typeface="Vrinda"/>
+        <a:font script="Gujr" typeface="Shruti"/>
+        <a:font script="Khmr" typeface="MoolBoran"/>
+        <a:font script="Knda" typeface="Tunga"/>
+        <a:font script="Guru" typeface="Raavi"/>
+        <a:font script="Cans" typeface="Euphemia"/>
+        <a:font script="Cher" typeface="Plantagenet Cherokee"/>
+        <a:font script="Yiii" typeface="Microsoft Yi Baiti"/>
+        <a:font script="Tibt" typeface="Microsoft Himalaya"/>
+        <a:font script="Thaa" typeface="MV Boli"/>
+        <a:font script="Deva" typeface="Mangal"/>
+        <a:font script="Telu" typeface="Gautami"/>
+        <a:font script="Taml" typeface="Latha"/>
+        <a:font script="Syrc" typeface="Estrangelo Edessa"/>
+        <a:font script="Orya" typeface="Kalinga"/>
+        <a:font script="Mlym" typeface="Kartika"/>
+        <a:font script="Laoo" typeface="DokChampa"/>
+        <a:font script="Sinh" typeface="Iskoola Pota"/>
+        <a:font script="Mong" typeface="Mongolian Baiti"/>
+        <a:font script="Viet" typeface="Times New Roman"/>
+        <a:font script="Uigh" typeface="Microsoft Uighur"/>
+        <a:font script="Geor" typeface="Sylfaen"/>
+      </a:minorFont>
+    </a:fontScheme>
+    <a:fmtScheme name="Executive">
+      <a:fillStyleLst>
+        <a:solidFill>
+          <a:schemeClr val="phClr"/>
+        </a:solidFill>
+        <a:gradFill rotWithShape="1">
+          <a:gsLst>
+            <a:gs pos="0">
+              <a:schemeClr val="phClr">
+                <a:tint val="50000"/>
+                <a:satMod val="300000"/>
+              </a:schemeClr>
+            </a:gs>
+            <a:gs pos="35000">
+              <a:schemeClr val="phClr">
+                <a:tint val="37000"/>
+                <a:satMod val="300000"/>
+              </a:schemeClr>
+            </a:gs>
+            <a:gs pos="100000">
+              <a:schemeClr val="phClr">
+                <a:tint val="15000"/>
+                <a:satMod val="350000"/>
+              </a:schemeClr>
+            </a:gs>
+          </a:gsLst>
+          <a:lin ang="16200000" scaled="1"/>
+        </a:gradFill>
+        <a:gradFill rotWithShape="1">
+          <a:gsLst>
+            <a:gs pos="0">
+              <a:schemeClr val="phClr">
+                <a:shade val="51000"/>
+                <a:satMod val="130000"/>
+              </a:schemeClr>
+            </a:gs>
+            <a:gs pos="80000">
+              <a:schemeClr val="phClr">
+                <a:shade val="93000"/>
+                <a:satMod val="130000"/>
+              </a:schemeClr>
+            </a:gs>
+            <a:gs pos="100000">
+              <a:schemeClr val="phClr">
+                <a:shade val="94000"/>
+                <a:satMod val="135000"/>
+              </a:schemeClr>
+            </a:gs>
+          </a:gsLst>
+          <a:lin ang="16200000" scaled="0"/>
+        </a:gradFill>
+      </a:fillStyleLst>
+      <a:lnStyleLst>
+        <a:ln w="9525" cap="flat" cmpd="sng" algn="ctr">
+          <a:solidFill>
+            <a:schemeClr val="phClr">
+              <a:shade val="95000"/>
+              <a:satMod val="105000"/>
+            </a:schemeClr>
+          </a:solidFill>
+          <a:prstDash val="solid"/>
+        </a:ln>
+        <a:ln w="28575" cap="flat" cmpd="sng" algn="ctr">
+          <a:solidFill>
+            <a:schemeClr val="phClr"/>
+          </a:solidFill>
+          <a:prstDash val="solid"/>
+        </a:ln>
+        <a:ln w="50800" cap="flat" cmpd="sng" algn="ctr">
+          <a:solidFill>
+            <a:schemeClr val="phClr"/>
+          </a:solidFill>
+          <a:prstDash val="solid"/>
+        </a:ln>
+      </a:lnStyleLst>
+      <a:effectStyleLst>
+        <a:effectStyle>
+          <a:effectLst>
+            <a:outerShdw blurRad="40000" dist="20000" dir="5400000" rotWithShape="0">
+              <a:srgbClr val="000000">
+                <a:alpha val="38000"/>
+              </a:srgbClr>
+            </a:outerShdw>
+          </a:effectLst>
+        </a:effectStyle>
+        <a:effectStyle>
+          <a:effectLst>
+            <a:outerShdw blurRad="40000" dist="23000" dir="5400000" rotWithShape="0">
+              <a:srgbClr val="000000">
+                <a:alpha val="35000"/>
+              </a:srgbClr>
+            </a:outerShdw>
+          </a:effectLst>
+        </a:effectStyle>
+        <a:effectStyle>
+          <a:effectLst>
+            <a:outerShdw blurRad="40000" dist="23000" dir="5400000" rotWithShape="0">
+              <a:srgbClr val="000000">
+                <a:alpha val="35000"/>
+              </a:srgbClr>
+            </a:outerShdw>
+          </a:effectLst>
+          <a:scene3d>
+            <a:camera prst="orthographicFront">
+              <a:rot lat="0" lon="0" rev="0"/>
+            </a:camera>
+            <a:lightRig rig="threePt" dir="t">
+              <a:rot lat="0" lon="0" rev="1200000"/>
+            </a:lightRig>
+          </a:scene3d>
+          <a:sp3d>
+            <a:bevelT w="63500" h="25400"/>
+          </a:sp3d>
+        </a:effectStyle>
+      </a:effectStyleLst>
+      <a:bgFillStyleLst>
+        <a:solidFill>
+          <a:schemeClr val="phClr"/>
+        </a:solidFill>
+        <a:gradFill rotWithShape="1">
+          <a:gsLst>
+            <a:gs pos="50000">
+              <a:schemeClr val="phClr">
+                <a:tint val="80000"/>
+                <a:satMod val="250000"/>
+              </a:schemeClr>
+            </a:gs>
+            <a:gs pos="76000">
+              <a:schemeClr val="phClr">
+                <a:tint val="90000"/>
+                <a:shade val="90000"/>
+                <a:satMod val="200000"/>
+              </a:schemeClr>
+            </a:gs>
+            <a:gs pos="92000">
+              <a:schemeClr val="phClr">
+                <a:tint val="90000"/>
+                <a:shade val="70000"/>
+                <a:satMod val="250000"/>
+              </a:schemeClr>
+            </a:gs>
+          </a:gsLst>
+          <a:path path="circle">
+            <a:fillToRect l="50000" t="50000" r="50000" b="50000"/>
+          </a:path>
+        </a:gradFill>
+        <a:blipFill>
+          <a:blip xmlns:r="http://schemas.openxmlformats.org/officeDocument/2006/relationships" r:embed="rId1">
+            <a:duotone>
+              <a:schemeClr val="phClr">
+                <a:tint val="95000"/>
+              </a:schemeClr>
+              <a:schemeClr val="phClr">
+                <a:shade val="90000"/>
+              </a:schemeClr>
+            </a:duotone>
+          </a:blip>
+          <a:tile tx="0" ty="0" sx="100000" sy="100000" flip="none" algn="tl"/>
+        </a:blipFill>
+      </a:bgFillStyleLst>
+    </a:fmtScheme>
+  </a:themeElements>
+  <a:objectDefaults/>
+  <a:extraClrSchemeLst/>
+</a:theme>
 </file>
--- a/presentations/ImageProcessing_3.pptx
+++ b/presentations/ImageProcessing_3.pptx
@@ -120,7 +120,7 @@
   </p:defaultTextStyle>
   <p:extLst>
     <p:ext uri="{EFAFB233-063F-42B5-8137-9DF3F51BA10A}">
-      <p15:sldGuideLst xmlns="" xmlns:p15="http://schemas.microsoft.com/office/powerpoint/2012/main"/>
+      <p15:sldGuideLst xmlns:p15="http://schemas.microsoft.com/office/powerpoint/2012/main" xmlns=""/>
     </p:ext>
   </p:extLst>
 </p:presentation>
@@ -7662,18 +7662,11 @@
             <a:pPr lvl="1"/>
             <a:r>
               <a:rPr lang="bg-BG" dirty="0" smtClean="0"/>
-              <a:t>Увеличаване на контраста (</a:t>
-            </a:r>
-            <a:r>
-              <a:rPr lang="en-US" dirty="0" smtClean="0"/>
-              <a:t>contrast enhancement)</a:t>
-            </a:r>
-          </a:p>
-          <a:p>
-            <a:pPr lvl="1"/>
+              <a:t>Намаляване </a:t>
+            </a:r>
             <a:r>
               <a:rPr lang="bg-BG" dirty="0" smtClean="0"/>
-              <a:t>Намаляване на шума </a:t>
+              <a:t>на шума </a:t>
             </a:r>
             <a:r>
               <a:rPr lang="en-US" dirty="0" smtClean="0"/>
@@ -9171,42 +9164,42 @@
                 <a:gridCol w="2011060">
                   <a:extLst>
                     <a:ext uri="{9D8B030D-6E8A-4147-A177-3AD203B41FA5}">
-                      <a16:colId xmlns:a16="http://schemas.microsoft.com/office/drawing/2014/main" xmlns="" val="568224980"/>
+                      <a16:colId xmlns="" xmlns:a16="http://schemas.microsoft.com/office/drawing/2014/main" val="568224980"/>
                     </a:ext>
                   </a:extLst>
                 </a:gridCol>
                 <a:gridCol w="2011060">
                   <a:extLst>
                     <a:ext uri="{9D8B030D-6E8A-4147-A177-3AD203B41FA5}">
-                      <a16:colId xmlns:a16="http://schemas.microsoft.com/office/drawing/2014/main" xmlns="" val="90305690"/>
+                      <a16:colId xmlns="" xmlns:a16="http://schemas.microsoft.com/office/drawing/2014/main" val="90305690"/>
                     </a:ext>
                   </a:extLst>
                 </a:gridCol>
                 <a:gridCol w="2011060">
                   <a:extLst>
                     <a:ext uri="{9D8B030D-6E8A-4147-A177-3AD203B41FA5}">
-                      <a16:colId xmlns:a16="http://schemas.microsoft.com/office/drawing/2014/main" xmlns="" val="704196599"/>
+                      <a16:colId xmlns="" xmlns:a16="http://schemas.microsoft.com/office/drawing/2014/main" val="704196599"/>
                     </a:ext>
                   </a:extLst>
                 </a:gridCol>
                 <a:gridCol w="2011060">
                   <a:extLst>
                     <a:ext uri="{9D8B030D-6E8A-4147-A177-3AD203B41FA5}">
-                      <a16:colId xmlns:a16="http://schemas.microsoft.com/office/drawing/2014/main" xmlns="" val="1875421808"/>
+                      <a16:colId xmlns="" xmlns:a16="http://schemas.microsoft.com/office/drawing/2014/main" val="1875421808"/>
                     </a:ext>
                   </a:extLst>
                 </a:gridCol>
                 <a:gridCol w="2011060">
                   <a:extLst>
                     <a:ext uri="{9D8B030D-6E8A-4147-A177-3AD203B41FA5}">
-                      <a16:colId xmlns:a16="http://schemas.microsoft.com/office/drawing/2014/main" xmlns="" val="3655019218"/>
+                      <a16:colId xmlns="" xmlns:a16="http://schemas.microsoft.com/office/drawing/2014/main" val="3655019218"/>
                     </a:ext>
                   </a:extLst>
                 </a:gridCol>
                 <a:gridCol w="2011060">
                   <a:extLst>
                     <a:ext uri="{9D8B030D-6E8A-4147-A177-3AD203B41FA5}">
-                      <a16:colId xmlns:a16="http://schemas.microsoft.com/office/drawing/2014/main" xmlns="" val="131479342"/>
+                      <a16:colId xmlns="" xmlns:a16="http://schemas.microsoft.com/office/drawing/2014/main" val="131479342"/>
                     </a:ext>
                   </a:extLst>
                 </a:gridCol>
@@ -9304,7 +9297,7 @@
                 </a:tc>
                 <a:extLst>
                   <a:ext uri="{0D108BD9-81ED-4DB2-BD59-A6C34878D82A}">
-                    <a16:rowId xmlns:a16="http://schemas.microsoft.com/office/drawing/2014/main" xmlns="" val="1534587662"/>
+                    <a16:rowId xmlns="" xmlns:a16="http://schemas.microsoft.com/office/drawing/2014/main" val="1534587662"/>
                   </a:ext>
                 </a:extLst>
               </a:tr>
@@ -10724,7 +10717,7 @@
   <a:extraClrSchemeLst/>
   <a:extLst>
     <a:ext uri="{05A4C25C-085E-4340-85A3-A5531E510DB2}">
-      <thm15:themeFamily xmlns="" xmlns:thm15="http://schemas.microsoft.com/office/thememl/2012/main" name="Office Theme" id="{62F939B6-93AF-4DB8-9C6B-D6C7DFDC589F}" vid="{4A3C46E8-61CC-4603-A589-7422A47A8E4A}"/>
+      <thm15:themeFamily xmlns:thm15="http://schemas.microsoft.com/office/thememl/2012/main" xmlns="" name="Office Theme" id="{62F939B6-93AF-4DB8-9C6B-D6C7DFDC589F}" vid="{4A3C46E8-61CC-4603-A589-7422A47A8E4A}"/>
     </a:ext>
   </a:extLst>
 </a:theme>
